--- a/進捗共有_20250612.pptx
+++ b/進捗共有_20250612.pptx
@@ -9,6 +9,16 @@
     <p:sldId id="259" r:id="rId3"/>
     <p:sldId id="258" r:id="rId4"/>
     <p:sldId id="260" r:id="rId5"/>
+    <p:sldId id="261" r:id="rId6"/>
+    <p:sldId id="262" r:id="rId7"/>
+    <p:sldId id="263" r:id="rId8"/>
+    <p:sldId id="264" r:id="rId9"/>
+    <p:sldId id="265" r:id="rId10"/>
+    <p:sldId id="266" r:id="rId11"/>
+    <p:sldId id="267" r:id="rId12"/>
+    <p:sldId id="268" r:id="rId13"/>
+    <p:sldId id="269" r:id="rId14"/>
+    <p:sldId id="270" r:id="rId15"/>
   </p:sldIdLst>
   <p:sldSz cx="9144000" cy="6858000" type="screen4x3"/>
   <p:notesSz cx="6858000" cy="9144000"/>
@@ -3832,6 +3842,406 @@
 </p:sld>
 </file>
 
+<file path=ppt/slides/slide10.xml><?xml version="1.0" encoding="utf-8"?>
+<p:sld xmlns:a="http://schemas.openxmlformats.org/drawingml/2006/main" xmlns:r="http://schemas.openxmlformats.org/officeDocument/2006/relationships" xmlns:p="http://schemas.openxmlformats.org/presentationml/2006/main">
+  <p:cSld>
+    <p:spTree>
+      <p:nvGrpSpPr>
+        <p:cNvPr id="1" name=""/>
+        <p:cNvGrpSpPr/>
+        <p:nvPr/>
+      </p:nvGrpSpPr>
+      <p:grpSpPr>
+        <a:xfrm>
+          <a:off x="0" y="0"/>
+          <a:ext cx="0" cy="0"/>
+          <a:chOff x="0" y="0"/>
+          <a:chExt cx="0" cy="0"/>
+        </a:xfrm>
+      </p:grpSpPr>
+      <p:sp>
+        <p:nvSpPr>
+          <p:cNvPr id="2" name="タイトル 1">
+            <a:extLst>
+              <a:ext uri="{FF2B5EF4-FFF2-40B4-BE49-F238E27FC236}">
+                <a16:creationId xmlns:a16="http://schemas.microsoft.com/office/drawing/2014/main" id="{8546EC9C-6F23-D218-F15E-F9E718957547}"/>
+              </a:ext>
+            </a:extLst>
+          </p:cNvPr>
+          <p:cNvSpPr>
+            <a:spLocks noGrp="1"/>
+          </p:cNvSpPr>
+          <p:nvPr>
+            <p:ph type="title"/>
+          </p:nvPr>
+        </p:nvSpPr>
+        <p:spPr/>
+        <p:txBody>
+          <a:bodyPr/>
+          <a:lstStyle/>
+          <a:p>
+            <a:endParaRPr kumimoji="1" lang="ja-JP" altLang="en-US" dirty="0"/>
+          </a:p>
+        </p:txBody>
+      </p:sp>
+      <p:sp>
+        <p:nvSpPr>
+          <p:cNvPr id="3" name="コンテンツ プレースホルダー 2">
+            <a:extLst>
+              <a:ext uri="{FF2B5EF4-FFF2-40B4-BE49-F238E27FC236}">
+                <a16:creationId xmlns:a16="http://schemas.microsoft.com/office/drawing/2014/main" id="{D1E82227-0F0A-84B6-1B52-BBECB47410D8}"/>
+              </a:ext>
+            </a:extLst>
+          </p:cNvPr>
+          <p:cNvSpPr>
+            <a:spLocks noGrp="1"/>
+          </p:cNvSpPr>
+          <p:nvPr>
+            <p:ph idx="1"/>
+          </p:nvPr>
+        </p:nvSpPr>
+        <p:spPr/>
+        <p:txBody>
+          <a:bodyPr/>
+          <a:lstStyle/>
+          <a:p>
+            <a:endParaRPr kumimoji="1" lang="ja-JP" altLang="en-US"/>
+          </a:p>
+        </p:txBody>
+      </p:sp>
+    </p:spTree>
+    <p:extLst>
+      <p:ext uri="{BB962C8B-B14F-4D97-AF65-F5344CB8AC3E}">
+        <p14:creationId xmlns:p14="http://schemas.microsoft.com/office/powerpoint/2010/main" val="663417985"/>
+      </p:ext>
+    </p:extLst>
+  </p:cSld>
+  <p:clrMapOvr>
+    <a:masterClrMapping/>
+  </p:clrMapOvr>
+</p:sld>
+</file>
+
+<file path=ppt/slides/slide11.xml><?xml version="1.0" encoding="utf-8"?>
+<p:sld xmlns:a="http://schemas.openxmlformats.org/drawingml/2006/main" xmlns:r="http://schemas.openxmlformats.org/officeDocument/2006/relationships" xmlns:p="http://schemas.openxmlformats.org/presentationml/2006/main">
+  <p:cSld>
+    <p:spTree>
+      <p:nvGrpSpPr>
+        <p:cNvPr id="1" name=""/>
+        <p:cNvGrpSpPr/>
+        <p:nvPr/>
+      </p:nvGrpSpPr>
+      <p:grpSpPr>
+        <a:xfrm>
+          <a:off x="0" y="0"/>
+          <a:ext cx="0" cy="0"/>
+          <a:chOff x="0" y="0"/>
+          <a:chExt cx="0" cy="0"/>
+        </a:xfrm>
+      </p:grpSpPr>
+      <p:sp>
+        <p:nvSpPr>
+          <p:cNvPr id="2" name="タイトル 1">
+            <a:extLst>
+              <a:ext uri="{FF2B5EF4-FFF2-40B4-BE49-F238E27FC236}">
+                <a16:creationId xmlns:a16="http://schemas.microsoft.com/office/drawing/2014/main" id="{8546EC9C-6F23-D218-F15E-F9E718957547}"/>
+              </a:ext>
+            </a:extLst>
+          </p:cNvPr>
+          <p:cNvSpPr>
+            <a:spLocks noGrp="1"/>
+          </p:cNvSpPr>
+          <p:nvPr>
+            <p:ph type="title"/>
+          </p:nvPr>
+        </p:nvSpPr>
+        <p:spPr/>
+        <p:txBody>
+          <a:bodyPr/>
+          <a:lstStyle/>
+          <a:p>
+            <a:endParaRPr kumimoji="1" lang="ja-JP" altLang="en-US" dirty="0"/>
+          </a:p>
+        </p:txBody>
+      </p:sp>
+      <p:sp>
+        <p:nvSpPr>
+          <p:cNvPr id="3" name="コンテンツ プレースホルダー 2">
+            <a:extLst>
+              <a:ext uri="{FF2B5EF4-FFF2-40B4-BE49-F238E27FC236}">
+                <a16:creationId xmlns:a16="http://schemas.microsoft.com/office/drawing/2014/main" id="{D1E82227-0F0A-84B6-1B52-BBECB47410D8}"/>
+              </a:ext>
+            </a:extLst>
+          </p:cNvPr>
+          <p:cNvSpPr>
+            <a:spLocks noGrp="1"/>
+          </p:cNvSpPr>
+          <p:nvPr>
+            <p:ph idx="1"/>
+          </p:nvPr>
+        </p:nvSpPr>
+        <p:spPr/>
+        <p:txBody>
+          <a:bodyPr/>
+          <a:lstStyle/>
+          <a:p>
+            <a:endParaRPr kumimoji="1" lang="ja-JP" altLang="en-US"/>
+          </a:p>
+        </p:txBody>
+      </p:sp>
+    </p:spTree>
+    <p:extLst>
+      <p:ext uri="{BB962C8B-B14F-4D97-AF65-F5344CB8AC3E}">
+        <p14:creationId xmlns:p14="http://schemas.microsoft.com/office/powerpoint/2010/main" val="3719368253"/>
+      </p:ext>
+    </p:extLst>
+  </p:cSld>
+  <p:clrMapOvr>
+    <a:masterClrMapping/>
+  </p:clrMapOvr>
+</p:sld>
+</file>
+
+<file path=ppt/slides/slide12.xml><?xml version="1.0" encoding="utf-8"?>
+<p:sld xmlns:a="http://schemas.openxmlformats.org/drawingml/2006/main" xmlns:r="http://schemas.openxmlformats.org/officeDocument/2006/relationships" xmlns:p="http://schemas.openxmlformats.org/presentationml/2006/main">
+  <p:cSld>
+    <p:spTree>
+      <p:nvGrpSpPr>
+        <p:cNvPr id="1" name=""/>
+        <p:cNvGrpSpPr/>
+        <p:nvPr/>
+      </p:nvGrpSpPr>
+      <p:grpSpPr>
+        <a:xfrm>
+          <a:off x="0" y="0"/>
+          <a:ext cx="0" cy="0"/>
+          <a:chOff x="0" y="0"/>
+          <a:chExt cx="0" cy="0"/>
+        </a:xfrm>
+      </p:grpSpPr>
+      <p:sp>
+        <p:nvSpPr>
+          <p:cNvPr id="2" name="タイトル 1">
+            <a:extLst>
+              <a:ext uri="{FF2B5EF4-FFF2-40B4-BE49-F238E27FC236}">
+                <a16:creationId xmlns:a16="http://schemas.microsoft.com/office/drawing/2014/main" id="{8546EC9C-6F23-D218-F15E-F9E718957547}"/>
+              </a:ext>
+            </a:extLst>
+          </p:cNvPr>
+          <p:cNvSpPr>
+            <a:spLocks noGrp="1"/>
+          </p:cNvSpPr>
+          <p:nvPr>
+            <p:ph type="title"/>
+          </p:nvPr>
+        </p:nvSpPr>
+        <p:spPr/>
+        <p:txBody>
+          <a:bodyPr/>
+          <a:lstStyle/>
+          <a:p>
+            <a:endParaRPr kumimoji="1" lang="ja-JP" altLang="en-US" dirty="0"/>
+          </a:p>
+        </p:txBody>
+      </p:sp>
+      <p:sp>
+        <p:nvSpPr>
+          <p:cNvPr id="3" name="コンテンツ プレースホルダー 2">
+            <a:extLst>
+              <a:ext uri="{FF2B5EF4-FFF2-40B4-BE49-F238E27FC236}">
+                <a16:creationId xmlns:a16="http://schemas.microsoft.com/office/drawing/2014/main" id="{D1E82227-0F0A-84B6-1B52-BBECB47410D8}"/>
+              </a:ext>
+            </a:extLst>
+          </p:cNvPr>
+          <p:cNvSpPr>
+            <a:spLocks noGrp="1"/>
+          </p:cNvSpPr>
+          <p:nvPr>
+            <p:ph idx="1"/>
+          </p:nvPr>
+        </p:nvSpPr>
+        <p:spPr/>
+        <p:txBody>
+          <a:bodyPr/>
+          <a:lstStyle/>
+          <a:p>
+            <a:endParaRPr kumimoji="1" lang="ja-JP" altLang="en-US"/>
+          </a:p>
+        </p:txBody>
+      </p:sp>
+    </p:spTree>
+    <p:extLst>
+      <p:ext uri="{BB962C8B-B14F-4D97-AF65-F5344CB8AC3E}">
+        <p14:creationId xmlns:p14="http://schemas.microsoft.com/office/powerpoint/2010/main" val="1502405430"/>
+      </p:ext>
+    </p:extLst>
+  </p:cSld>
+  <p:clrMapOvr>
+    <a:masterClrMapping/>
+  </p:clrMapOvr>
+</p:sld>
+</file>
+
+<file path=ppt/slides/slide13.xml><?xml version="1.0" encoding="utf-8"?>
+<p:sld xmlns:a="http://schemas.openxmlformats.org/drawingml/2006/main" xmlns:r="http://schemas.openxmlformats.org/officeDocument/2006/relationships" xmlns:p="http://schemas.openxmlformats.org/presentationml/2006/main">
+  <p:cSld>
+    <p:spTree>
+      <p:nvGrpSpPr>
+        <p:cNvPr id="1" name=""/>
+        <p:cNvGrpSpPr/>
+        <p:nvPr/>
+      </p:nvGrpSpPr>
+      <p:grpSpPr>
+        <a:xfrm>
+          <a:off x="0" y="0"/>
+          <a:ext cx="0" cy="0"/>
+          <a:chOff x="0" y="0"/>
+          <a:chExt cx="0" cy="0"/>
+        </a:xfrm>
+      </p:grpSpPr>
+      <p:sp>
+        <p:nvSpPr>
+          <p:cNvPr id="2" name="タイトル 1">
+            <a:extLst>
+              <a:ext uri="{FF2B5EF4-FFF2-40B4-BE49-F238E27FC236}">
+                <a16:creationId xmlns:a16="http://schemas.microsoft.com/office/drawing/2014/main" id="{8546EC9C-6F23-D218-F15E-F9E718957547}"/>
+              </a:ext>
+            </a:extLst>
+          </p:cNvPr>
+          <p:cNvSpPr>
+            <a:spLocks noGrp="1"/>
+          </p:cNvSpPr>
+          <p:nvPr>
+            <p:ph type="title"/>
+          </p:nvPr>
+        </p:nvSpPr>
+        <p:spPr/>
+        <p:txBody>
+          <a:bodyPr/>
+          <a:lstStyle/>
+          <a:p>
+            <a:endParaRPr kumimoji="1" lang="ja-JP" altLang="en-US" dirty="0"/>
+          </a:p>
+        </p:txBody>
+      </p:sp>
+      <p:sp>
+        <p:nvSpPr>
+          <p:cNvPr id="3" name="コンテンツ プレースホルダー 2">
+            <a:extLst>
+              <a:ext uri="{FF2B5EF4-FFF2-40B4-BE49-F238E27FC236}">
+                <a16:creationId xmlns:a16="http://schemas.microsoft.com/office/drawing/2014/main" id="{D1E82227-0F0A-84B6-1B52-BBECB47410D8}"/>
+              </a:ext>
+            </a:extLst>
+          </p:cNvPr>
+          <p:cNvSpPr>
+            <a:spLocks noGrp="1"/>
+          </p:cNvSpPr>
+          <p:nvPr>
+            <p:ph idx="1"/>
+          </p:nvPr>
+        </p:nvSpPr>
+        <p:spPr/>
+        <p:txBody>
+          <a:bodyPr/>
+          <a:lstStyle/>
+          <a:p>
+            <a:endParaRPr kumimoji="1" lang="ja-JP" altLang="en-US"/>
+          </a:p>
+        </p:txBody>
+      </p:sp>
+    </p:spTree>
+    <p:extLst>
+      <p:ext uri="{BB962C8B-B14F-4D97-AF65-F5344CB8AC3E}">
+        <p14:creationId xmlns:p14="http://schemas.microsoft.com/office/powerpoint/2010/main" val="3638954332"/>
+      </p:ext>
+    </p:extLst>
+  </p:cSld>
+  <p:clrMapOvr>
+    <a:masterClrMapping/>
+  </p:clrMapOvr>
+</p:sld>
+</file>
+
+<file path=ppt/slides/slide14.xml><?xml version="1.0" encoding="utf-8"?>
+<p:sld xmlns:a="http://schemas.openxmlformats.org/drawingml/2006/main" xmlns:r="http://schemas.openxmlformats.org/officeDocument/2006/relationships" xmlns:p="http://schemas.openxmlformats.org/presentationml/2006/main">
+  <p:cSld>
+    <p:spTree>
+      <p:nvGrpSpPr>
+        <p:cNvPr id="1" name=""/>
+        <p:cNvGrpSpPr/>
+        <p:nvPr/>
+      </p:nvGrpSpPr>
+      <p:grpSpPr>
+        <a:xfrm>
+          <a:off x="0" y="0"/>
+          <a:ext cx="0" cy="0"/>
+          <a:chOff x="0" y="0"/>
+          <a:chExt cx="0" cy="0"/>
+        </a:xfrm>
+      </p:grpSpPr>
+      <p:sp>
+        <p:nvSpPr>
+          <p:cNvPr id="2" name="タイトル 1">
+            <a:extLst>
+              <a:ext uri="{FF2B5EF4-FFF2-40B4-BE49-F238E27FC236}">
+                <a16:creationId xmlns:a16="http://schemas.microsoft.com/office/drawing/2014/main" id="{8546EC9C-6F23-D218-F15E-F9E718957547}"/>
+              </a:ext>
+            </a:extLst>
+          </p:cNvPr>
+          <p:cNvSpPr>
+            <a:spLocks noGrp="1"/>
+          </p:cNvSpPr>
+          <p:nvPr>
+            <p:ph type="title"/>
+          </p:nvPr>
+        </p:nvSpPr>
+        <p:spPr/>
+        <p:txBody>
+          <a:bodyPr/>
+          <a:lstStyle/>
+          <a:p>
+            <a:endParaRPr kumimoji="1" lang="ja-JP" altLang="en-US" dirty="0"/>
+          </a:p>
+        </p:txBody>
+      </p:sp>
+      <p:sp>
+        <p:nvSpPr>
+          <p:cNvPr id="3" name="コンテンツ プレースホルダー 2">
+            <a:extLst>
+              <a:ext uri="{FF2B5EF4-FFF2-40B4-BE49-F238E27FC236}">
+                <a16:creationId xmlns:a16="http://schemas.microsoft.com/office/drawing/2014/main" id="{D1E82227-0F0A-84B6-1B52-BBECB47410D8}"/>
+              </a:ext>
+            </a:extLst>
+          </p:cNvPr>
+          <p:cNvSpPr>
+            <a:spLocks noGrp="1"/>
+          </p:cNvSpPr>
+          <p:nvPr>
+            <p:ph idx="1"/>
+          </p:nvPr>
+        </p:nvSpPr>
+        <p:spPr/>
+        <p:txBody>
+          <a:bodyPr/>
+          <a:lstStyle/>
+          <a:p>
+            <a:endParaRPr kumimoji="1" lang="ja-JP" altLang="en-US"/>
+          </a:p>
+        </p:txBody>
+      </p:sp>
+    </p:spTree>
+    <p:extLst>
+      <p:ext uri="{BB962C8B-B14F-4D97-AF65-F5344CB8AC3E}">
+        <p14:creationId xmlns:p14="http://schemas.microsoft.com/office/powerpoint/2010/main" val="1796869063"/>
+      </p:ext>
+    </p:extLst>
+  </p:cSld>
+  <p:clrMapOvr>
+    <a:masterClrMapping/>
+  </p:clrMapOvr>
+</p:sld>
+</file>
+
 <file path=ppt/slides/slide2.xml><?xml version="1.0" encoding="utf-8"?>
 <p:sld xmlns:a="http://schemas.openxmlformats.org/drawingml/2006/main" xmlns:r="http://schemas.openxmlformats.org/officeDocument/2006/relationships" xmlns:p="http://schemas.openxmlformats.org/presentationml/2006/main">
   <p:cSld>
@@ -4179,12 +4589,26 @@
             <p:ph type="title"/>
           </p:nvPr>
         </p:nvSpPr>
-        <p:spPr/>
-        <p:txBody>
-          <a:bodyPr/>
-          <a:lstStyle/>
-          <a:p>
-            <a:endParaRPr kumimoji="1" lang="ja-JP" altLang="en-US" dirty="0"/>
+        <p:spPr>
+          <a:xfrm>
+            <a:off x="304800" y="365126"/>
+            <a:ext cx="8473440" cy="1325563"/>
+          </a:xfrm>
+        </p:spPr>
+        <p:txBody>
+          <a:bodyPr>
+            <a:normAutofit/>
+          </a:bodyPr>
+          <a:lstStyle/>
+          <a:p>
+            <a:r>
+              <a:rPr kumimoji="1" lang="en-US" altLang="ja-JP" sz="3600" dirty="0"/>
+              <a:t>LOS</a:t>
+            </a:r>
+            <a:r>
+              <a:rPr kumimoji="1" lang="ja-JP" altLang="en-US" sz="3600" dirty="0"/>
+              <a:t>誘導によるリーダーフォロワー制御</a:t>
+            </a:r>
           </a:p>
         </p:txBody>
       </p:sp>
@@ -4204,12 +4628,64 @@
             <p:ph idx="1"/>
           </p:nvPr>
         </p:nvSpPr>
-        <p:spPr/>
-        <p:txBody>
-          <a:bodyPr/>
-          <a:lstStyle/>
-          <a:p>
-            <a:endParaRPr kumimoji="1" lang="ja-JP" altLang="en-US"/>
+        <p:spPr>
+          <a:xfrm>
+            <a:off x="628650" y="2128344"/>
+            <a:ext cx="7886700" cy="4298581"/>
+          </a:xfrm>
+        </p:spPr>
+        <p:txBody>
+          <a:bodyPr>
+            <a:normAutofit/>
+          </a:bodyPr>
+          <a:lstStyle/>
+          <a:p>
+            <a:r>
+              <a:rPr kumimoji="1" lang="ja-JP" altLang="en-US" dirty="0"/>
+              <a:t>複数のクワッドロータを管制塔で一括制御するのではなく、局所的な情報のみを利用して群れとして動作することを目指す</a:t>
+            </a:r>
+            <a:endParaRPr kumimoji="1" lang="en-US" altLang="ja-JP" dirty="0"/>
+          </a:p>
+          <a:p>
+            <a:endParaRPr lang="en-US" altLang="ja-JP" dirty="0"/>
+          </a:p>
+          <a:p>
+            <a:r>
+              <a:rPr kumimoji="1" lang="ja-JP" altLang="en-US" dirty="0"/>
+              <a:t>フォーメーション制御に</a:t>
+            </a:r>
+            <a:r>
+              <a:rPr kumimoji="1" lang="en-US" altLang="ja-JP" dirty="0"/>
+              <a:t>LOS</a:t>
+            </a:r>
+            <a:r>
+              <a:rPr kumimoji="1" lang="ja-JP" altLang="en-US" dirty="0"/>
+              <a:t>誘導に基づく</a:t>
+            </a:r>
+            <a:br>
+              <a:rPr kumimoji="1" lang="en-US" altLang="ja-JP" dirty="0"/>
+            </a:br>
+            <a:r>
+              <a:rPr kumimoji="1" lang="ja-JP" altLang="en-US" dirty="0"/>
+              <a:t>リーダーフォロワー制御を採用</a:t>
+            </a:r>
+            <a:endParaRPr kumimoji="1" lang="en-US" altLang="ja-JP" dirty="0"/>
+          </a:p>
+          <a:p>
+            <a:endParaRPr lang="en-US" altLang="ja-JP" dirty="0"/>
+          </a:p>
+          <a:p>
+            <a:r>
+              <a:rPr kumimoji="1" lang="ja-JP" altLang="en-US" dirty="0"/>
+              <a:t>フォロワの制御器を設計、リーダーの動きに</a:t>
+            </a:r>
+            <a:br>
+              <a:rPr kumimoji="1" lang="en-US" altLang="ja-JP" dirty="0"/>
+            </a:br>
+            <a:r>
+              <a:rPr kumimoji="1" lang="ja-JP" altLang="en-US" dirty="0"/>
+              <a:t>併せてフォーメーションを組む</a:t>
+            </a:r>
           </a:p>
         </p:txBody>
       </p:sp>
@@ -4217,6 +4693,1568 @@
     <p:extLst>
       <p:ext uri="{BB962C8B-B14F-4D97-AF65-F5344CB8AC3E}">
         <p14:creationId xmlns:p14="http://schemas.microsoft.com/office/powerpoint/2010/main" val="3359065375"/>
+      </p:ext>
+    </p:extLst>
+  </p:cSld>
+  <p:clrMapOvr>
+    <a:masterClrMapping/>
+  </p:clrMapOvr>
+</p:sld>
+</file>
+
+<file path=ppt/slides/slide5.xml><?xml version="1.0" encoding="utf-8"?>
+<p:sld xmlns:a="http://schemas.openxmlformats.org/drawingml/2006/main" xmlns:r="http://schemas.openxmlformats.org/officeDocument/2006/relationships" xmlns:p="http://schemas.openxmlformats.org/presentationml/2006/main">
+  <p:cSld>
+    <p:spTree>
+      <p:nvGrpSpPr>
+        <p:cNvPr id="1" name=""/>
+        <p:cNvGrpSpPr/>
+        <p:nvPr/>
+      </p:nvGrpSpPr>
+      <p:grpSpPr>
+        <a:xfrm>
+          <a:off x="0" y="0"/>
+          <a:ext cx="0" cy="0"/>
+          <a:chOff x="0" y="0"/>
+          <a:chExt cx="0" cy="0"/>
+        </a:xfrm>
+      </p:grpSpPr>
+      <p:sp>
+        <p:nvSpPr>
+          <p:cNvPr id="2" name="タイトル 1">
+            <a:extLst>
+              <a:ext uri="{FF2B5EF4-FFF2-40B4-BE49-F238E27FC236}">
+                <a16:creationId xmlns:a16="http://schemas.microsoft.com/office/drawing/2014/main" id="{8546EC9C-6F23-D218-F15E-F9E718957547}"/>
+              </a:ext>
+            </a:extLst>
+          </p:cNvPr>
+          <p:cNvSpPr>
+            <a:spLocks noGrp="1"/>
+          </p:cNvSpPr>
+          <p:nvPr>
+            <p:ph type="title"/>
+          </p:nvPr>
+        </p:nvSpPr>
+        <p:spPr/>
+        <p:txBody>
+          <a:bodyPr/>
+          <a:lstStyle/>
+          <a:p>
+            <a:r>
+              <a:rPr kumimoji="1" lang="en-US" altLang="ja-JP" dirty="0"/>
+              <a:t>LOS</a:t>
+            </a:r>
+            <a:r>
+              <a:rPr kumimoji="1" lang="ja-JP" altLang="en-US" dirty="0"/>
+              <a:t>による追従制御</a:t>
+            </a:r>
+          </a:p>
+        </p:txBody>
+      </p:sp>
+      <mc:AlternateContent xmlns:mc="http://schemas.openxmlformats.org/markup-compatibility/2006">
+        <mc:Choice xmlns:a14="http://schemas.microsoft.com/office/drawing/2010/main" Requires="a14">
+          <p:sp>
+            <p:nvSpPr>
+              <p:cNvPr id="3" name="コンテンツ プレースホルダー 2">
+                <a:extLst>
+                  <a:ext uri="{FF2B5EF4-FFF2-40B4-BE49-F238E27FC236}">
+                    <a16:creationId xmlns:a16="http://schemas.microsoft.com/office/drawing/2014/main" id="{D1E82227-0F0A-84B6-1B52-BBECB47410D8}"/>
+                  </a:ext>
+                </a:extLst>
+              </p:cNvPr>
+              <p:cNvSpPr>
+                <a:spLocks noGrp="1"/>
+              </p:cNvSpPr>
+              <p:nvPr>
+                <p:ph idx="1"/>
+              </p:nvPr>
+            </p:nvSpPr>
+            <p:spPr/>
+            <p:txBody>
+              <a:bodyPr>
+                <a:normAutofit/>
+              </a:bodyPr>
+              <a:lstStyle/>
+              <a:p>
+                <a:r>
+                  <a:rPr kumimoji="1" lang="ja-JP" altLang="en-US" sz="2400" dirty="0"/>
+                  <a:t>経由点</a:t>
+                </a:r>
+                <a14:m>
+                  <m:oMath xmlns:m="http://schemas.openxmlformats.org/officeDocument/2006/math">
+                    <m:sSub>
+                      <m:sSubPr>
+                        <m:ctrlPr>
+                          <a:rPr kumimoji="1" lang="en-US" altLang="ja-JP" sz="2400" i="1" smtClean="0">
+                            <a:latin typeface="Cambria Math" panose="02040503050406030204" pitchFamily="18" charset="0"/>
+                          </a:rPr>
+                        </m:ctrlPr>
+                      </m:sSubPr>
+                      <m:e>
+                        <m:r>
+                          <a:rPr kumimoji="1" lang="en-US" altLang="ja-JP" sz="2400" b="0" i="1" smtClean="0">
+                            <a:latin typeface="Cambria Math" panose="02040503050406030204" pitchFamily="18" charset="0"/>
+                          </a:rPr>
+                          <m:t>𝑝</m:t>
+                        </m:r>
+                      </m:e>
+                      <m:sub>
+                        <m:r>
+                          <a:rPr kumimoji="1" lang="en-US" altLang="ja-JP" sz="2400" b="0" i="1" smtClean="0">
+                            <a:latin typeface="Cambria Math" panose="02040503050406030204" pitchFamily="18" charset="0"/>
+                          </a:rPr>
+                          <m:t>1</m:t>
+                        </m:r>
+                      </m:sub>
+                    </m:sSub>
+                  </m:oMath>
+                </a14:m>
+                <a:r>
+                  <a:rPr kumimoji="1" lang="en-US" altLang="ja-JP" sz="2400" dirty="0"/>
+                  <a:t>,</a:t>
+                </a:r>
+                <a:r>
+                  <a:rPr lang="en-US" altLang="ja-JP" sz="2400" dirty="0"/>
+                  <a:t> </a:t>
+                </a:r>
+                <a14:m>
+                  <m:oMath xmlns:m="http://schemas.openxmlformats.org/officeDocument/2006/math">
+                    <m:sSub>
+                      <m:sSubPr>
+                        <m:ctrlPr>
+                          <a:rPr lang="en-US" altLang="ja-JP" sz="2400" i="1">
+                            <a:latin typeface="Cambria Math" panose="02040503050406030204" pitchFamily="18" charset="0"/>
+                          </a:rPr>
+                        </m:ctrlPr>
+                      </m:sSubPr>
+                      <m:e>
+                        <m:r>
+                          <a:rPr lang="en-US" altLang="ja-JP" sz="2400" i="1">
+                            <a:latin typeface="Cambria Math" panose="02040503050406030204" pitchFamily="18" charset="0"/>
+                          </a:rPr>
+                          <m:t>𝑝</m:t>
+                        </m:r>
+                      </m:e>
+                      <m:sub>
+                        <m:r>
+                          <a:rPr lang="en-US" altLang="ja-JP" sz="2400" b="0" i="1" smtClean="0">
+                            <a:latin typeface="Cambria Math" panose="02040503050406030204" pitchFamily="18" charset="0"/>
+                          </a:rPr>
+                          <m:t>2</m:t>
+                        </m:r>
+                      </m:sub>
+                    </m:sSub>
+                    <m:r>
+                      <a:rPr lang="en-US" altLang="ja-JP" sz="2400" i="1" smtClean="0">
+                        <a:latin typeface="Cambria Math" panose="02040503050406030204" pitchFamily="18" charset="0"/>
+                      </a:rPr>
+                      <m:t>…</m:t>
+                    </m:r>
+                  </m:oMath>
+                </a14:m>
+                <a:r>
+                  <a:rPr kumimoji="1" lang="ja-JP" altLang="en-US" sz="2400" dirty="0"/>
+                  <a:t>を結んだ目標経路</a:t>
+                </a:r>
+                <a:r>
+                  <a:rPr lang="ja-JP" altLang="en-US" sz="2400" dirty="0"/>
+                  <a:t>に追従</a:t>
+                </a:r>
+                <a:endParaRPr lang="en-US" altLang="ja-JP" sz="2400" dirty="0"/>
+              </a:p>
+              <a:p>
+                <a:r>
+                  <a:rPr kumimoji="1" lang="ja-JP" altLang="en-US" sz="2400" dirty="0"/>
+                  <a:t>機体を中心とした半径</a:t>
+                </a:r>
+                <a:r>
+                  <a:rPr kumimoji="1" lang="en-US" altLang="ja-JP" sz="2400" dirty="0"/>
+                  <a:t>L</a:t>
+                </a:r>
+                <a:r>
+                  <a:rPr kumimoji="1" lang="ja-JP" altLang="en-US" sz="2400" dirty="0"/>
+                  <a:t>の円が目標とする経由点</a:t>
+                </a:r>
+                <a14:m>
+                  <m:oMath xmlns:m="http://schemas.openxmlformats.org/officeDocument/2006/math">
+                    <m:sSub>
+                      <m:sSubPr>
+                        <m:ctrlPr>
+                          <a:rPr kumimoji="1" lang="en-US" altLang="ja-JP" sz="2400" i="1" smtClean="0">
+                            <a:latin typeface="Cambria Math" panose="02040503050406030204" pitchFamily="18" charset="0"/>
+                          </a:rPr>
+                        </m:ctrlPr>
+                      </m:sSubPr>
+                      <m:e>
+                        <m:r>
+                          <a:rPr kumimoji="1" lang="en-US" altLang="ja-JP" sz="2400" b="0" i="1" smtClean="0">
+                            <a:latin typeface="Cambria Math" panose="02040503050406030204" pitchFamily="18" charset="0"/>
+                          </a:rPr>
+                          <m:t>𝑝</m:t>
+                        </m:r>
+                      </m:e>
+                      <m:sub>
+                        <m:r>
+                          <a:rPr kumimoji="1" lang="en-US" altLang="ja-JP" sz="2400" b="0" i="1" smtClean="0">
+                            <a:latin typeface="Cambria Math" panose="02040503050406030204" pitchFamily="18" charset="0"/>
+                          </a:rPr>
+                          <m:t>𝑘</m:t>
+                        </m:r>
+                      </m:sub>
+                    </m:sSub>
+                  </m:oMath>
+                </a14:m>
+                <a:r>
+                  <a:rPr kumimoji="1" lang="ja-JP" altLang="en-US" sz="2400" dirty="0"/>
+                  <a:t>と</a:t>
+                </a:r>
+                <a:br>
+                  <a:rPr kumimoji="1" lang="en-US" altLang="ja-JP" sz="2400" dirty="0"/>
+                </a:br>
+                <a:r>
+                  <a:rPr kumimoji="1" lang="ja-JP" altLang="en-US" sz="2400" dirty="0"/>
+                  <a:t>一つ前の経由点</a:t>
+                </a:r>
+                <a14:m>
+                  <m:oMath xmlns:m="http://schemas.openxmlformats.org/officeDocument/2006/math">
+                    <m:sSub>
+                      <m:sSubPr>
+                        <m:ctrlPr>
+                          <a:rPr lang="en-US" altLang="ja-JP" sz="2400" i="1">
+                            <a:latin typeface="Cambria Math" panose="02040503050406030204" pitchFamily="18" charset="0"/>
+                          </a:rPr>
+                        </m:ctrlPr>
+                      </m:sSubPr>
+                      <m:e>
+                        <m:r>
+                          <a:rPr lang="en-US" altLang="ja-JP" sz="2400" i="1">
+                            <a:latin typeface="Cambria Math" panose="02040503050406030204" pitchFamily="18" charset="0"/>
+                          </a:rPr>
+                          <m:t>𝑝</m:t>
+                        </m:r>
+                      </m:e>
+                      <m:sub>
+                        <m:r>
+                          <a:rPr lang="en-US" altLang="ja-JP" sz="2400" b="0" i="1" smtClean="0">
+                            <a:latin typeface="Cambria Math" panose="02040503050406030204" pitchFamily="18" charset="0"/>
+                          </a:rPr>
+                          <m:t>𝑘</m:t>
+                        </m:r>
+                        <m:r>
+                          <a:rPr lang="en-US" altLang="ja-JP" sz="2400" b="0" i="1" smtClean="0">
+                            <a:latin typeface="Cambria Math" panose="02040503050406030204" pitchFamily="18" charset="0"/>
+                          </a:rPr>
+                          <m:t>−1</m:t>
+                        </m:r>
+                      </m:sub>
+                    </m:sSub>
+                  </m:oMath>
+                </a14:m>
+                <a:r>
+                  <a:rPr kumimoji="1" lang="ja-JP" altLang="en-US" sz="2400" dirty="0"/>
+                  <a:t>を結んだ線分と交差する点</a:t>
+                </a:r>
+                <a14:m>
+                  <m:oMath xmlns:m="http://schemas.openxmlformats.org/officeDocument/2006/math">
+                    <m:sSub>
+                      <m:sSubPr>
+                        <m:ctrlPr>
+                          <a:rPr lang="en-US" altLang="ja-JP" sz="2400" i="1">
+                            <a:latin typeface="Cambria Math" panose="02040503050406030204" pitchFamily="18" charset="0"/>
+                          </a:rPr>
+                        </m:ctrlPr>
+                      </m:sSubPr>
+                      <m:e>
+                        <m:r>
+                          <a:rPr lang="en-US" altLang="ja-JP" sz="2400" i="1">
+                            <a:latin typeface="Cambria Math" panose="02040503050406030204" pitchFamily="18" charset="0"/>
+                          </a:rPr>
+                          <m:t>𝑝</m:t>
+                        </m:r>
+                      </m:e>
+                      <m:sub>
+                        <m:r>
+                          <a:rPr lang="en-US" altLang="ja-JP" sz="2400" b="0" i="1" smtClean="0">
+                            <a:latin typeface="Cambria Math" panose="02040503050406030204" pitchFamily="18" charset="0"/>
+                          </a:rPr>
+                          <m:t>𝑙𝑜𝑠</m:t>
+                        </m:r>
+                      </m:sub>
+                    </m:sSub>
+                  </m:oMath>
+                </a14:m>
+                <a:r>
+                  <a:rPr kumimoji="1" lang="ja-JP" altLang="en-US" sz="2400" dirty="0"/>
+                  <a:t>が</a:t>
+                </a:r>
+                <a:br>
+                  <a:rPr kumimoji="1" lang="en-US" altLang="ja-JP" sz="2400" dirty="0"/>
+                </a:br>
+                <a:r>
+                  <a:rPr kumimoji="1" lang="ja-JP" altLang="en-US" sz="2400" dirty="0"/>
+                  <a:t>目標点</a:t>
+                </a:r>
+                <a:endParaRPr kumimoji="1" lang="en-US" altLang="ja-JP" sz="2400" dirty="0"/>
+              </a:p>
+              <a:p>
+                <a:r>
+                  <a:rPr kumimoji="1" lang="ja-JP" altLang="en-US" sz="2400" dirty="0"/>
+                  <a:t>機体位置が</a:t>
+                </a:r>
+                <a14:m>
+                  <m:oMath xmlns:m="http://schemas.openxmlformats.org/officeDocument/2006/math">
+                    <m:sSub>
+                      <m:sSubPr>
+                        <m:ctrlPr>
+                          <a:rPr kumimoji="1" lang="en-US" altLang="ja-JP" sz="2400" i="1" smtClean="0">
+                            <a:latin typeface="Cambria Math" panose="02040503050406030204" pitchFamily="18" charset="0"/>
+                          </a:rPr>
+                        </m:ctrlPr>
+                      </m:sSubPr>
+                      <m:e>
+                        <m:r>
+                          <a:rPr kumimoji="1" lang="en-US" altLang="ja-JP" sz="2400" b="0" i="1" smtClean="0">
+                            <a:latin typeface="Cambria Math" panose="02040503050406030204" pitchFamily="18" charset="0"/>
+                          </a:rPr>
+                          <m:t>𝑝</m:t>
+                        </m:r>
+                      </m:e>
+                      <m:sub>
+                        <m:r>
+                          <a:rPr kumimoji="1" lang="en-US" altLang="ja-JP" sz="2400" b="0" i="1" smtClean="0">
+                            <a:latin typeface="Cambria Math" panose="02040503050406030204" pitchFamily="18" charset="0"/>
+                          </a:rPr>
+                          <m:t>𝑘</m:t>
+                        </m:r>
+                      </m:sub>
+                    </m:sSub>
+                  </m:oMath>
+                </a14:m>
+                <a:r>
+                  <a:rPr kumimoji="1" lang="ja-JP" altLang="en-US" sz="2400" dirty="0"/>
+                  <a:t>を中心とした半径</a:t>
+                </a:r>
+                <a14:m>
+                  <m:oMath xmlns:m="http://schemas.openxmlformats.org/officeDocument/2006/math">
+                    <m:sSub>
+                      <m:sSubPr>
+                        <m:ctrlPr>
+                          <a:rPr lang="en-US" altLang="ja-JP" sz="2400" i="1">
+                            <a:latin typeface="Cambria Math" panose="02040503050406030204" pitchFamily="18" charset="0"/>
+                          </a:rPr>
+                        </m:ctrlPr>
+                      </m:sSubPr>
+                      <m:e>
+                        <m:r>
+                          <a:rPr lang="en-US" altLang="ja-JP" sz="2400" b="0" i="1" smtClean="0">
+                            <a:latin typeface="Cambria Math" panose="02040503050406030204" pitchFamily="18" charset="0"/>
+                          </a:rPr>
+                          <m:t>𝑅</m:t>
+                        </m:r>
+                      </m:e>
+                      <m:sub>
+                        <m:r>
+                          <a:rPr lang="en-US" altLang="ja-JP" sz="2400" b="0" i="1" smtClean="0">
+                            <a:latin typeface="Cambria Math" panose="02040503050406030204" pitchFamily="18" charset="0"/>
+                          </a:rPr>
+                          <m:t>𝑘</m:t>
+                        </m:r>
+                      </m:sub>
+                    </m:sSub>
+                  </m:oMath>
+                </a14:m>
+                <a:r>
+                  <a:rPr kumimoji="1" lang="ja-JP" altLang="en-US" sz="2400" dirty="0"/>
+                  <a:t>の範囲に達すると</a:t>
+                </a:r>
+                <a:br>
+                  <a:rPr kumimoji="1" lang="en-US" altLang="ja-JP" sz="2400" dirty="0"/>
+                </a:br>
+                <a:r>
+                  <a:rPr kumimoji="1" lang="ja-JP" altLang="en-US" sz="2400" dirty="0"/>
+                  <a:t>目標とする経由点を</a:t>
+                </a:r>
+                <a14:m>
+                  <m:oMath xmlns:m="http://schemas.openxmlformats.org/officeDocument/2006/math">
+                    <m:sSub>
+                      <m:sSubPr>
+                        <m:ctrlPr>
+                          <a:rPr lang="en-US" altLang="ja-JP" sz="2400" i="1">
+                            <a:latin typeface="Cambria Math" panose="02040503050406030204" pitchFamily="18" charset="0"/>
+                          </a:rPr>
+                        </m:ctrlPr>
+                      </m:sSubPr>
+                      <m:e>
+                        <m:r>
+                          <a:rPr lang="en-US" altLang="ja-JP" sz="2400" i="1">
+                            <a:latin typeface="Cambria Math" panose="02040503050406030204" pitchFamily="18" charset="0"/>
+                          </a:rPr>
+                          <m:t>𝑝</m:t>
+                        </m:r>
+                      </m:e>
+                      <m:sub>
+                        <m:r>
+                          <a:rPr lang="en-US" altLang="ja-JP" sz="2400" b="0" i="1" smtClean="0">
+                            <a:latin typeface="Cambria Math" panose="02040503050406030204" pitchFamily="18" charset="0"/>
+                          </a:rPr>
+                          <m:t>𝑘</m:t>
+                        </m:r>
+                        <m:r>
+                          <a:rPr lang="en-US" altLang="ja-JP" sz="2400" b="0" i="1" smtClean="0">
+                            <a:latin typeface="Cambria Math" panose="02040503050406030204" pitchFamily="18" charset="0"/>
+                          </a:rPr>
+                          <m:t>+1</m:t>
+                        </m:r>
+                      </m:sub>
+                    </m:sSub>
+                  </m:oMath>
+                </a14:m>
+                <a:r>
+                  <a:rPr kumimoji="1" lang="ja-JP" altLang="en-US" sz="2400" dirty="0"/>
+                  <a:t>に切り替えて同様に繰り返す</a:t>
+                </a:r>
+                <a:endParaRPr kumimoji="1" lang="en-US" altLang="ja-JP" sz="2400" dirty="0"/>
+              </a:p>
+              <a:p>
+                <a:r>
+                  <a:rPr kumimoji="1" lang="ja-JP" altLang="en-US" sz="2400" dirty="0"/>
+                  <a:t>機体は</a:t>
+                </a:r>
+                <a14:m>
+                  <m:oMath xmlns:m="http://schemas.openxmlformats.org/officeDocument/2006/math">
+                    <m:sSub>
+                      <m:sSubPr>
+                        <m:ctrlPr>
+                          <a:rPr kumimoji="1" lang="en-US" altLang="ja-JP" sz="2400" i="1" smtClean="0">
+                            <a:latin typeface="Cambria Math" panose="02040503050406030204" pitchFamily="18" charset="0"/>
+                          </a:rPr>
+                        </m:ctrlPr>
+                      </m:sSubPr>
+                      <m:e>
+                        <m:r>
+                          <a:rPr kumimoji="1" lang="en-US" altLang="ja-JP" sz="2400" b="0" i="1" smtClean="0">
+                            <a:latin typeface="Cambria Math" panose="02040503050406030204" pitchFamily="18" charset="0"/>
+                          </a:rPr>
+                          <m:t>𝑝</m:t>
+                        </m:r>
+                      </m:e>
+                      <m:sub>
+                        <m:r>
+                          <a:rPr kumimoji="1" lang="en-US" altLang="ja-JP" sz="2400" b="0" i="1" smtClean="0">
+                            <a:latin typeface="Cambria Math" panose="02040503050406030204" pitchFamily="18" charset="0"/>
+                          </a:rPr>
+                          <m:t>𝑙𝑜𝑠</m:t>
+                        </m:r>
+                      </m:sub>
+                    </m:sSub>
+                  </m:oMath>
+                </a14:m>
+                <a:r>
+                  <a:rPr kumimoji="1" lang="ja-JP" altLang="en-US" sz="2400" dirty="0"/>
+                  <a:t>に向かって移動することで目標経路に追従</a:t>
+                </a:r>
+              </a:p>
+            </p:txBody>
+          </p:sp>
+        </mc:Choice>
+        <mc:Fallback>
+          <p:sp>
+            <p:nvSpPr>
+              <p:cNvPr id="3" name="コンテンツ プレースホルダー 2">
+                <a:extLst>
+                  <a:ext uri="{FF2B5EF4-FFF2-40B4-BE49-F238E27FC236}">
+                    <a16:creationId xmlns:a16="http://schemas.microsoft.com/office/drawing/2014/main" id="{D1E82227-0F0A-84B6-1B52-BBECB47410D8}"/>
+                  </a:ext>
+                </a:extLst>
+              </p:cNvPr>
+              <p:cNvSpPr>
+                <a:spLocks noGrp="1" noRot="1" noChangeAspect="1" noMove="1" noResize="1" noEditPoints="1" noAdjustHandles="1" noChangeArrowheads="1" noChangeShapeType="1" noTextEdit="1"/>
+              </p:cNvSpPr>
+              <p:nvPr>
+                <p:ph idx="1"/>
+              </p:nvPr>
+            </p:nvSpPr>
+            <p:spPr>
+              <a:blipFill>
+                <a:blip r:embed="rId2"/>
+                <a:stretch>
+                  <a:fillRect l="-1005" t="-1958"/>
+                </a:stretch>
+              </a:blipFill>
+            </p:spPr>
+            <p:txBody>
+              <a:bodyPr/>
+              <a:lstStyle/>
+              <a:p>
+                <a:r>
+                  <a:rPr lang="ja-JP" altLang="en-US">
+                    <a:noFill/>
+                  </a:rPr>
+                  <a:t> </a:t>
+                </a:r>
+              </a:p>
+            </p:txBody>
+          </p:sp>
+        </mc:Fallback>
+      </mc:AlternateContent>
+    </p:spTree>
+    <p:extLst>
+      <p:ext uri="{BB962C8B-B14F-4D97-AF65-F5344CB8AC3E}">
+        <p14:creationId xmlns:p14="http://schemas.microsoft.com/office/powerpoint/2010/main" val="2056331704"/>
+      </p:ext>
+    </p:extLst>
+  </p:cSld>
+  <p:clrMapOvr>
+    <a:masterClrMapping/>
+  </p:clrMapOvr>
+</p:sld>
+</file>
+
+<file path=ppt/slides/slide6.xml><?xml version="1.0" encoding="utf-8"?>
+<p:sld xmlns:a="http://schemas.openxmlformats.org/drawingml/2006/main" xmlns:r="http://schemas.openxmlformats.org/officeDocument/2006/relationships" xmlns:p="http://schemas.openxmlformats.org/presentationml/2006/main">
+  <p:cSld>
+    <p:spTree>
+      <p:nvGrpSpPr>
+        <p:cNvPr id="1" name=""/>
+        <p:cNvGrpSpPr/>
+        <p:nvPr/>
+      </p:nvGrpSpPr>
+      <p:grpSpPr>
+        <a:xfrm>
+          <a:off x="0" y="0"/>
+          <a:ext cx="0" cy="0"/>
+          <a:chOff x="0" y="0"/>
+          <a:chExt cx="0" cy="0"/>
+        </a:xfrm>
+      </p:grpSpPr>
+      <p:sp>
+        <p:nvSpPr>
+          <p:cNvPr id="2" name="タイトル 1">
+            <a:extLst>
+              <a:ext uri="{FF2B5EF4-FFF2-40B4-BE49-F238E27FC236}">
+                <a16:creationId xmlns:a16="http://schemas.microsoft.com/office/drawing/2014/main" id="{8546EC9C-6F23-D218-F15E-F9E718957547}"/>
+              </a:ext>
+            </a:extLst>
+          </p:cNvPr>
+          <p:cNvSpPr>
+            <a:spLocks noGrp="1"/>
+          </p:cNvSpPr>
+          <p:nvPr>
+            <p:ph type="title"/>
+          </p:nvPr>
+        </p:nvSpPr>
+        <p:spPr/>
+        <p:txBody>
+          <a:bodyPr/>
+          <a:lstStyle/>
+          <a:p>
+            <a:r>
+              <a:rPr kumimoji="1" lang="en-US" altLang="ja-JP" dirty="0"/>
+              <a:t>LOS</a:t>
+            </a:r>
+            <a:r>
+              <a:rPr kumimoji="1" lang="ja-JP" altLang="en-US" dirty="0"/>
+              <a:t>による追従制御</a:t>
+            </a:r>
+          </a:p>
+        </p:txBody>
+      </p:sp>
+      <mc:AlternateContent xmlns:mc="http://schemas.openxmlformats.org/markup-compatibility/2006">
+        <mc:Choice xmlns:a14="http://schemas.microsoft.com/office/drawing/2010/main" Requires="a14">
+          <p:sp>
+            <p:nvSpPr>
+              <p:cNvPr id="3" name="コンテンツ プレースホルダー 2">
+                <a:extLst>
+                  <a:ext uri="{FF2B5EF4-FFF2-40B4-BE49-F238E27FC236}">
+                    <a16:creationId xmlns:a16="http://schemas.microsoft.com/office/drawing/2014/main" id="{D1E82227-0F0A-84B6-1B52-BBECB47410D8}"/>
+                  </a:ext>
+                </a:extLst>
+              </p:cNvPr>
+              <p:cNvSpPr>
+                <a:spLocks noGrp="1"/>
+              </p:cNvSpPr>
+              <p:nvPr>
+                <p:ph idx="1"/>
+              </p:nvPr>
+            </p:nvSpPr>
+            <p:spPr>
+              <a:xfrm>
+                <a:off x="1135381" y="4720045"/>
+                <a:ext cx="7886700" cy="1837509"/>
+              </a:xfrm>
+            </p:spPr>
+            <p:txBody>
+              <a:bodyPr>
+                <a:normAutofit/>
+              </a:bodyPr>
+              <a:lstStyle/>
+              <a:p>
+                <a:pPr marL="0" indent="0">
+                  <a:buNone/>
+                </a:pPr>
+                <a14:m>
+                  <m:oMathPara xmlns:m="http://schemas.openxmlformats.org/officeDocument/2006/math">
+                    <m:oMathParaPr>
+                      <m:jc m:val="centerGroup"/>
+                    </m:oMathParaPr>
+                    <m:oMath xmlns:m="http://schemas.openxmlformats.org/officeDocument/2006/math">
+                      <m:sSup>
+                        <m:sSupPr>
+                          <m:ctrlPr>
+                            <a:rPr kumimoji="1" lang="en-US" altLang="ja-JP" b="0" i="1" smtClean="0">
+                              <a:latin typeface="Cambria Math" panose="02040503050406030204" pitchFamily="18" charset="0"/>
+                            </a:rPr>
+                          </m:ctrlPr>
+                        </m:sSupPr>
+                        <m:e>
+                          <m:r>
+                            <a:rPr lang="en-US" altLang="ja-JP" i="1">
+                              <a:latin typeface="Cambria Math" panose="02040503050406030204" pitchFamily="18" charset="0"/>
+                            </a:rPr>
+                            <m:t>(</m:t>
+                          </m:r>
+                          <m:sSub>
+                            <m:sSubPr>
+                              <m:ctrlPr>
+                                <a:rPr lang="en-US" altLang="ja-JP" i="1">
+                                  <a:latin typeface="Cambria Math" panose="02040503050406030204" pitchFamily="18" charset="0"/>
+                                </a:rPr>
+                              </m:ctrlPr>
+                            </m:sSubPr>
+                            <m:e>
+                              <m:r>
+                                <a:rPr lang="en-US" altLang="ja-JP" i="1">
+                                  <a:latin typeface="Cambria Math" panose="02040503050406030204" pitchFamily="18" charset="0"/>
+                                </a:rPr>
+                                <m:t>𝑦</m:t>
+                              </m:r>
+                            </m:e>
+                            <m:sub>
+                              <m:r>
+                                <a:rPr lang="en-US" altLang="ja-JP" i="1">
+                                  <a:latin typeface="Cambria Math" panose="02040503050406030204" pitchFamily="18" charset="0"/>
+                                </a:rPr>
+                                <m:t>𝑙𝑜𝑠</m:t>
+                              </m:r>
+                            </m:sub>
+                          </m:sSub>
+                          <m:r>
+                            <a:rPr lang="en-US" altLang="ja-JP" i="1">
+                              <a:latin typeface="Cambria Math" panose="02040503050406030204" pitchFamily="18" charset="0"/>
+                            </a:rPr>
+                            <m:t>−</m:t>
+                          </m:r>
+                          <m:r>
+                            <a:rPr lang="en-US" altLang="ja-JP" i="1">
+                              <a:latin typeface="Cambria Math" panose="02040503050406030204" pitchFamily="18" charset="0"/>
+                            </a:rPr>
+                            <m:t>𝑦</m:t>
+                          </m:r>
+                          <m:r>
+                            <a:rPr lang="en-US" altLang="ja-JP" i="1">
+                              <a:latin typeface="Cambria Math" panose="02040503050406030204" pitchFamily="18" charset="0"/>
+                            </a:rPr>
+                            <m:t>)</m:t>
+                          </m:r>
+                        </m:e>
+                        <m:sup>
+                          <m:r>
+                            <a:rPr kumimoji="1" lang="en-US" altLang="ja-JP" b="0" i="1" smtClean="0">
+                              <a:latin typeface="Cambria Math" panose="02040503050406030204" pitchFamily="18" charset="0"/>
+                            </a:rPr>
+                            <m:t>2</m:t>
+                          </m:r>
+                        </m:sup>
+                      </m:sSup>
+                      <m:r>
+                        <a:rPr kumimoji="1" lang="en-US" altLang="ja-JP" b="0" i="1" smtClean="0">
+                          <a:latin typeface="Cambria Math" panose="02040503050406030204" pitchFamily="18" charset="0"/>
+                        </a:rPr>
+                        <m:t>+</m:t>
+                      </m:r>
+                      <m:sSup>
+                        <m:sSupPr>
+                          <m:ctrlPr>
+                            <a:rPr lang="en-US" altLang="ja-JP" i="1">
+                              <a:latin typeface="Cambria Math" panose="02040503050406030204" pitchFamily="18" charset="0"/>
+                            </a:rPr>
+                          </m:ctrlPr>
+                        </m:sSupPr>
+                        <m:e>
+                          <m:r>
+                            <a:rPr lang="en-US" altLang="ja-JP" i="1">
+                              <a:latin typeface="Cambria Math" panose="02040503050406030204" pitchFamily="18" charset="0"/>
+                            </a:rPr>
+                            <m:t>(</m:t>
+                          </m:r>
+                          <m:sSub>
+                            <m:sSubPr>
+                              <m:ctrlPr>
+                                <a:rPr lang="en-US" altLang="ja-JP" i="1">
+                                  <a:latin typeface="Cambria Math" panose="02040503050406030204" pitchFamily="18" charset="0"/>
+                                </a:rPr>
+                              </m:ctrlPr>
+                            </m:sSubPr>
+                            <m:e>
+                              <m:r>
+                                <a:rPr lang="en-US" altLang="ja-JP" b="0" i="1" smtClean="0">
+                                  <a:latin typeface="Cambria Math" panose="02040503050406030204" pitchFamily="18" charset="0"/>
+                                </a:rPr>
+                                <m:t>𝑥</m:t>
+                              </m:r>
+                            </m:e>
+                            <m:sub>
+                              <m:r>
+                                <a:rPr lang="en-US" altLang="ja-JP" i="1">
+                                  <a:latin typeface="Cambria Math" panose="02040503050406030204" pitchFamily="18" charset="0"/>
+                                </a:rPr>
+                                <m:t>𝑙𝑜𝑠</m:t>
+                              </m:r>
+                            </m:sub>
+                          </m:sSub>
+                          <m:r>
+                            <a:rPr lang="en-US" altLang="ja-JP" i="1">
+                              <a:latin typeface="Cambria Math" panose="02040503050406030204" pitchFamily="18" charset="0"/>
+                            </a:rPr>
+                            <m:t>−</m:t>
+                          </m:r>
+                          <m:r>
+                            <a:rPr lang="en-US" altLang="ja-JP" b="0" i="1" smtClean="0">
+                              <a:latin typeface="Cambria Math" panose="02040503050406030204" pitchFamily="18" charset="0"/>
+                            </a:rPr>
+                            <m:t>𝑥</m:t>
+                          </m:r>
+                          <m:r>
+                            <a:rPr lang="en-US" altLang="ja-JP" i="1">
+                              <a:latin typeface="Cambria Math" panose="02040503050406030204" pitchFamily="18" charset="0"/>
+                            </a:rPr>
+                            <m:t>)</m:t>
+                          </m:r>
+                        </m:e>
+                        <m:sup>
+                          <m:r>
+                            <a:rPr lang="en-US" altLang="ja-JP" i="1">
+                              <a:latin typeface="Cambria Math" panose="02040503050406030204" pitchFamily="18" charset="0"/>
+                            </a:rPr>
+                            <m:t>2</m:t>
+                          </m:r>
+                        </m:sup>
+                      </m:sSup>
+                      <m:r>
+                        <a:rPr lang="en-US" altLang="ja-JP" b="0" i="1" smtClean="0">
+                          <a:latin typeface="Cambria Math" panose="02040503050406030204" pitchFamily="18" charset="0"/>
+                        </a:rPr>
+                        <m:t>=</m:t>
+                      </m:r>
+                      <m:sSup>
+                        <m:sSupPr>
+                          <m:ctrlPr>
+                            <a:rPr lang="en-US" altLang="ja-JP" i="1">
+                              <a:latin typeface="Cambria Math" panose="02040503050406030204" pitchFamily="18" charset="0"/>
+                            </a:rPr>
+                          </m:ctrlPr>
+                        </m:sSupPr>
+                        <m:e>
+                          <m:r>
+                            <a:rPr lang="en-US" altLang="ja-JP" b="0" i="1" smtClean="0">
+                              <a:latin typeface="Cambria Math" panose="02040503050406030204" pitchFamily="18" charset="0"/>
+                            </a:rPr>
+                            <m:t>𝐿</m:t>
+                          </m:r>
+                        </m:e>
+                        <m:sup>
+                          <m:r>
+                            <a:rPr lang="en-US" altLang="ja-JP" i="1">
+                              <a:latin typeface="Cambria Math" panose="02040503050406030204" pitchFamily="18" charset="0"/>
+                            </a:rPr>
+                            <m:t>2</m:t>
+                          </m:r>
+                        </m:sup>
+                      </m:sSup>
+                    </m:oMath>
+                  </m:oMathPara>
+                </a14:m>
+                <a:endParaRPr kumimoji="1" lang="en-US" altLang="ja-JP" dirty="0"/>
+              </a:p>
+              <a:p>
+                <a:pPr marL="0" indent="0">
+                  <a:buNone/>
+                </a:pPr>
+                <a:br>
+                  <a:rPr kumimoji="1" lang="en-US" altLang="ja-JP" dirty="0"/>
+                </a:br>
+                <a14:m>
+                  <m:oMathPara xmlns:m="http://schemas.openxmlformats.org/officeDocument/2006/math">
+                    <m:oMathParaPr>
+                      <m:jc m:val="centerGroup"/>
+                    </m:oMathParaPr>
+                    <m:oMath xmlns:m="http://schemas.openxmlformats.org/officeDocument/2006/math">
+                      <m:f>
+                        <m:fPr>
+                          <m:ctrlPr>
+                            <a:rPr kumimoji="1" lang="en-US" altLang="ja-JP" i="1" smtClean="0">
+                              <a:latin typeface="Cambria Math" panose="02040503050406030204" pitchFamily="18" charset="0"/>
+                            </a:rPr>
+                          </m:ctrlPr>
+                        </m:fPr>
+                        <m:num>
+                          <m:sSub>
+                            <m:sSubPr>
+                              <m:ctrlPr>
+                                <a:rPr kumimoji="1" lang="en-US" altLang="ja-JP" i="1" smtClean="0">
+                                  <a:latin typeface="Cambria Math" panose="02040503050406030204" pitchFamily="18" charset="0"/>
+                                </a:rPr>
+                              </m:ctrlPr>
+                            </m:sSubPr>
+                            <m:e>
+                              <m:r>
+                                <a:rPr kumimoji="1" lang="en-US" altLang="ja-JP" b="0" i="1" smtClean="0">
+                                  <a:latin typeface="Cambria Math" panose="02040503050406030204" pitchFamily="18" charset="0"/>
+                                </a:rPr>
+                                <m:t>𝑦</m:t>
+                              </m:r>
+                            </m:e>
+                            <m:sub>
+                              <m:r>
+                                <a:rPr kumimoji="1" lang="en-US" altLang="ja-JP" b="0" i="1" smtClean="0">
+                                  <a:latin typeface="Cambria Math" panose="02040503050406030204" pitchFamily="18" charset="0"/>
+                                </a:rPr>
+                                <m:t>𝑙𝑜𝑠</m:t>
+                              </m:r>
+                            </m:sub>
+                          </m:sSub>
+                          <m:r>
+                            <a:rPr kumimoji="1" lang="en-US" altLang="ja-JP" b="0" i="1" smtClean="0">
+                              <a:latin typeface="Cambria Math" panose="02040503050406030204" pitchFamily="18" charset="0"/>
+                            </a:rPr>
+                            <m:t>−</m:t>
+                          </m:r>
+                          <m:sSub>
+                            <m:sSubPr>
+                              <m:ctrlPr>
+                                <a:rPr lang="en-US" altLang="ja-JP" i="1">
+                                  <a:latin typeface="Cambria Math" panose="02040503050406030204" pitchFamily="18" charset="0"/>
+                                </a:rPr>
+                              </m:ctrlPr>
+                            </m:sSubPr>
+                            <m:e>
+                              <m:r>
+                                <a:rPr lang="en-US" altLang="ja-JP" i="1">
+                                  <a:latin typeface="Cambria Math" panose="02040503050406030204" pitchFamily="18" charset="0"/>
+                                </a:rPr>
+                                <m:t>𝑦</m:t>
+                              </m:r>
+                            </m:e>
+                            <m:sub>
+                              <m:r>
+                                <a:rPr lang="en-US" altLang="ja-JP" b="0" i="1" smtClean="0">
+                                  <a:latin typeface="Cambria Math" panose="02040503050406030204" pitchFamily="18" charset="0"/>
+                                </a:rPr>
+                                <m:t>𝑘</m:t>
+                              </m:r>
+                              <m:r>
+                                <a:rPr lang="en-US" altLang="ja-JP" b="0" i="1" smtClean="0">
+                                  <a:latin typeface="Cambria Math" panose="02040503050406030204" pitchFamily="18" charset="0"/>
+                                </a:rPr>
+                                <m:t>−1</m:t>
+                              </m:r>
+                            </m:sub>
+                          </m:sSub>
+                        </m:num>
+                        <m:den>
+                          <m:sSub>
+                            <m:sSubPr>
+                              <m:ctrlPr>
+                                <a:rPr lang="en-US" altLang="ja-JP" i="1">
+                                  <a:latin typeface="Cambria Math" panose="02040503050406030204" pitchFamily="18" charset="0"/>
+                                </a:rPr>
+                              </m:ctrlPr>
+                            </m:sSubPr>
+                            <m:e>
+                              <m:r>
+                                <a:rPr lang="en-US" altLang="ja-JP" b="0" i="1" smtClean="0">
+                                  <a:latin typeface="Cambria Math" panose="02040503050406030204" pitchFamily="18" charset="0"/>
+                                </a:rPr>
+                                <m:t>𝑥</m:t>
+                              </m:r>
+                            </m:e>
+                            <m:sub>
+                              <m:r>
+                                <a:rPr lang="en-US" altLang="ja-JP" i="1">
+                                  <a:latin typeface="Cambria Math" panose="02040503050406030204" pitchFamily="18" charset="0"/>
+                                </a:rPr>
+                                <m:t>𝑙𝑜𝑠</m:t>
+                              </m:r>
+                            </m:sub>
+                          </m:sSub>
+                          <m:r>
+                            <a:rPr lang="en-US" altLang="ja-JP" i="1">
+                              <a:latin typeface="Cambria Math" panose="02040503050406030204" pitchFamily="18" charset="0"/>
+                            </a:rPr>
+                            <m:t>−</m:t>
+                          </m:r>
+                          <m:sSub>
+                            <m:sSubPr>
+                              <m:ctrlPr>
+                                <a:rPr lang="en-US" altLang="ja-JP" i="1">
+                                  <a:latin typeface="Cambria Math" panose="02040503050406030204" pitchFamily="18" charset="0"/>
+                                </a:rPr>
+                              </m:ctrlPr>
+                            </m:sSubPr>
+                            <m:e>
+                              <m:r>
+                                <a:rPr lang="en-US" altLang="ja-JP" b="0" i="1" smtClean="0">
+                                  <a:latin typeface="Cambria Math" panose="02040503050406030204" pitchFamily="18" charset="0"/>
+                                </a:rPr>
+                                <m:t>𝑥</m:t>
+                              </m:r>
+                            </m:e>
+                            <m:sub>
+                              <m:r>
+                                <a:rPr lang="en-US" altLang="ja-JP" i="1">
+                                  <a:latin typeface="Cambria Math" panose="02040503050406030204" pitchFamily="18" charset="0"/>
+                                </a:rPr>
+                                <m:t>𝑘</m:t>
+                              </m:r>
+                              <m:r>
+                                <a:rPr lang="en-US" altLang="ja-JP" i="1">
+                                  <a:latin typeface="Cambria Math" panose="02040503050406030204" pitchFamily="18" charset="0"/>
+                                </a:rPr>
+                                <m:t>−1</m:t>
+                              </m:r>
+                            </m:sub>
+                          </m:sSub>
+                        </m:den>
+                      </m:f>
+                      <m:r>
+                        <a:rPr kumimoji="1" lang="en-US" altLang="ja-JP" b="0" i="1" smtClean="0">
+                          <a:latin typeface="Cambria Math" panose="02040503050406030204" pitchFamily="18" charset="0"/>
+                        </a:rPr>
+                        <m:t>=</m:t>
+                      </m:r>
+                      <m:f>
+                        <m:fPr>
+                          <m:ctrlPr>
+                            <a:rPr lang="en-US" altLang="ja-JP" i="1">
+                              <a:latin typeface="Cambria Math" panose="02040503050406030204" pitchFamily="18" charset="0"/>
+                            </a:rPr>
+                          </m:ctrlPr>
+                        </m:fPr>
+                        <m:num>
+                          <m:sSub>
+                            <m:sSubPr>
+                              <m:ctrlPr>
+                                <a:rPr lang="en-US" altLang="ja-JP" i="1">
+                                  <a:latin typeface="Cambria Math" panose="02040503050406030204" pitchFamily="18" charset="0"/>
+                                </a:rPr>
+                              </m:ctrlPr>
+                            </m:sSubPr>
+                            <m:e>
+                              <m:r>
+                                <a:rPr lang="en-US" altLang="ja-JP" i="1">
+                                  <a:latin typeface="Cambria Math" panose="02040503050406030204" pitchFamily="18" charset="0"/>
+                                </a:rPr>
+                                <m:t>𝑦</m:t>
+                              </m:r>
+                            </m:e>
+                            <m:sub>
+                              <m:r>
+                                <a:rPr lang="en-US" altLang="ja-JP" b="0" i="1" smtClean="0">
+                                  <a:latin typeface="Cambria Math" panose="02040503050406030204" pitchFamily="18" charset="0"/>
+                                </a:rPr>
+                                <m:t>𝑘</m:t>
+                              </m:r>
+                            </m:sub>
+                          </m:sSub>
+                          <m:r>
+                            <a:rPr lang="en-US" altLang="ja-JP" i="1">
+                              <a:latin typeface="Cambria Math" panose="02040503050406030204" pitchFamily="18" charset="0"/>
+                            </a:rPr>
+                            <m:t>−</m:t>
+                          </m:r>
+                          <m:sSub>
+                            <m:sSubPr>
+                              <m:ctrlPr>
+                                <a:rPr lang="en-US" altLang="ja-JP" i="1">
+                                  <a:latin typeface="Cambria Math" panose="02040503050406030204" pitchFamily="18" charset="0"/>
+                                </a:rPr>
+                              </m:ctrlPr>
+                            </m:sSubPr>
+                            <m:e>
+                              <m:r>
+                                <a:rPr lang="en-US" altLang="ja-JP" i="1">
+                                  <a:latin typeface="Cambria Math" panose="02040503050406030204" pitchFamily="18" charset="0"/>
+                                </a:rPr>
+                                <m:t>𝑦</m:t>
+                              </m:r>
+                            </m:e>
+                            <m:sub>
+                              <m:r>
+                                <a:rPr lang="en-US" altLang="ja-JP" i="1">
+                                  <a:latin typeface="Cambria Math" panose="02040503050406030204" pitchFamily="18" charset="0"/>
+                                </a:rPr>
+                                <m:t>𝑘</m:t>
+                              </m:r>
+                              <m:r>
+                                <a:rPr lang="en-US" altLang="ja-JP" i="1">
+                                  <a:latin typeface="Cambria Math" panose="02040503050406030204" pitchFamily="18" charset="0"/>
+                                </a:rPr>
+                                <m:t>−1</m:t>
+                              </m:r>
+                            </m:sub>
+                          </m:sSub>
+                        </m:num>
+                        <m:den>
+                          <m:sSub>
+                            <m:sSubPr>
+                              <m:ctrlPr>
+                                <a:rPr lang="en-US" altLang="ja-JP" i="1">
+                                  <a:latin typeface="Cambria Math" panose="02040503050406030204" pitchFamily="18" charset="0"/>
+                                </a:rPr>
+                              </m:ctrlPr>
+                            </m:sSubPr>
+                            <m:e>
+                              <m:r>
+                                <a:rPr lang="en-US" altLang="ja-JP" i="1">
+                                  <a:latin typeface="Cambria Math" panose="02040503050406030204" pitchFamily="18" charset="0"/>
+                                </a:rPr>
+                                <m:t>𝑥</m:t>
+                              </m:r>
+                            </m:e>
+                            <m:sub>
+                              <m:r>
+                                <a:rPr lang="en-US" altLang="ja-JP" b="0" i="1" smtClean="0">
+                                  <a:latin typeface="Cambria Math" panose="02040503050406030204" pitchFamily="18" charset="0"/>
+                                </a:rPr>
+                                <m:t>𝑘</m:t>
+                              </m:r>
+                            </m:sub>
+                          </m:sSub>
+                          <m:r>
+                            <a:rPr lang="en-US" altLang="ja-JP" i="1">
+                              <a:latin typeface="Cambria Math" panose="02040503050406030204" pitchFamily="18" charset="0"/>
+                            </a:rPr>
+                            <m:t>−</m:t>
+                          </m:r>
+                          <m:sSub>
+                            <m:sSubPr>
+                              <m:ctrlPr>
+                                <a:rPr lang="en-US" altLang="ja-JP" i="1">
+                                  <a:latin typeface="Cambria Math" panose="02040503050406030204" pitchFamily="18" charset="0"/>
+                                </a:rPr>
+                              </m:ctrlPr>
+                            </m:sSubPr>
+                            <m:e>
+                              <m:r>
+                                <a:rPr lang="en-US" altLang="ja-JP" i="1">
+                                  <a:latin typeface="Cambria Math" panose="02040503050406030204" pitchFamily="18" charset="0"/>
+                                </a:rPr>
+                                <m:t>𝑥</m:t>
+                              </m:r>
+                            </m:e>
+                            <m:sub>
+                              <m:r>
+                                <a:rPr lang="en-US" altLang="ja-JP" i="1">
+                                  <a:latin typeface="Cambria Math" panose="02040503050406030204" pitchFamily="18" charset="0"/>
+                                </a:rPr>
+                                <m:t>𝑘</m:t>
+                              </m:r>
+                              <m:r>
+                                <a:rPr lang="en-US" altLang="ja-JP" i="1">
+                                  <a:latin typeface="Cambria Math" panose="02040503050406030204" pitchFamily="18" charset="0"/>
+                                </a:rPr>
+                                <m:t>−1</m:t>
+                              </m:r>
+                            </m:sub>
+                          </m:sSub>
+                        </m:den>
+                      </m:f>
+                      <m:r>
+                        <a:rPr lang="en-US" altLang="ja-JP" b="0" i="1" smtClean="0">
+                          <a:latin typeface="Cambria Math" panose="02040503050406030204" pitchFamily="18" charset="0"/>
+                        </a:rPr>
+                        <m:t>=</m:t>
+                      </m:r>
+                      <m:r>
+                        <m:rPr>
+                          <m:sty m:val="p"/>
+                        </m:rPr>
+                        <a:rPr lang="en-US" altLang="ja-JP" b="0" i="0" smtClean="0">
+                          <a:latin typeface="Cambria Math" panose="02040503050406030204" pitchFamily="18" charset="0"/>
+                        </a:rPr>
+                        <m:t>tan</m:t>
+                      </m:r>
+                      <m:r>
+                        <a:rPr lang="en-US" altLang="ja-JP" b="0" i="1" smtClean="0">
+                          <a:latin typeface="Cambria Math" panose="02040503050406030204" pitchFamily="18" charset="0"/>
+                        </a:rPr>
+                        <m:t>⁡(</m:t>
+                      </m:r>
+                      <m:sSub>
+                        <m:sSubPr>
+                          <m:ctrlPr>
+                            <a:rPr lang="en-US" altLang="ja-JP" b="0" i="1" smtClean="0">
+                              <a:latin typeface="Cambria Math" panose="02040503050406030204" pitchFamily="18" charset="0"/>
+                            </a:rPr>
+                          </m:ctrlPr>
+                        </m:sSubPr>
+                        <m:e>
+                          <m:r>
+                            <a:rPr lang="ja-JP" altLang="en-US" b="0" i="1" smtClean="0">
+                              <a:latin typeface="Cambria Math" panose="02040503050406030204" pitchFamily="18" charset="0"/>
+                            </a:rPr>
+                            <m:t>𝛼</m:t>
+                          </m:r>
+                        </m:e>
+                        <m:sub>
+                          <m:r>
+                            <a:rPr lang="en-US" altLang="ja-JP" b="0" i="1" smtClean="0">
+                              <a:latin typeface="Cambria Math" panose="02040503050406030204" pitchFamily="18" charset="0"/>
+                            </a:rPr>
+                            <m:t>𝑘</m:t>
+                          </m:r>
+                          <m:r>
+                            <a:rPr lang="en-US" altLang="ja-JP" b="0" i="1" smtClean="0">
+                              <a:latin typeface="Cambria Math" panose="02040503050406030204" pitchFamily="18" charset="0"/>
+                            </a:rPr>
+                            <m:t>−1</m:t>
+                          </m:r>
+                        </m:sub>
+                      </m:sSub>
+                      <m:r>
+                        <a:rPr lang="en-US" altLang="ja-JP" b="0" i="1" smtClean="0">
+                          <a:latin typeface="Cambria Math" panose="02040503050406030204" pitchFamily="18" charset="0"/>
+                        </a:rPr>
+                        <m:t>)</m:t>
+                      </m:r>
+                    </m:oMath>
+                  </m:oMathPara>
+                </a14:m>
+                <a:endParaRPr kumimoji="1" lang="ja-JP" altLang="en-US" dirty="0"/>
+              </a:p>
+            </p:txBody>
+          </p:sp>
+        </mc:Choice>
+        <mc:Fallback>
+          <p:sp>
+            <p:nvSpPr>
+              <p:cNvPr id="3" name="コンテンツ プレースホルダー 2">
+                <a:extLst>
+                  <a:ext uri="{FF2B5EF4-FFF2-40B4-BE49-F238E27FC236}">
+                    <a16:creationId xmlns:a16="http://schemas.microsoft.com/office/drawing/2014/main" id="{D1E82227-0F0A-84B6-1B52-BBECB47410D8}"/>
+                  </a:ext>
+                </a:extLst>
+              </p:cNvPr>
+              <p:cNvSpPr>
+                <a:spLocks noGrp="1" noRot="1" noChangeAspect="1" noMove="1" noResize="1" noEditPoints="1" noAdjustHandles="1" noChangeArrowheads="1" noChangeShapeType="1" noTextEdit="1"/>
+              </p:cNvSpPr>
+              <p:nvPr>
+                <p:ph idx="1"/>
+              </p:nvPr>
+            </p:nvSpPr>
+            <p:spPr>
+              <a:xfrm>
+                <a:off x="1135381" y="4720045"/>
+                <a:ext cx="7886700" cy="1837509"/>
+              </a:xfrm>
+              <a:blipFill>
+                <a:blip r:embed="rId2"/>
+                <a:stretch>
+                  <a:fillRect/>
+                </a:stretch>
+              </a:blipFill>
+            </p:spPr>
+            <p:txBody>
+              <a:bodyPr/>
+              <a:lstStyle/>
+              <a:p>
+                <a:r>
+                  <a:rPr lang="ja-JP" altLang="en-US">
+                    <a:noFill/>
+                  </a:rPr>
+                  <a:t> </a:t>
+                </a:r>
+              </a:p>
+            </p:txBody>
+          </p:sp>
+        </mc:Fallback>
+      </mc:AlternateContent>
+      <p:pic>
+        <p:nvPicPr>
+          <p:cNvPr id="16" name="図 15">
+            <a:extLst>
+              <a:ext uri="{FF2B5EF4-FFF2-40B4-BE49-F238E27FC236}">
+                <a16:creationId xmlns:a16="http://schemas.microsoft.com/office/drawing/2014/main" id="{A00543FC-09B9-A0BD-DC7C-732C380AC000}"/>
+              </a:ext>
+            </a:extLst>
+          </p:cNvPr>
+          <p:cNvPicPr>
+            <a:picLocks noChangeAspect="1"/>
+          </p:cNvPicPr>
+          <p:nvPr/>
+        </p:nvPicPr>
+        <p:blipFill>
+          <a:blip r:embed="rId3"/>
+          <a:stretch>
+            <a:fillRect/>
+          </a:stretch>
+        </p:blipFill>
+        <p:spPr>
+          <a:xfrm>
+            <a:off x="2025158" y="1884902"/>
+            <a:ext cx="5093684" cy="2275651"/>
+          </a:xfrm>
+          <a:prstGeom prst="rect">
+            <a:avLst/>
+          </a:prstGeom>
+        </p:spPr>
+      </p:pic>
+      <p:sp>
+        <p:nvSpPr>
+          <p:cNvPr id="21" name="四角形: 角を丸くする 20">
+            <a:extLst>
+              <a:ext uri="{FF2B5EF4-FFF2-40B4-BE49-F238E27FC236}">
+                <a16:creationId xmlns:a16="http://schemas.microsoft.com/office/drawing/2014/main" id="{2A812D52-E27B-DB8F-B6F0-C2F747317F27}"/>
+              </a:ext>
+            </a:extLst>
+          </p:cNvPr>
+          <p:cNvSpPr/>
+          <p:nvPr/>
+        </p:nvSpPr>
+        <p:spPr>
+          <a:xfrm>
+            <a:off x="405829" y="4765747"/>
+            <a:ext cx="1459101" cy="502920"/>
+          </a:xfrm>
+          <a:prstGeom prst="roundRect">
+            <a:avLst/>
+          </a:prstGeom>
+        </p:spPr>
+        <p:style>
+          <a:lnRef idx="2">
+            <a:schemeClr val="accent4"/>
+          </a:lnRef>
+          <a:fillRef idx="1">
+            <a:schemeClr val="lt1"/>
+          </a:fillRef>
+          <a:effectRef idx="0">
+            <a:schemeClr val="accent4"/>
+          </a:effectRef>
+          <a:fontRef idx="minor">
+            <a:schemeClr val="dk1"/>
+          </a:fontRef>
+        </p:style>
+        <p:txBody>
+          <a:bodyPr rtlCol="0" anchor="ctr"/>
+          <a:lstStyle/>
+          <a:p>
+            <a:pPr algn="ctr"/>
+            <a:r>
+              <a:rPr kumimoji="1" lang="ja-JP" altLang="en-US" dirty="0">
+                <a:solidFill>
+                  <a:schemeClr val="accent4"/>
+                </a:solidFill>
+              </a:rPr>
+              <a:t>円の方程式</a:t>
+            </a:r>
+          </a:p>
+        </p:txBody>
+      </p:sp>
+      <p:sp>
+        <p:nvSpPr>
+          <p:cNvPr id="22" name="四角形: 角を丸くする 21">
+            <a:extLst>
+              <a:ext uri="{FF2B5EF4-FFF2-40B4-BE49-F238E27FC236}">
+                <a16:creationId xmlns:a16="http://schemas.microsoft.com/office/drawing/2014/main" id="{FBDF12F5-1BBE-8C03-AD06-34F0F48DB6F3}"/>
+              </a:ext>
+            </a:extLst>
+          </p:cNvPr>
+          <p:cNvSpPr/>
+          <p:nvPr/>
+        </p:nvSpPr>
+        <p:spPr>
+          <a:xfrm>
+            <a:off x="259961" y="5782457"/>
+            <a:ext cx="1750839" cy="502920"/>
+          </a:xfrm>
+          <a:prstGeom prst="roundRect">
+            <a:avLst/>
+          </a:prstGeom>
+        </p:spPr>
+        <p:style>
+          <a:lnRef idx="2">
+            <a:schemeClr val="accent4"/>
+          </a:lnRef>
+          <a:fillRef idx="1">
+            <a:schemeClr val="lt1"/>
+          </a:fillRef>
+          <a:effectRef idx="0">
+            <a:schemeClr val="accent4"/>
+          </a:effectRef>
+          <a:fontRef idx="minor">
+            <a:schemeClr val="dk1"/>
+          </a:fontRef>
+        </p:style>
+        <p:txBody>
+          <a:bodyPr rtlCol="0" anchor="ctr"/>
+          <a:lstStyle/>
+          <a:p>
+            <a:pPr algn="ctr"/>
+            <a:r>
+              <a:rPr kumimoji="1" lang="ja-JP" altLang="en-US" dirty="0">
+                <a:solidFill>
+                  <a:schemeClr val="accent4"/>
+                </a:solidFill>
+              </a:rPr>
+              <a:t>線分の方程式</a:t>
+            </a:r>
+          </a:p>
+        </p:txBody>
+      </p:sp>
+    </p:spTree>
+    <p:extLst>
+      <p:ext uri="{BB962C8B-B14F-4D97-AF65-F5344CB8AC3E}">
+        <p14:creationId xmlns:p14="http://schemas.microsoft.com/office/powerpoint/2010/main" val="1570203669"/>
+      </p:ext>
+    </p:extLst>
+  </p:cSld>
+  <p:clrMapOvr>
+    <a:masterClrMapping/>
+  </p:clrMapOvr>
+</p:sld>
+</file>
+
+<file path=ppt/slides/slide7.xml><?xml version="1.0" encoding="utf-8"?>
+<p:sld xmlns:a="http://schemas.openxmlformats.org/drawingml/2006/main" xmlns:r="http://schemas.openxmlformats.org/officeDocument/2006/relationships" xmlns:p="http://schemas.openxmlformats.org/presentationml/2006/main">
+  <p:cSld>
+    <p:spTree>
+      <p:nvGrpSpPr>
+        <p:cNvPr id="1" name=""/>
+        <p:cNvGrpSpPr/>
+        <p:nvPr/>
+      </p:nvGrpSpPr>
+      <p:grpSpPr>
+        <a:xfrm>
+          <a:off x="0" y="0"/>
+          <a:ext cx="0" cy="0"/>
+          <a:chOff x="0" y="0"/>
+          <a:chExt cx="0" cy="0"/>
+        </a:xfrm>
+      </p:grpSpPr>
+      <p:sp>
+        <p:nvSpPr>
+          <p:cNvPr id="2" name="タイトル 1">
+            <a:extLst>
+              <a:ext uri="{FF2B5EF4-FFF2-40B4-BE49-F238E27FC236}">
+                <a16:creationId xmlns:a16="http://schemas.microsoft.com/office/drawing/2014/main" id="{8546EC9C-6F23-D218-F15E-F9E718957547}"/>
+              </a:ext>
+            </a:extLst>
+          </p:cNvPr>
+          <p:cNvSpPr>
+            <a:spLocks noGrp="1"/>
+          </p:cNvSpPr>
+          <p:nvPr>
+            <p:ph type="title"/>
+          </p:nvPr>
+        </p:nvSpPr>
+        <p:spPr/>
+        <p:txBody>
+          <a:bodyPr/>
+          <a:lstStyle/>
+          <a:p>
+            <a:endParaRPr kumimoji="1" lang="ja-JP" altLang="en-US" dirty="0"/>
+          </a:p>
+        </p:txBody>
+      </p:sp>
+      <p:sp>
+        <p:nvSpPr>
+          <p:cNvPr id="3" name="コンテンツ プレースホルダー 2">
+            <a:extLst>
+              <a:ext uri="{FF2B5EF4-FFF2-40B4-BE49-F238E27FC236}">
+                <a16:creationId xmlns:a16="http://schemas.microsoft.com/office/drawing/2014/main" id="{D1E82227-0F0A-84B6-1B52-BBECB47410D8}"/>
+              </a:ext>
+            </a:extLst>
+          </p:cNvPr>
+          <p:cNvSpPr>
+            <a:spLocks noGrp="1"/>
+          </p:cNvSpPr>
+          <p:nvPr>
+            <p:ph idx="1"/>
+          </p:nvPr>
+        </p:nvSpPr>
+        <p:spPr/>
+        <p:txBody>
+          <a:bodyPr/>
+          <a:lstStyle/>
+          <a:p>
+            <a:endParaRPr kumimoji="1" lang="ja-JP" altLang="en-US"/>
+          </a:p>
+        </p:txBody>
+      </p:sp>
+    </p:spTree>
+    <p:extLst>
+      <p:ext uri="{BB962C8B-B14F-4D97-AF65-F5344CB8AC3E}">
+        <p14:creationId xmlns:p14="http://schemas.microsoft.com/office/powerpoint/2010/main" val="3787439866"/>
+      </p:ext>
+    </p:extLst>
+  </p:cSld>
+  <p:clrMapOvr>
+    <a:masterClrMapping/>
+  </p:clrMapOvr>
+</p:sld>
+</file>
+
+<file path=ppt/slides/slide8.xml><?xml version="1.0" encoding="utf-8"?>
+<p:sld xmlns:a="http://schemas.openxmlformats.org/drawingml/2006/main" xmlns:r="http://schemas.openxmlformats.org/officeDocument/2006/relationships" xmlns:p="http://schemas.openxmlformats.org/presentationml/2006/main">
+  <p:cSld>
+    <p:spTree>
+      <p:nvGrpSpPr>
+        <p:cNvPr id="1" name=""/>
+        <p:cNvGrpSpPr/>
+        <p:nvPr/>
+      </p:nvGrpSpPr>
+      <p:grpSpPr>
+        <a:xfrm>
+          <a:off x="0" y="0"/>
+          <a:ext cx="0" cy="0"/>
+          <a:chOff x="0" y="0"/>
+          <a:chExt cx="0" cy="0"/>
+        </a:xfrm>
+      </p:grpSpPr>
+      <p:sp>
+        <p:nvSpPr>
+          <p:cNvPr id="2" name="タイトル 1">
+            <a:extLst>
+              <a:ext uri="{FF2B5EF4-FFF2-40B4-BE49-F238E27FC236}">
+                <a16:creationId xmlns:a16="http://schemas.microsoft.com/office/drawing/2014/main" id="{8546EC9C-6F23-D218-F15E-F9E718957547}"/>
+              </a:ext>
+            </a:extLst>
+          </p:cNvPr>
+          <p:cNvSpPr>
+            <a:spLocks noGrp="1"/>
+          </p:cNvSpPr>
+          <p:nvPr>
+            <p:ph type="title"/>
+          </p:nvPr>
+        </p:nvSpPr>
+        <p:spPr/>
+        <p:txBody>
+          <a:bodyPr/>
+          <a:lstStyle/>
+          <a:p>
+            <a:endParaRPr kumimoji="1" lang="ja-JP" altLang="en-US" dirty="0"/>
+          </a:p>
+        </p:txBody>
+      </p:sp>
+      <p:sp>
+        <p:nvSpPr>
+          <p:cNvPr id="3" name="コンテンツ プレースホルダー 2">
+            <a:extLst>
+              <a:ext uri="{FF2B5EF4-FFF2-40B4-BE49-F238E27FC236}">
+                <a16:creationId xmlns:a16="http://schemas.microsoft.com/office/drawing/2014/main" id="{D1E82227-0F0A-84B6-1B52-BBECB47410D8}"/>
+              </a:ext>
+            </a:extLst>
+          </p:cNvPr>
+          <p:cNvSpPr>
+            <a:spLocks noGrp="1"/>
+          </p:cNvSpPr>
+          <p:nvPr>
+            <p:ph idx="1"/>
+          </p:nvPr>
+        </p:nvSpPr>
+        <p:spPr/>
+        <p:txBody>
+          <a:bodyPr/>
+          <a:lstStyle/>
+          <a:p>
+            <a:endParaRPr kumimoji="1" lang="ja-JP" altLang="en-US"/>
+          </a:p>
+        </p:txBody>
+      </p:sp>
+    </p:spTree>
+    <p:extLst>
+      <p:ext uri="{BB962C8B-B14F-4D97-AF65-F5344CB8AC3E}">
+        <p14:creationId xmlns:p14="http://schemas.microsoft.com/office/powerpoint/2010/main" val="1905849033"/>
+      </p:ext>
+    </p:extLst>
+  </p:cSld>
+  <p:clrMapOvr>
+    <a:masterClrMapping/>
+  </p:clrMapOvr>
+</p:sld>
+</file>
+
+<file path=ppt/slides/slide9.xml><?xml version="1.0" encoding="utf-8"?>
+<p:sld xmlns:a="http://schemas.openxmlformats.org/drawingml/2006/main" xmlns:r="http://schemas.openxmlformats.org/officeDocument/2006/relationships" xmlns:p="http://schemas.openxmlformats.org/presentationml/2006/main">
+  <p:cSld>
+    <p:spTree>
+      <p:nvGrpSpPr>
+        <p:cNvPr id="1" name=""/>
+        <p:cNvGrpSpPr/>
+        <p:nvPr/>
+      </p:nvGrpSpPr>
+      <p:grpSpPr>
+        <a:xfrm>
+          <a:off x="0" y="0"/>
+          <a:ext cx="0" cy="0"/>
+          <a:chOff x="0" y="0"/>
+          <a:chExt cx="0" cy="0"/>
+        </a:xfrm>
+      </p:grpSpPr>
+      <p:sp>
+        <p:nvSpPr>
+          <p:cNvPr id="2" name="タイトル 1">
+            <a:extLst>
+              <a:ext uri="{FF2B5EF4-FFF2-40B4-BE49-F238E27FC236}">
+                <a16:creationId xmlns:a16="http://schemas.microsoft.com/office/drawing/2014/main" id="{8546EC9C-6F23-D218-F15E-F9E718957547}"/>
+              </a:ext>
+            </a:extLst>
+          </p:cNvPr>
+          <p:cNvSpPr>
+            <a:spLocks noGrp="1"/>
+          </p:cNvSpPr>
+          <p:nvPr>
+            <p:ph type="title"/>
+          </p:nvPr>
+        </p:nvSpPr>
+        <p:spPr/>
+        <p:txBody>
+          <a:bodyPr/>
+          <a:lstStyle/>
+          <a:p>
+            <a:endParaRPr kumimoji="1" lang="ja-JP" altLang="en-US" dirty="0"/>
+          </a:p>
+        </p:txBody>
+      </p:sp>
+      <p:sp>
+        <p:nvSpPr>
+          <p:cNvPr id="3" name="コンテンツ プレースホルダー 2">
+            <a:extLst>
+              <a:ext uri="{FF2B5EF4-FFF2-40B4-BE49-F238E27FC236}">
+                <a16:creationId xmlns:a16="http://schemas.microsoft.com/office/drawing/2014/main" id="{D1E82227-0F0A-84B6-1B52-BBECB47410D8}"/>
+              </a:ext>
+            </a:extLst>
+          </p:cNvPr>
+          <p:cNvSpPr>
+            <a:spLocks noGrp="1"/>
+          </p:cNvSpPr>
+          <p:nvPr>
+            <p:ph idx="1"/>
+          </p:nvPr>
+        </p:nvSpPr>
+        <p:spPr/>
+        <p:txBody>
+          <a:bodyPr/>
+          <a:lstStyle/>
+          <a:p>
+            <a:endParaRPr kumimoji="1" lang="ja-JP" altLang="en-US"/>
+          </a:p>
+        </p:txBody>
+      </p:sp>
+    </p:spTree>
+    <p:extLst>
+      <p:ext uri="{BB962C8B-B14F-4D97-AF65-F5344CB8AC3E}">
+        <p14:creationId xmlns:p14="http://schemas.microsoft.com/office/powerpoint/2010/main" val="1000363657"/>
       </p:ext>
     </p:extLst>
   </p:cSld>

--- a/進捗共有_20250612.pptx
+++ b/進捗共有_20250612.pptx
@@ -6062,32 +6062,1435 @@
           <a:bodyPr/>
           <a:lstStyle/>
           <a:p>
-            <a:endParaRPr kumimoji="1" lang="ja-JP" altLang="en-US" dirty="0"/>
-          </a:p>
-        </p:txBody>
-      </p:sp>
-      <p:sp>
-        <p:nvSpPr>
-          <p:cNvPr id="3" name="コンテンツ プレースホルダー 2">
+            <a:r>
+              <a:rPr kumimoji="1" lang="ja-JP" altLang="en-US" dirty="0"/>
+              <a:t>追従目標点の導出</a:t>
+            </a:r>
+          </a:p>
+        </p:txBody>
+      </p:sp>
+      <p:grpSp>
+        <p:nvGrpSpPr>
+          <p:cNvPr id="23" name="グループ化 22">
             <a:extLst>
               <a:ext uri="{FF2B5EF4-FFF2-40B4-BE49-F238E27FC236}">
-                <a16:creationId xmlns:a16="http://schemas.microsoft.com/office/drawing/2014/main" id="{D1E82227-0F0A-84B6-1B52-BBECB47410D8}"/>
+                <a16:creationId xmlns:a16="http://schemas.microsoft.com/office/drawing/2014/main" id="{AEB0B6DD-BC20-CD17-C1F0-369F9C4DC0D2}"/>
               </a:ext>
             </a:extLst>
           </p:cNvPr>
-          <p:cNvSpPr>
-            <a:spLocks noGrp="1"/>
-          </p:cNvSpPr>
-          <p:nvPr>
-            <p:ph idx="1"/>
-          </p:nvPr>
-        </p:nvSpPr>
-        <p:spPr/>
-        <p:txBody>
-          <a:bodyPr/>
-          <a:lstStyle/>
-          <a:p>
-            <a:endParaRPr kumimoji="1" lang="ja-JP" altLang="en-US"/>
+          <p:cNvGrpSpPr/>
+          <p:nvPr/>
+        </p:nvGrpSpPr>
+        <p:grpSpPr>
+          <a:xfrm>
+            <a:off x="3077897" y="2366797"/>
+            <a:ext cx="5780797" cy="2848148"/>
+            <a:chOff x="1996043" y="3880419"/>
+            <a:chExt cx="5780797" cy="2848148"/>
+          </a:xfrm>
+        </p:grpSpPr>
+        <p:pic>
+          <p:nvPicPr>
+            <p:cNvPr id="6" name="図 5">
+              <a:extLst>
+                <a:ext uri="{FF2B5EF4-FFF2-40B4-BE49-F238E27FC236}">
+                  <a16:creationId xmlns:a16="http://schemas.microsoft.com/office/drawing/2014/main" id="{FCE1ABEB-26CB-D470-036C-35ADC1C72E06}"/>
+                </a:ext>
+              </a:extLst>
+            </p:cNvPr>
+            <p:cNvPicPr>
+              <a:picLocks noChangeAspect="1"/>
+            </p:cNvPicPr>
+            <p:nvPr/>
+          </p:nvPicPr>
+          <p:blipFill>
+            <a:blip r:embed="rId2"/>
+            <a:stretch>
+              <a:fillRect/>
+            </a:stretch>
+          </p:blipFill>
+          <p:spPr>
+            <a:xfrm>
+              <a:off x="2854692" y="4632959"/>
+              <a:ext cx="3434615" cy="771823"/>
+            </a:xfrm>
+            <a:prstGeom prst="rect">
+              <a:avLst/>
+            </a:prstGeom>
+          </p:spPr>
+        </p:pic>
+        <p:pic>
+          <p:nvPicPr>
+            <p:cNvPr id="8" name="図 7">
+              <a:extLst>
+                <a:ext uri="{FF2B5EF4-FFF2-40B4-BE49-F238E27FC236}">
+                  <a16:creationId xmlns:a16="http://schemas.microsoft.com/office/drawing/2014/main" id="{A70AC74B-370B-8716-0DA0-8F35A90EF5EB}"/>
+                </a:ext>
+              </a:extLst>
+            </p:cNvPr>
+            <p:cNvPicPr>
+              <a:picLocks noChangeAspect="1"/>
+            </p:cNvPicPr>
+            <p:nvPr/>
+          </p:nvPicPr>
+          <p:blipFill>
+            <a:blip r:embed="rId3"/>
+            <a:stretch>
+              <a:fillRect/>
+            </a:stretch>
+          </p:blipFill>
+          <p:spPr>
+            <a:xfrm>
+              <a:off x="1996043" y="5413491"/>
+              <a:ext cx="5151914" cy="771822"/>
+            </a:xfrm>
+            <a:prstGeom prst="rect">
+              <a:avLst/>
+            </a:prstGeom>
+          </p:spPr>
+        </p:pic>
+        <p:sp>
+          <p:nvSpPr>
+            <p:cNvPr id="10" name="四角形: 角を丸くする 9">
+              <a:extLst>
+                <a:ext uri="{FF2B5EF4-FFF2-40B4-BE49-F238E27FC236}">
+                  <a16:creationId xmlns:a16="http://schemas.microsoft.com/office/drawing/2014/main" id="{D25B7A84-5F2E-56F6-8FF7-E7FBAA1AC1AA}"/>
+                </a:ext>
+              </a:extLst>
+            </p:cNvPr>
+            <p:cNvSpPr/>
+            <p:nvPr/>
+          </p:nvSpPr>
+          <p:spPr>
+            <a:xfrm>
+              <a:off x="5467263" y="4783739"/>
+              <a:ext cx="680989" cy="470261"/>
+            </a:xfrm>
+            <a:prstGeom prst="roundRect">
+              <a:avLst/>
+            </a:prstGeom>
+            <a:noFill/>
+            <a:ln w="38100" cap="flat" cmpd="sng" algn="ctr">
+              <a:solidFill>
+                <a:schemeClr val="accent4"/>
+              </a:solidFill>
+              <a:prstDash val="solid"/>
+              <a:round/>
+              <a:headEnd type="none" w="med" len="med"/>
+              <a:tailEnd type="none" w="med" len="med"/>
+            </a:ln>
+          </p:spPr>
+          <p:style>
+            <a:lnRef idx="0">
+              <a:scrgbClr r="0" g="0" b="0"/>
+            </a:lnRef>
+            <a:fillRef idx="0">
+              <a:scrgbClr r="0" g="0" b="0"/>
+            </a:fillRef>
+            <a:effectRef idx="0">
+              <a:scrgbClr r="0" g="0" b="0"/>
+            </a:effectRef>
+            <a:fontRef idx="minor">
+              <a:schemeClr val="accent4"/>
+            </a:fontRef>
+          </p:style>
+          <p:txBody>
+            <a:bodyPr rtlCol="0" anchor="ctr"/>
+            <a:lstStyle/>
+            <a:p>
+              <a:pPr algn="ctr"/>
+              <a:endParaRPr kumimoji="1" lang="ja-JP" altLang="en-US"/>
+            </a:p>
+          </p:txBody>
+        </p:sp>
+        <p:sp>
+          <p:nvSpPr>
+            <p:cNvPr id="12" name="吹き出し: 角を丸めた四角形 11">
+              <a:extLst>
+                <a:ext uri="{FF2B5EF4-FFF2-40B4-BE49-F238E27FC236}">
+                  <a16:creationId xmlns:a16="http://schemas.microsoft.com/office/drawing/2014/main" id="{DAA744F7-9C6F-1A75-DE72-D88D247A6F02}"/>
+                </a:ext>
+              </a:extLst>
+            </p:cNvPr>
+            <p:cNvSpPr/>
+            <p:nvPr/>
+          </p:nvSpPr>
+          <p:spPr>
+            <a:xfrm>
+              <a:off x="6289307" y="4287446"/>
+              <a:ext cx="1487533" cy="673608"/>
+            </a:xfrm>
+            <a:prstGeom prst="wedgeRoundRectCallout">
+              <a:avLst>
+                <a:gd name="adj1" fmla="val -47178"/>
+                <a:gd name="adj2" fmla="val 67671"/>
+                <a:gd name="adj3" fmla="val 16667"/>
+              </a:avLst>
+            </a:prstGeom>
+            <a:noFill/>
+            <a:ln w="38100" cap="flat" cmpd="sng" algn="ctr">
+              <a:solidFill>
+                <a:schemeClr val="accent4"/>
+              </a:solidFill>
+              <a:prstDash val="solid"/>
+              <a:round/>
+              <a:headEnd type="none" w="med" len="med"/>
+              <a:tailEnd type="none" w="med" len="med"/>
+            </a:ln>
+          </p:spPr>
+          <p:style>
+            <a:lnRef idx="0">
+              <a:scrgbClr r="0" g="0" b="0"/>
+            </a:lnRef>
+            <a:fillRef idx="0">
+              <a:scrgbClr r="0" g="0" b="0"/>
+            </a:fillRef>
+            <a:effectRef idx="0">
+              <a:scrgbClr r="0" g="0" b="0"/>
+            </a:effectRef>
+            <a:fontRef idx="minor">
+              <a:schemeClr val="accent4"/>
+            </a:fontRef>
+          </p:style>
+          <p:txBody>
+            <a:bodyPr rtlCol="0" anchor="ctr"/>
+            <a:lstStyle/>
+            <a:p>
+              <a:pPr algn="ctr"/>
+              <a:r>
+                <a:rPr kumimoji="1" lang="ja-JP" altLang="en-US" dirty="0"/>
+                <a:t>リーダーの</a:t>
+              </a:r>
+              <a:br>
+                <a:rPr kumimoji="1" lang="en-US" altLang="ja-JP" dirty="0"/>
+              </a:br>
+              <a:r>
+                <a:rPr kumimoji="1" lang="ja-JP" altLang="en-US" dirty="0"/>
+                <a:t>進行方向</a:t>
+              </a:r>
+            </a:p>
+          </p:txBody>
+        </p:sp>
+        <p:sp>
+          <p:nvSpPr>
+            <p:cNvPr id="13" name="四角形: 角を丸くする 12">
+              <a:extLst>
+                <a:ext uri="{FF2B5EF4-FFF2-40B4-BE49-F238E27FC236}">
+                  <a16:creationId xmlns:a16="http://schemas.microsoft.com/office/drawing/2014/main" id="{984F0715-402A-BA85-12A6-3C803A803F12}"/>
+                </a:ext>
+              </a:extLst>
+            </p:cNvPr>
+            <p:cNvSpPr/>
+            <p:nvPr/>
+          </p:nvSpPr>
+          <p:spPr>
+            <a:xfrm>
+              <a:off x="6148252" y="5581591"/>
+              <a:ext cx="680989" cy="470261"/>
+            </a:xfrm>
+            <a:prstGeom prst="roundRect">
+              <a:avLst/>
+            </a:prstGeom>
+            <a:noFill/>
+            <a:ln w="38100" cap="flat" cmpd="sng" algn="ctr">
+              <a:solidFill>
+                <a:schemeClr val="accent4"/>
+              </a:solidFill>
+              <a:prstDash val="solid"/>
+              <a:round/>
+              <a:headEnd type="none" w="med" len="med"/>
+              <a:tailEnd type="none" w="med" len="med"/>
+            </a:ln>
+          </p:spPr>
+          <p:style>
+            <a:lnRef idx="0">
+              <a:scrgbClr r="0" g="0" b="0"/>
+            </a:lnRef>
+            <a:fillRef idx="0">
+              <a:scrgbClr r="0" g="0" b="0"/>
+            </a:fillRef>
+            <a:effectRef idx="0">
+              <a:scrgbClr r="0" g="0" b="0"/>
+            </a:effectRef>
+            <a:fontRef idx="minor">
+              <a:schemeClr val="accent4"/>
+            </a:fontRef>
+          </p:style>
+          <p:txBody>
+            <a:bodyPr rtlCol="0" anchor="ctr"/>
+            <a:lstStyle/>
+            <a:p>
+              <a:pPr algn="ctr"/>
+              <a:endParaRPr kumimoji="1" lang="ja-JP" altLang="en-US"/>
+            </a:p>
+          </p:txBody>
+        </p:sp>
+        <p:sp>
+          <p:nvSpPr>
+            <p:cNvPr id="14" name="吹き出し: 角を丸めた四角形 13">
+              <a:extLst>
+                <a:ext uri="{FF2B5EF4-FFF2-40B4-BE49-F238E27FC236}">
+                  <a16:creationId xmlns:a16="http://schemas.microsoft.com/office/drawing/2014/main" id="{C21C16F2-1498-BB4B-FAE6-8F50C269E712}"/>
+                </a:ext>
+              </a:extLst>
+            </p:cNvPr>
+            <p:cNvSpPr/>
+            <p:nvPr/>
+          </p:nvSpPr>
+          <p:spPr>
+            <a:xfrm>
+              <a:off x="4320224" y="3880419"/>
+              <a:ext cx="1487533" cy="673608"/>
+            </a:xfrm>
+            <a:prstGeom prst="wedgeRoundRectCallout">
+              <a:avLst>
+                <a:gd name="adj1" fmla="val -22589"/>
+                <a:gd name="adj2" fmla="val 70256"/>
+                <a:gd name="adj3" fmla="val 16667"/>
+              </a:avLst>
+            </a:prstGeom>
+            <a:noFill/>
+            <a:ln w="38100" cap="flat" cmpd="sng" algn="ctr">
+              <a:solidFill>
+                <a:schemeClr val="accent6"/>
+              </a:solidFill>
+              <a:prstDash val="solid"/>
+              <a:round/>
+              <a:headEnd type="none" w="med" len="med"/>
+              <a:tailEnd type="none" w="med" len="med"/>
+            </a:ln>
+          </p:spPr>
+          <p:style>
+            <a:lnRef idx="0">
+              <a:scrgbClr r="0" g="0" b="0"/>
+            </a:lnRef>
+            <a:fillRef idx="0">
+              <a:scrgbClr r="0" g="0" b="0"/>
+            </a:fillRef>
+            <a:effectRef idx="0">
+              <a:scrgbClr r="0" g="0" b="0"/>
+            </a:effectRef>
+            <a:fontRef idx="minor">
+              <a:schemeClr val="accent4"/>
+            </a:fontRef>
+          </p:style>
+          <p:txBody>
+            <a:bodyPr rtlCol="0" anchor="ctr"/>
+            <a:lstStyle/>
+            <a:p>
+              <a:pPr algn="ctr"/>
+              <a:r>
+                <a:rPr kumimoji="1" lang="ja-JP" altLang="en-US" dirty="0">
+                  <a:solidFill>
+                    <a:schemeClr val="accent6"/>
+                  </a:solidFill>
+                </a:rPr>
+                <a:t>機体の</a:t>
+              </a:r>
+              <a:r>
+                <a:rPr kumimoji="1" lang="en-US" altLang="ja-JP" dirty="0">
+                  <a:solidFill>
+                    <a:schemeClr val="accent6"/>
+                  </a:solidFill>
+                </a:rPr>
+                <a:t>z</a:t>
+              </a:r>
+              <a:r>
+                <a:rPr kumimoji="1" lang="ja-JP" altLang="en-US" dirty="0">
+                  <a:solidFill>
+                    <a:schemeClr val="accent6"/>
+                  </a:solidFill>
+                </a:rPr>
+                <a:t>軸</a:t>
+              </a:r>
+              <a:br>
+                <a:rPr kumimoji="1" lang="en-US" altLang="ja-JP" dirty="0">
+                  <a:solidFill>
+                    <a:schemeClr val="accent6"/>
+                  </a:solidFill>
+                </a:rPr>
+              </a:br>
+              <a:r>
+                <a:rPr kumimoji="1" lang="ja-JP" altLang="en-US" dirty="0">
+                  <a:solidFill>
+                    <a:schemeClr val="accent6"/>
+                  </a:solidFill>
+                </a:rPr>
+                <a:t>基準で回転</a:t>
+              </a:r>
+            </a:p>
+          </p:txBody>
+        </p:sp>
+        <p:sp>
+          <p:nvSpPr>
+            <p:cNvPr id="15" name="四角形: 角を丸くする 14">
+              <a:extLst>
+                <a:ext uri="{FF2B5EF4-FFF2-40B4-BE49-F238E27FC236}">
+                  <a16:creationId xmlns:a16="http://schemas.microsoft.com/office/drawing/2014/main" id="{554E59D1-F1CF-9182-C587-40CD7ED45601}"/>
+                </a:ext>
+              </a:extLst>
+            </p:cNvPr>
+            <p:cNvSpPr/>
+            <p:nvPr/>
+          </p:nvSpPr>
+          <p:spPr>
+            <a:xfrm>
+              <a:off x="4040777" y="4783738"/>
+              <a:ext cx="1426486" cy="470261"/>
+            </a:xfrm>
+            <a:prstGeom prst="roundRect">
+              <a:avLst/>
+            </a:prstGeom>
+            <a:noFill/>
+            <a:ln w="38100" cap="flat" cmpd="sng" algn="ctr">
+              <a:solidFill>
+                <a:schemeClr val="accent6"/>
+              </a:solidFill>
+              <a:prstDash val="solid"/>
+              <a:round/>
+              <a:headEnd type="none" w="med" len="med"/>
+              <a:tailEnd type="none" w="med" len="med"/>
+            </a:ln>
+          </p:spPr>
+          <p:style>
+            <a:lnRef idx="0">
+              <a:scrgbClr r="0" g="0" b="0"/>
+            </a:lnRef>
+            <a:fillRef idx="0">
+              <a:scrgbClr r="0" g="0" b="0"/>
+            </a:fillRef>
+            <a:effectRef idx="0">
+              <a:scrgbClr r="0" g="0" b="0"/>
+            </a:effectRef>
+            <a:fontRef idx="minor">
+              <a:schemeClr val="accent4"/>
+            </a:fontRef>
+          </p:style>
+          <p:txBody>
+            <a:bodyPr rtlCol="0" anchor="ctr"/>
+            <a:lstStyle/>
+            <a:p>
+              <a:pPr algn="ctr"/>
+              <a:endParaRPr kumimoji="1" lang="ja-JP" altLang="en-US"/>
+            </a:p>
+          </p:txBody>
+        </p:sp>
+        <p:sp>
+          <p:nvSpPr>
+            <p:cNvPr id="16" name="四角形: 角を丸くする 15">
+              <a:extLst>
+                <a:ext uri="{FF2B5EF4-FFF2-40B4-BE49-F238E27FC236}">
+                  <a16:creationId xmlns:a16="http://schemas.microsoft.com/office/drawing/2014/main" id="{6279DFFA-D6C3-9BAF-1CAA-FB4938C156DA}"/>
+                </a:ext>
+              </a:extLst>
+            </p:cNvPr>
+            <p:cNvSpPr/>
+            <p:nvPr/>
+          </p:nvSpPr>
+          <p:spPr>
+            <a:xfrm>
+              <a:off x="4746171" y="5571356"/>
+              <a:ext cx="1409832" cy="470261"/>
+            </a:xfrm>
+            <a:prstGeom prst="roundRect">
+              <a:avLst/>
+            </a:prstGeom>
+            <a:noFill/>
+            <a:ln w="38100" cap="flat" cmpd="sng" algn="ctr">
+              <a:solidFill>
+                <a:schemeClr val="accent6"/>
+              </a:solidFill>
+              <a:prstDash val="solid"/>
+              <a:round/>
+              <a:headEnd type="none" w="med" len="med"/>
+              <a:tailEnd type="none" w="med" len="med"/>
+            </a:ln>
+          </p:spPr>
+          <p:style>
+            <a:lnRef idx="0">
+              <a:scrgbClr r="0" g="0" b="0"/>
+            </a:lnRef>
+            <a:fillRef idx="0">
+              <a:scrgbClr r="0" g="0" b="0"/>
+            </a:fillRef>
+            <a:effectRef idx="0">
+              <a:scrgbClr r="0" g="0" b="0"/>
+            </a:effectRef>
+            <a:fontRef idx="minor">
+              <a:schemeClr val="accent4"/>
+            </a:fontRef>
+          </p:style>
+          <p:txBody>
+            <a:bodyPr rtlCol="0" anchor="ctr"/>
+            <a:lstStyle/>
+            <a:p>
+              <a:pPr algn="ctr"/>
+              <a:endParaRPr kumimoji="1" lang="ja-JP" altLang="en-US"/>
+            </a:p>
+          </p:txBody>
+        </p:sp>
+        <p:sp>
+          <p:nvSpPr>
+            <p:cNvPr id="17" name="四角形: 角を丸くする 16">
+              <a:extLst>
+                <a:ext uri="{FF2B5EF4-FFF2-40B4-BE49-F238E27FC236}">
+                  <a16:creationId xmlns:a16="http://schemas.microsoft.com/office/drawing/2014/main" id="{0CF61566-5DAB-A5FA-7A2B-569ADD37526C}"/>
+                </a:ext>
+              </a:extLst>
+            </p:cNvPr>
+            <p:cNvSpPr/>
+            <p:nvPr/>
+          </p:nvSpPr>
+          <p:spPr>
+            <a:xfrm>
+              <a:off x="3676738" y="4799534"/>
+              <a:ext cx="364039" cy="470261"/>
+            </a:xfrm>
+            <a:prstGeom prst="roundRect">
+              <a:avLst/>
+            </a:prstGeom>
+            <a:noFill/>
+            <a:ln w="38100" cap="flat" cmpd="sng" algn="ctr">
+              <a:solidFill>
+                <a:schemeClr val="accent5"/>
+              </a:solidFill>
+              <a:prstDash val="solid"/>
+              <a:round/>
+              <a:headEnd type="none" w="med" len="med"/>
+              <a:tailEnd type="none" w="med" len="med"/>
+            </a:ln>
+          </p:spPr>
+          <p:style>
+            <a:lnRef idx="0">
+              <a:scrgbClr r="0" g="0" b="0"/>
+            </a:lnRef>
+            <a:fillRef idx="0">
+              <a:scrgbClr r="0" g="0" b="0"/>
+            </a:fillRef>
+            <a:effectRef idx="0">
+              <a:scrgbClr r="0" g="0" b="0"/>
+            </a:effectRef>
+            <a:fontRef idx="minor">
+              <a:schemeClr val="accent4"/>
+            </a:fontRef>
+          </p:style>
+          <p:txBody>
+            <a:bodyPr rtlCol="0" anchor="ctr"/>
+            <a:lstStyle/>
+            <a:p>
+              <a:pPr algn="ctr"/>
+              <a:endParaRPr kumimoji="1" lang="ja-JP" altLang="en-US"/>
+            </a:p>
+          </p:txBody>
+        </p:sp>
+        <p:sp>
+          <p:nvSpPr>
+            <p:cNvPr id="18" name="四角形: 角を丸くする 17">
+              <a:extLst>
+                <a:ext uri="{FF2B5EF4-FFF2-40B4-BE49-F238E27FC236}">
+                  <a16:creationId xmlns:a16="http://schemas.microsoft.com/office/drawing/2014/main" id="{D0AD201C-F7F5-DD6D-808E-1EA6D8BD5B65}"/>
+                </a:ext>
+              </a:extLst>
+            </p:cNvPr>
+            <p:cNvSpPr/>
+            <p:nvPr/>
+          </p:nvSpPr>
+          <p:spPr>
+            <a:xfrm>
+              <a:off x="3004457" y="5564271"/>
+              <a:ext cx="283029" cy="470261"/>
+            </a:xfrm>
+            <a:prstGeom prst="roundRect">
+              <a:avLst/>
+            </a:prstGeom>
+            <a:noFill/>
+            <a:ln w="38100" cap="flat" cmpd="sng" algn="ctr">
+              <a:solidFill>
+                <a:schemeClr val="accent5"/>
+              </a:solidFill>
+              <a:prstDash val="solid"/>
+              <a:round/>
+              <a:headEnd type="none" w="med" len="med"/>
+              <a:tailEnd type="none" w="med" len="med"/>
+            </a:ln>
+          </p:spPr>
+          <p:style>
+            <a:lnRef idx="0">
+              <a:scrgbClr r="0" g="0" b="0"/>
+            </a:lnRef>
+            <a:fillRef idx="0">
+              <a:scrgbClr r="0" g="0" b="0"/>
+            </a:fillRef>
+            <a:effectRef idx="0">
+              <a:scrgbClr r="0" g="0" b="0"/>
+            </a:effectRef>
+            <a:fontRef idx="minor">
+              <a:schemeClr val="accent4"/>
+            </a:fontRef>
+          </p:style>
+          <p:txBody>
+            <a:bodyPr rtlCol="0" anchor="ctr"/>
+            <a:lstStyle/>
+            <a:p>
+              <a:pPr algn="ctr"/>
+              <a:endParaRPr kumimoji="1" lang="ja-JP" altLang="en-US"/>
+            </a:p>
+          </p:txBody>
+        </p:sp>
+        <p:sp>
+          <p:nvSpPr>
+            <p:cNvPr id="19" name="吹き出し: 角を丸めた四角形 18">
+              <a:extLst>
+                <a:ext uri="{FF2B5EF4-FFF2-40B4-BE49-F238E27FC236}">
+                  <a16:creationId xmlns:a16="http://schemas.microsoft.com/office/drawing/2014/main" id="{C933F749-F12F-4264-E67E-4FD1BD6A2011}"/>
+                </a:ext>
+              </a:extLst>
+            </p:cNvPr>
+            <p:cNvSpPr/>
+            <p:nvPr/>
+          </p:nvSpPr>
+          <p:spPr>
+            <a:xfrm>
+              <a:off x="3004457" y="4078371"/>
+              <a:ext cx="1224757" cy="515122"/>
+            </a:xfrm>
+            <a:prstGeom prst="wedgeRoundRectCallout">
+              <a:avLst>
+                <a:gd name="adj1" fmla="val 20480"/>
+                <a:gd name="adj2" fmla="val 71549"/>
+                <a:gd name="adj3" fmla="val 16667"/>
+              </a:avLst>
+            </a:prstGeom>
+            <a:noFill/>
+            <a:ln w="38100" cap="flat" cmpd="sng" algn="ctr">
+              <a:solidFill>
+                <a:schemeClr val="accent5"/>
+              </a:solidFill>
+              <a:prstDash val="solid"/>
+              <a:round/>
+              <a:headEnd type="none" w="med" len="med"/>
+              <a:tailEnd type="none" w="med" len="med"/>
+            </a:ln>
+          </p:spPr>
+          <p:style>
+            <a:lnRef idx="0">
+              <a:scrgbClr r="0" g="0" b="0"/>
+            </a:lnRef>
+            <a:fillRef idx="0">
+              <a:scrgbClr r="0" g="0" b="0"/>
+            </a:fillRef>
+            <a:effectRef idx="0">
+              <a:scrgbClr r="0" g="0" b="0"/>
+            </a:effectRef>
+            <a:fontRef idx="minor">
+              <a:schemeClr val="accent4"/>
+            </a:fontRef>
+          </p:style>
+          <p:txBody>
+            <a:bodyPr rtlCol="0" anchor="ctr"/>
+            <a:lstStyle/>
+            <a:p>
+              <a:pPr algn="ctr"/>
+              <a:r>
+                <a:rPr kumimoji="1" lang="ja-JP" altLang="en-US" dirty="0">
+                  <a:solidFill>
+                    <a:schemeClr val="accent5"/>
+                  </a:solidFill>
+                </a:rPr>
+                <a:t>離隔距離</a:t>
+              </a:r>
+            </a:p>
+          </p:txBody>
+        </p:sp>
+        <p:sp>
+          <p:nvSpPr>
+            <p:cNvPr id="20" name="四角形: 角を丸くする 19">
+              <a:extLst>
+                <a:ext uri="{FF2B5EF4-FFF2-40B4-BE49-F238E27FC236}">
+                  <a16:creationId xmlns:a16="http://schemas.microsoft.com/office/drawing/2014/main" id="{1812E52E-0C7D-3055-FF55-D937C52FDF0C}"/>
+                </a:ext>
+              </a:extLst>
+            </p:cNvPr>
+            <p:cNvSpPr/>
+            <p:nvPr/>
+          </p:nvSpPr>
+          <p:spPr>
+            <a:xfrm>
+              <a:off x="3319685" y="5580065"/>
+              <a:ext cx="1426486" cy="470261"/>
+            </a:xfrm>
+            <a:prstGeom prst="roundRect">
+              <a:avLst/>
+            </a:prstGeom>
+            <a:noFill/>
+            <a:ln w="38100" cap="flat" cmpd="sng" algn="ctr">
+              <a:solidFill>
+                <a:schemeClr val="accent2"/>
+              </a:solidFill>
+              <a:prstDash val="solid"/>
+              <a:round/>
+              <a:headEnd type="none" w="med" len="med"/>
+              <a:tailEnd type="none" w="med" len="med"/>
+            </a:ln>
+          </p:spPr>
+          <p:style>
+            <a:lnRef idx="0">
+              <a:scrgbClr r="0" g="0" b="0"/>
+            </a:lnRef>
+            <a:fillRef idx="0">
+              <a:scrgbClr r="0" g="0" b="0"/>
+            </a:fillRef>
+            <a:effectRef idx="0">
+              <a:scrgbClr r="0" g="0" b="0"/>
+            </a:effectRef>
+            <a:fontRef idx="minor">
+              <a:schemeClr val="accent4"/>
+            </a:fontRef>
+          </p:style>
+          <p:txBody>
+            <a:bodyPr rtlCol="0" anchor="ctr"/>
+            <a:lstStyle/>
+            <a:p>
+              <a:pPr algn="ctr"/>
+              <a:endParaRPr kumimoji="1" lang="ja-JP" altLang="en-US"/>
+            </a:p>
+          </p:txBody>
+        </p:sp>
+        <p:sp>
+          <p:nvSpPr>
+            <p:cNvPr id="22" name="吹き出し: 角を丸めた四角形 21">
+              <a:extLst>
+                <a:ext uri="{FF2B5EF4-FFF2-40B4-BE49-F238E27FC236}">
+                  <a16:creationId xmlns:a16="http://schemas.microsoft.com/office/drawing/2014/main" id="{5D44052E-1D35-AA97-3AC6-1ABF0942B462}"/>
+                </a:ext>
+              </a:extLst>
+            </p:cNvPr>
+            <p:cNvSpPr/>
+            <p:nvPr/>
+          </p:nvSpPr>
+          <p:spPr>
+            <a:xfrm>
+              <a:off x="3340256" y="6307717"/>
+              <a:ext cx="2467501" cy="420850"/>
+            </a:xfrm>
+            <a:prstGeom prst="wedgeRoundRectCallout">
+              <a:avLst>
+                <a:gd name="adj1" fmla="val -21177"/>
+                <a:gd name="adj2" fmla="val -91148"/>
+                <a:gd name="adj3" fmla="val 16667"/>
+              </a:avLst>
+            </a:prstGeom>
+            <a:noFill/>
+            <a:ln w="38100" cap="flat" cmpd="sng" algn="ctr">
+              <a:solidFill>
+                <a:schemeClr val="accent2"/>
+              </a:solidFill>
+              <a:prstDash val="solid"/>
+              <a:round/>
+              <a:headEnd type="none" w="med" len="med"/>
+              <a:tailEnd type="none" w="med" len="med"/>
+            </a:ln>
+          </p:spPr>
+          <p:style>
+            <a:lnRef idx="0">
+              <a:scrgbClr r="0" g="0" b="0"/>
+            </a:lnRef>
+            <a:fillRef idx="0">
+              <a:scrgbClr r="0" g="0" b="0"/>
+            </a:fillRef>
+            <a:effectRef idx="0">
+              <a:scrgbClr r="0" g="0" b="0"/>
+            </a:effectRef>
+            <a:fontRef idx="minor">
+              <a:schemeClr val="accent4"/>
+            </a:fontRef>
+          </p:style>
+          <p:txBody>
+            <a:bodyPr rtlCol="0" anchor="ctr"/>
+            <a:lstStyle/>
+            <a:p>
+              <a:pPr algn="ctr"/>
+              <a:r>
+                <a:rPr kumimoji="1" lang="ja-JP" altLang="en-US" dirty="0">
+                  <a:solidFill>
+                    <a:schemeClr val="accent2"/>
+                  </a:solidFill>
+                </a:rPr>
+                <a:t>機体の</a:t>
+              </a:r>
+              <a:r>
+                <a:rPr kumimoji="1" lang="en-US" altLang="ja-JP" dirty="0">
+                  <a:solidFill>
+                    <a:schemeClr val="accent2"/>
+                  </a:solidFill>
+                </a:rPr>
+                <a:t>x</a:t>
+              </a:r>
+              <a:r>
+                <a:rPr kumimoji="1" lang="ja-JP" altLang="en-US" dirty="0">
+                  <a:solidFill>
+                    <a:schemeClr val="accent2"/>
+                  </a:solidFill>
+                </a:rPr>
+                <a:t>軸基準で回転</a:t>
+              </a:r>
+            </a:p>
+          </p:txBody>
+        </p:sp>
+      </p:grpSp>
+      <p:grpSp>
+        <p:nvGrpSpPr>
+          <p:cNvPr id="50" name="グループ化 49">
+            <a:extLst>
+              <a:ext uri="{FF2B5EF4-FFF2-40B4-BE49-F238E27FC236}">
+                <a16:creationId xmlns:a16="http://schemas.microsoft.com/office/drawing/2014/main" id="{2C0C8963-36D8-DCB2-896C-6EC136151A3A}"/>
+              </a:ext>
+            </a:extLst>
+          </p:cNvPr>
+          <p:cNvGrpSpPr/>
+          <p:nvPr/>
+        </p:nvGrpSpPr>
+        <p:grpSpPr>
+          <a:xfrm>
+            <a:off x="255858" y="2902550"/>
+            <a:ext cx="3140516" cy="1677651"/>
+            <a:chOff x="43811" y="2439374"/>
+            <a:chExt cx="3140516" cy="1677651"/>
+          </a:xfrm>
+        </p:grpSpPr>
+        <p:sp>
+          <p:nvSpPr>
+            <p:cNvPr id="24" name="五角形 23">
+              <a:extLst>
+                <a:ext uri="{FF2B5EF4-FFF2-40B4-BE49-F238E27FC236}">
+                  <a16:creationId xmlns:a16="http://schemas.microsoft.com/office/drawing/2014/main" id="{BB3ABFA3-7E7E-AC6D-B141-92A97D3BF81E}"/>
+                </a:ext>
+              </a:extLst>
+            </p:cNvPr>
+            <p:cNvSpPr/>
+            <p:nvPr/>
+          </p:nvSpPr>
+          <p:spPr>
+            <a:xfrm rot="3792731">
+              <a:off x="1565976" y="2877591"/>
+              <a:ext cx="271211" cy="640412"/>
+            </a:xfrm>
+            <a:prstGeom prst="pentagon">
+              <a:avLst/>
+            </a:prstGeom>
+          </p:spPr>
+          <p:style>
+            <a:lnRef idx="3">
+              <a:schemeClr val="lt1"/>
+            </a:lnRef>
+            <a:fillRef idx="1">
+              <a:schemeClr val="accent2"/>
+            </a:fillRef>
+            <a:effectRef idx="1">
+              <a:schemeClr val="accent2"/>
+            </a:effectRef>
+            <a:fontRef idx="minor">
+              <a:schemeClr val="lt1"/>
+            </a:fontRef>
+          </p:style>
+          <p:txBody>
+            <a:bodyPr rtlCol="0" anchor="ctr"/>
+            <a:lstStyle/>
+            <a:p>
+              <a:pPr algn="ctr"/>
+              <a:endParaRPr kumimoji="1" lang="ja-JP" altLang="en-US"/>
+            </a:p>
+          </p:txBody>
+        </p:sp>
+        <p:cxnSp>
+          <p:nvCxnSpPr>
+            <p:cNvPr id="26" name="直線矢印コネクタ 25">
+              <a:extLst>
+                <a:ext uri="{FF2B5EF4-FFF2-40B4-BE49-F238E27FC236}">
+                  <a16:creationId xmlns:a16="http://schemas.microsoft.com/office/drawing/2014/main" id="{E5BD8707-4A49-1836-9CD9-8331CB600CD4}"/>
+                </a:ext>
+              </a:extLst>
+            </p:cNvPr>
+            <p:cNvCxnSpPr>
+              <a:cxnSpLocks/>
+              <a:stCxn id="24" idx="0"/>
+            </p:cNvCxnSpPr>
+            <p:nvPr/>
+          </p:nvCxnSpPr>
+          <p:spPr>
+            <a:xfrm flipV="1">
+              <a:off x="1987424" y="2816064"/>
+              <a:ext cx="415581" cy="237421"/>
+            </a:xfrm>
+            <a:prstGeom prst="straightConnector1">
+              <a:avLst/>
+            </a:prstGeom>
+            <a:ln>
+              <a:tailEnd type="triangle"/>
+            </a:ln>
+          </p:spPr>
+          <p:style>
+            <a:lnRef idx="2">
+              <a:schemeClr val="accent2"/>
+            </a:lnRef>
+            <a:fillRef idx="0">
+              <a:schemeClr val="accent2"/>
+            </a:fillRef>
+            <a:effectRef idx="1">
+              <a:schemeClr val="accent2"/>
+            </a:effectRef>
+            <a:fontRef idx="minor">
+              <a:schemeClr val="tx1"/>
+            </a:fontRef>
+          </p:style>
+        </p:cxnSp>
+        <p:sp>
+          <p:nvSpPr>
+            <p:cNvPr id="29" name="楕円 28">
+              <a:extLst>
+                <a:ext uri="{FF2B5EF4-FFF2-40B4-BE49-F238E27FC236}">
+                  <a16:creationId xmlns:a16="http://schemas.microsoft.com/office/drawing/2014/main" id="{0F9B2A5D-86A7-9552-76B3-214FF96921BE}"/>
+                </a:ext>
+              </a:extLst>
+            </p:cNvPr>
+            <p:cNvSpPr/>
+            <p:nvPr/>
+          </p:nvSpPr>
+          <p:spPr>
+            <a:xfrm>
+              <a:off x="202450" y="3203175"/>
+              <a:ext cx="251231" cy="249040"/>
+            </a:xfrm>
+            <a:prstGeom prst="ellipse">
+              <a:avLst/>
+            </a:prstGeom>
+          </p:spPr>
+          <p:style>
+            <a:lnRef idx="3">
+              <a:schemeClr val="lt1"/>
+            </a:lnRef>
+            <a:fillRef idx="1">
+              <a:schemeClr val="accent1"/>
+            </a:fillRef>
+            <a:effectRef idx="1">
+              <a:schemeClr val="accent1"/>
+            </a:effectRef>
+            <a:fontRef idx="minor">
+              <a:schemeClr val="lt1"/>
+            </a:fontRef>
+          </p:style>
+          <p:txBody>
+            <a:bodyPr rtlCol="0" anchor="ctr"/>
+            <a:lstStyle/>
+            <a:p>
+              <a:pPr algn="ctr"/>
+              <a:endParaRPr kumimoji="1" lang="ja-JP" altLang="en-US"/>
+            </a:p>
+          </p:txBody>
+        </p:sp>
+        <p:cxnSp>
+          <p:nvCxnSpPr>
+            <p:cNvPr id="31" name="直線矢印コネクタ 30">
+              <a:extLst>
+                <a:ext uri="{FF2B5EF4-FFF2-40B4-BE49-F238E27FC236}">
+                  <a16:creationId xmlns:a16="http://schemas.microsoft.com/office/drawing/2014/main" id="{21AC5313-F22A-57C6-1B8C-8BCC3C9AACA3}"/>
+                </a:ext>
+              </a:extLst>
+            </p:cNvPr>
+            <p:cNvCxnSpPr>
+              <a:cxnSpLocks/>
+              <a:stCxn id="24" idx="2"/>
+              <a:endCxn id="29" idx="6"/>
+            </p:cNvCxnSpPr>
+            <p:nvPr/>
+          </p:nvCxnSpPr>
+          <p:spPr>
+            <a:xfrm flipH="1">
+              <a:off x="453681" y="3267295"/>
+              <a:ext cx="924289" cy="60400"/>
+            </a:xfrm>
+            <a:prstGeom prst="straightConnector1">
+              <a:avLst/>
+            </a:prstGeom>
+            <a:ln>
+              <a:tailEnd type="triangle"/>
+            </a:ln>
+          </p:spPr>
+          <p:style>
+            <a:lnRef idx="2">
+              <a:schemeClr val="accent1"/>
+            </a:lnRef>
+            <a:fillRef idx="0">
+              <a:schemeClr val="accent1"/>
+            </a:fillRef>
+            <a:effectRef idx="1">
+              <a:schemeClr val="accent1"/>
+            </a:effectRef>
+            <a:fontRef idx="minor">
+              <a:schemeClr val="tx1"/>
+            </a:fontRef>
+          </p:style>
+        </p:cxnSp>
+        <p:sp>
+          <p:nvSpPr>
+            <p:cNvPr id="43" name="円弧 42">
+              <a:extLst>
+                <a:ext uri="{FF2B5EF4-FFF2-40B4-BE49-F238E27FC236}">
+                  <a16:creationId xmlns:a16="http://schemas.microsoft.com/office/drawing/2014/main" id="{FB1C0BFF-F231-2E0A-C746-DD7C83DF4DA5}"/>
+                </a:ext>
+              </a:extLst>
+            </p:cNvPr>
+            <p:cNvSpPr/>
+            <p:nvPr/>
+          </p:nvSpPr>
+          <p:spPr>
+            <a:xfrm rot="7765171">
+              <a:off x="943061" y="2809287"/>
+              <a:ext cx="896919" cy="933935"/>
+            </a:xfrm>
+            <a:prstGeom prst="arc">
+              <a:avLst>
+                <a:gd name="adj1" fmla="val 14203641"/>
+                <a:gd name="adj2" fmla="val 2561655"/>
+              </a:avLst>
+            </a:prstGeom>
+          </p:spPr>
+          <p:style>
+            <a:lnRef idx="2">
+              <a:schemeClr val="accent6"/>
+            </a:lnRef>
+            <a:fillRef idx="0">
+              <a:schemeClr val="accent6"/>
+            </a:fillRef>
+            <a:effectRef idx="1">
+              <a:schemeClr val="accent6"/>
+            </a:effectRef>
+            <a:fontRef idx="minor">
+              <a:schemeClr val="tx1"/>
+            </a:fontRef>
+          </p:style>
+          <p:txBody>
+            <a:bodyPr rtlCol="0" anchor="ctr"/>
+            <a:lstStyle/>
+            <a:p>
+              <a:pPr algn="ctr"/>
+              <a:endParaRPr kumimoji="1" lang="ja-JP" altLang="en-US"/>
+            </a:p>
+          </p:txBody>
+        </p:sp>
+        <mc:AlternateContent xmlns:mc="http://schemas.openxmlformats.org/markup-compatibility/2006">
+          <mc:Choice xmlns:a14="http://schemas.microsoft.com/office/drawing/2010/main" Requires="a14">
+            <p:sp>
+              <p:nvSpPr>
+                <p:cNvPr id="44" name="テキスト ボックス 43">
+                  <a:extLst>
+                    <a:ext uri="{FF2B5EF4-FFF2-40B4-BE49-F238E27FC236}">
+                      <a16:creationId xmlns:a16="http://schemas.microsoft.com/office/drawing/2014/main" id="{5F8C9762-D967-8637-2BEC-8A662C1DF9F6}"/>
+                    </a:ext>
+                  </a:extLst>
+                </p:cNvPr>
+                <p:cNvSpPr txBox="1"/>
+                <p:nvPr/>
+              </p:nvSpPr>
+              <p:spPr>
+                <a:xfrm>
+                  <a:off x="971573" y="3746411"/>
+                  <a:ext cx="1285665" cy="370614"/>
+                </a:xfrm>
+                <a:prstGeom prst="rect">
+                  <a:avLst/>
+                </a:prstGeom>
+                <a:noFill/>
+              </p:spPr>
+              <p:txBody>
+                <a:bodyPr wrap="square" rtlCol="0">
+                  <a:spAutoFit/>
+                </a:bodyPr>
+                <a:lstStyle/>
+                <a:p>
+                  <a:r>
+                    <a:rPr kumimoji="1" lang="ja-JP" altLang="en-US" dirty="0">
+                      <a:solidFill>
+                        <a:schemeClr val="accent6"/>
+                      </a:solidFill>
+                    </a:rPr>
+                    <a:t>回転</a:t>
+                  </a:r>
+                  <a14:m>
+                    <m:oMath xmlns:m="http://schemas.openxmlformats.org/officeDocument/2006/math">
+                      <m:r>
+                        <a:rPr kumimoji="1" lang="ja-JP" altLang="en-US" i="1" smtClean="0">
+                          <a:solidFill>
+                            <a:schemeClr val="accent6"/>
+                          </a:solidFill>
+                          <a:latin typeface="Cambria Math" panose="02040503050406030204" pitchFamily="18" charset="0"/>
+                        </a:rPr>
+                        <m:t>角</m:t>
+                      </m:r>
+                      <m:r>
+                        <a:rPr kumimoji="1" lang="ja-JP" altLang="en-US" i="1" smtClean="0">
+                          <a:solidFill>
+                            <a:schemeClr val="accent6"/>
+                          </a:solidFill>
+                          <a:latin typeface="Cambria Math" panose="02040503050406030204" pitchFamily="18" charset="0"/>
+                        </a:rPr>
+                        <m:t>𝜓</m:t>
+                      </m:r>
+                    </m:oMath>
+                  </a14:m>
+                  <a:endParaRPr kumimoji="1" lang="ja-JP" altLang="en-US" dirty="0">
+                    <a:solidFill>
+                      <a:schemeClr val="accent6"/>
+                    </a:solidFill>
+                  </a:endParaRPr>
+                </a:p>
+              </p:txBody>
+            </p:sp>
+          </mc:Choice>
+          <mc:Fallback>
+            <p:sp>
+              <p:nvSpPr>
+                <p:cNvPr id="44" name="テキスト ボックス 43">
+                  <a:extLst>
+                    <a:ext uri="{FF2B5EF4-FFF2-40B4-BE49-F238E27FC236}">
+                      <a16:creationId xmlns:a16="http://schemas.microsoft.com/office/drawing/2014/main" id="{5F8C9762-D967-8637-2BEC-8A662C1DF9F6}"/>
+                    </a:ext>
+                  </a:extLst>
+                </p:cNvPr>
+                <p:cNvSpPr txBox="1">
+                  <a:spLocks noRot="1" noChangeAspect="1" noMove="1" noResize="1" noEditPoints="1" noAdjustHandles="1" noChangeArrowheads="1" noChangeShapeType="1" noTextEdit="1"/>
+                </p:cNvSpPr>
+                <p:nvPr/>
+              </p:nvSpPr>
+              <p:spPr>
+                <a:xfrm>
+                  <a:off x="971573" y="3746411"/>
+                  <a:ext cx="1285665" cy="370614"/>
+                </a:xfrm>
+                <a:prstGeom prst="rect">
+                  <a:avLst/>
+                </a:prstGeom>
+                <a:blipFill>
+                  <a:blip r:embed="rId4"/>
+                  <a:stretch>
+                    <a:fillRect l="-3791" t="-10000" b="-26667"/>
+                  </a:stretch>
+                </a:blipFill>
+              </p:spPr>
+              <p:txBody>
+                <a:bodyPr/>
+                <a:lstStyle/>
+                <a:p>
+                  <a:r>
+                    <a:rPr lang="ja-JP" altLang="en-US">
+                      <a:noFill/>
+                    </a:rPr>
+                    <a:t> </a:t>
+                  </a:r>
+                </a:p>
+              </p:txBody>
+            </p:sp>
+          </mc:Fallback>
+        </mc:AlternateContent>
+        <mc:AlternateContent xmlns:mc="http://schemas.openxmlformats.org/markup-compatibility/2006">
+          <mc:Choice xmlns:a14="http://schemas.microsoft.com/office/drawing/2010/main" Requires="a14">
+            <p:sp>
+              <p:nvSpPr>
+                <p:cNvPr id="45" name="テキスト ボックス 44">
+                  <a:extLst>
+                    <a:ext uri="{FF2B5EF4-FFF2-40B4-BE49-F238E27FC236}">
+                      <a16:creationId xmlns:a16="http://schemas.microsoft.com/office/drawing/2014/main" id="{F9CC6414-5D51-BDC2-35C0-1E3CE4FA5F99}"/>
+                    </a:ext>
+                  </a:extLst>
+                </p:cNvPr>
+                <p:cNvSpPr txBox="1"/>
+                <p:nvPr/>
+              </p:nvSpPr>
+              <p:spPr>
+                <a:xfrm>
+                  <a:off x="1696795" y="2439374"/>
+                  <a:ext cx="1487532" cy="369332"/>
+                </a:xfrm>
+                <a:prstGeom prst="rect">
+                  <a:avLst/>
+                </a:prstGeom>
+                <a:noFill/>
+              </p:spPr>
+              <p:txBody>
+                <a:bodyPr wrap="square" rtlCol="0">
+                  <a:spAutoFit/>
+                </a:bodyPr>
+                <a:lstStyle/>
+                <a:p>
+                  <a:r>
+                    <a:rPr kumimoji="1" lang="ja-JP" altLang="en-US" dirty="0">
+                      <a:solidFill>
+                        <a:schemeClr val="accent2"/>
+                      </a:solidFill>
+                    </a:rPr>
+                    <a:t>進行</a:t>
+                  </a:r>
+                  <a14:m>
+                    <m:oMath xmlns:m="http://schemas.openxmlformats.org/officeDocument/2006/math">
+                      <m:r>
+                        <a:rPr kumimoji="1" lang="ja-JP" altLang="en-US" i="1" dirty="0">
+                          <a:solidFill>
+                            <a:schemeClr val="accent2"/>
+                          </a:solidFill>
+                          <a:latin typeface="Cambria Math" panose="02040503050406030204" pitchFamily="18" charset="0"/>
+                        </a:rPr>
+                        <m:t>方向</m:t>
+                      </m:r>
+                      <m:sSub>
+                        <m:sSubPr>
+                          <m:ctrlPr>
+                            <a:rPr kumimoji="1" lang="en-US" altLang="ja-JP" i="1" dirty="0" smtClean="0">
+                              <a:solidFill>
+                                <a:schemeClr val="accent2"/>
+                              </a:solidFill>
+                              <a:latin typeface="Cambria Math" panose="02040503050406030204" pitchFamily="18" charset="0"/>
+                            </a:rPr>
+                          </m:ctrlPr>
+                        </m:sSubPr>
+                        <m:e>
+                          <m:r>
+                            <a:rPr kumimoji="1" lang="en-US" altLang="ja-JP" b="0" i="1" dirty="0" smtClean="0">
+                              <a:solidFill>
+                                <a:schemeClr val="accent2"/>
+                              </a:solidFill>
+                              <a:latin typeface="Cambria Math" panose="02040503050406030204" pitchFamily="18" charset="0"/>
+                            </a:rPr>
+                            <m:t>𝑣</m:t>
+                          </m:r>
+                        </m:e>
+                        <m:sub>
+                          <m:r>
+                            <a:rPr kumimoji="1" lang="en-US" altLang="ja-JP" b="0" i="1" dirty="0" smtClean="0">
+                              <a:solidFill>
+                                <a:schemeClr val="accent2"/>
+                              </a:solidFill>
+                              <a:latin typeface="Cambria Math" panose="02040503050406030204" pitchFamily="18" charset="0"/>
+                            </a:rPr>
+                            <m:t>𝑙</m:t>
+                          </m:r>
+                        </m:sub>
+                      </m:sSub>
+                    </m:oMath>
+                  </a14:m>
+                  <a:endParaRPr kumimoji="1" lang="ja-JP" altLang="en-US" dirty="0">
+                    <a:solidFill>
+                      <a:schemeClr val="accent2"/>
+                    </a:solidFill>
+                  </a:endParaRPr>
+                </a:p>
+              </p:txBody>
+            </p:sp>
+          </mc:Choice>
+          <mc:Fallback>
+            <p:sp>
+              <p:nvSpPr>
+                <p:cNvPr id="45" name="テキスト ボックス 44">
+                  <a:extLst>
+                    <a:ext uri="{FF2B5EF4-FFF2-40B4-BE49-F238E27FC236}">
+                      <a16:creationId xmlns:a16="http://schemas.microsoft.com/office/drawing/2014/main" id="{F9CC6414-5D51-BDC2-35C0-1E3CE4FA5F99}"/>
+                    </a:ext>
+                  </a:extLst>
+                </p:cNvPr>
+                <p:cNvSpPr txBox="1">
+                  <a:spLocks noRot="1" noChangeAspect="1" noMove="1" noResize="1" noEditPoints="1" noAdjustHandles="1" noChangeArrowheads="1" noChangeShapeType="1" noTextEdit="1"/>
+                </p:cNvSpPr>
+                <p:nvPr/>
+              </p:nvSpPr>
+              <p:spPr>
+                <a:xfrm>
+                  <a:off x="1696795" y="2439374"/>
+                  <a:ext cx="1487532" cy="369332"/>
+                </a:xfrm>
+                <a:prstGeom prst="rect">
+                  <a:avLst/>
+                </a:prstGeom>
+                <a:blipFill>
+                  <a:blip r:embed="rId5"/>
+                  <a:stretch>
+                    <a:fillRect l="-3279" t="-8197" b="-24590"/>
+                  </a:stretch>
+                </a:blipFill>
+              </p:spPr>
+              <p:txBody>
+                <a:bodyPr/>
+                <a:lstStyle/>
+                <a:p>
+                  <a:r>
+                    <a:rPr lang="ja-JP" altLang="en-US">
+                      <a:noFill/>
+                    </a:rPr>
+                    <a:t> </a:t>
+                  </a:r>
+                </a:p>
+              </p:txBody>
+            </p:sp>
+          </mc:Fallback>
+        </mc:AlternateContent>
+        <mc:AlternateContent xmlns:mc="http://schemas.openxmlformats.org/markup-compatibility/2006">
+          <mc:Choice xmlns:a14="http://schemas.microsoft.com/office/drawing/2010/main" Requires="a14">
+            <p:sp>
+              <p:nvSpPr>
+                <p:cNvPr id="46" name="テキスト ボックス 45">
+                  <a:extLst>
+                    <a:ext uri="{FF2B5EF4-FFF2-40B4-BE49-F238E27FC236}">
+                      <a16:creationId xmlns:a16="http://schemas.microsoft.com/office/drawing/2014/main" id="{00D1E3FC-D95B-8502-FF3A-928A7DAB6009}"/>
+                    </a:ext>
+                  </a:extLst>
+                </p:cNvPr>
+                <p:cNvSpPr txBox="1"/>
+                <p:nvPr/>
+              </p:nvSpPr>
+              <p:spPr>
+                <a:xfrm>
+                  <a:off x="43811" y="2874744"/>
+                  <a:ext cx="1258773" cy="370614"/>
+                </a:xfrm>
+                <a:prstGeom prst="rect">
+                  <a:avLst/>
+                </a:prstGeom>
+                <a:noFill/>
+              </p:spPr>
+              <p:txBody>
+                <a:bodyPr wrap="square" rtlCol="0">
+                  <a:spAutoFit/>
+                </a:bodyPr>
+                <a:lstStyle/>
+                <a:p>
+                  <a:r>
+                    <a:rPr kumimoji="1" lang="ja-JP" altLang="en-US" dirty="0">
+                      <a:solidFill>
+                        <a:schemeClr val="accent1"/>
+                      </a:solidFill>
+                    </a:rPr>
+                    <a:t>目標点</a:t>
+                  </a:r>
+                  <a14:m>
+                    <m:oMath xmlns:m="http://schemas.openxmlformats.org/officeDocument/2006/math">
+                      <m:r>
+                        <a:rPr kumimoji="1" lang="ja-JP" altLang="en-US" i="1" smtClean="0">
+                          <a:solidFill>
+                            <a:schemeClr val="accent1"/>
+                          </a:solidFill>
+                          <a:latin typeface="Cambria Math" panose="02040503050406030204" pitchFamily="18" charset="0"/>
+                        </a:rPr>
+                        <m:t>𝜀</m:t>
+                      </m:r>
+                    </m:oMath>
+                  </a14:m>
+                  <a:endParaRPr kumimoji="1" lang="ja-JP" altLang="en-US" dirty="0">
+                    <a:solidFill>
+                      <a:schemeClr val="accent1"/>
+                    </a:solidFill>
+                  </a:endParaRPr>
+                </a:p>
+              </p:txBody>
+            </p:sp>
+          </mc:Choice>
+          <mc:Fallback>
+            <p:sp>
+              <p:nvSpPr>
+                <p:cNvPr id="46" name="テキスト ボックス 45">
+                  <a:extLst>
+                    <a:ext uri="{FF2B5EF4-FFF2-40B4-BE49-F238E27FC236}">
+                      <a16:creationId xmlns:a16="http://schemas.microsoft.com/office/drawing/2014/main" id="{00D1E3FC-D95B-8502-FF3A-928A7DAB6009}"/>
+                    </a:ext>
+                  </a:extLst>
+                </p:cNvPr>
+                <p:cNvSpPr txBox="1">
+                  <a:spLocks noRot="1" noChangeAspect="1" noMove="1" noResize="1" noEditPoints="1" noAdjustHandles="1" noChangeArrowheads="1" noChangeShapeType="1" noTextEdit="1"/>
+                </p:cNvSpPr>
+                <p:nvPr/>
+              </p:nvSpPr>
+              <p:spPr>
+                <a:xfrm>
+                  <a:off x="43811" y="2874744"/>
+                  <a:ext cx="1258773" cy="370614"/>
+                </a:xfrm>
+                <a:prstGeom prst="rect">
+                  <a:avLst/>
+                </a:prstGeom>
+                <a:blipFill>
+                  <a:blip r:embed="rId6"/>
+                  <a:stretch>
+                    <a:fillRect l="-4369" t="-10000" b="-26667"/>
+                  </a:stretch>
+                </a:blipFill>
+              </p:spPr>
+              <p:txBody>
+                <a:bodyPr/>
+                <a:lstStyle/>
+                <a:p>
+                  <a:r>
+                    <a:rPr lang="ja-JP" altLang="en-US">
+                      <a:noFill/>
+                    </a:rPr>
+                    <a:t> </a:t>
+                  </a:r>
+                </a:p>
+              </p:txBody>
+            </p:sp>
+          </mc:Fallback>
+        </mc:AlternateContent>
+      </p:grpSp>
+      <p:sp>
+        <p:nvSpPr>
+          <p:cNvPr id="48" name="四角形: 角を丸くする 47">
+            <a:extLst>
+              <a:ext uri="{FF2B5EF4-FFF2-40B4-BE49-F238E27FC236}">
+                <a16:creationId xmlns:a16="http://schemas.microsoft.com/office/drawing/2014/main" id="{33B1660E-1F90-B01A-B483-E82FE60A2148}"/>
+              </a:ext>
+            </a:extLst>
+          </p:cNvPr>
+          <p:cNvSpPr/>
+          <p:nvPr/>
+        </p:nvSpPr>
+        <p:spPr>
+          <a:xfrm>
+            <a:off x="1403776" y="5565298"/>
+            <a:ext cx="6022944" cy="914400"/>
+          </a:xfrm>
+          <a:prstGeom prst="roundRect">
+            <a:avLst/>
+          </a:prstGeom>
+          <a:noFill/>
+          <a:ln w="38100" cap="flat" cmpd="sng" algn="ctr">
+            <a:solidFill>
+              <a:schemeClr val="accent4"/>
+            </a:solidFill>
+            <a:prstDash val="solid"/>
+            <a:round/>
+            <a:headEnd type="none" w="med" len="med"/>
+            <a:tailEnd type="none" w="med" len="med"/>
+          </a:ln>
+        </p:spPr>
+        <p:style>
+          <a:lnRef idx="0">
+            <a:scrgbClr r="0" g="0" b="0"/>
+          </a:lnRef>
+          <a:fillRef idx="0">
+            <a:scrgbClr r="0" g="0" b="0"/>
+          </a:fillRef>
+          <a:effectRef idx="0">
+            <a:scrgbClr r="0" g="0" b="0"/>
+          </a:effectRef>
+          <a:fontRef idx="minor">
+            <a:schemeClr val="accent4"/>
+          </a:fontRef>
+        </p:style>
+        <p:txBody>
+          <a:bodyPr rtlCol="0" anchor="ctr"/>
+          <a:lstStyle/>
+          <a:p>
+            <a:pPr algn="ctr"/>
+            <a:r>
+              <a:rPr kumimoji="1" lang="ja-JP" altLang="en-US" sz="2800" dirty="0"/>
+              <a:t>ベクトル演算により目標点を策定</a:t>
+            </a:r>
           </a:p>
         </p:txBody>
       </p:sp>
@@ -6142,6 +7545,10 @@
           <a:bodyPr/>
           <a:lstStyle/>
           <a:p>
+            <a:r>
+              <a:rPr kumimoji="1" lang="ja-JP" altLang="en-US"/>
+              <a:t>フォロワの制御器</a:t>
+            </a:r>
             <a:endParaRPr kumimoji="1" lang="ja-JP" altLang="en-US" dirty="0"/>
           </a:p>
         </p:txBody>

--- a/進捗共有_20250612.pptx
+++ b/進捗共有_20250612.pptx
@@ -7546,35 +7546,234 @@
           <a:lstStyle/>
           <a:p>
             <a:r>
-              <a:rPr kumimoji="1" lang="ja-JP" altLang="en-US"/>
+              <a:rPr kumimoji="1" lang="ja-JP" altLang="en-US" dirty="0"/>
               <a:t>フォロワの制御器</a:t>
             </a:r>
-            <a:endParaRPr kumimoji="1" lang="ja-JP" altLang="en-US" dirty="0"/>
-          </a:p>
-        </p:txBody>
-      </p:sp>
-      <p:sp>
-        <p:nvSpPr>
-          <p:cNvPr id="3" name="コンテンツ プレースホルダー 2">
+          </a:p>
+        </p:txBody>
+      </p:sp>
+      <p:pic>
+        <p:nvPicPr>
+          <p:cNvPr id="5" name="図 4">
             <a:extLst>
               <a:ext uri="{FF2B5EF4-FFF2-40B4-BE49-F238E27FC236}">
-                <a16:creationId xmlns:a16="http://schemas.microsoft.com/office/drawing/2014/main" id="{D1E82227-0F0A-84B6-1B52-BBECB47410D8}"/>
+                <a16:creationId xmlns:a16="http://schemas.microsoft.com/office/drawing/2014/main" id="{92165D75-B4A4-EB69-EF5C-5CF4486AA55B}"/>
               </a:ext>
             </a:extLst>
           </p:cNvPr>
-          <p:cNvSpPr>
-            <a:spLocks noGrp="1"/>
-          </p:cNvSpPr>
-          <p:nvPr>
-            <p:ph idx="1"/>
-          </p:nvPr>
-        </p:nvSpPr>
-        <p:spPr/>
-        <p:txBody>
-          <a:bodyPr/>
-          <a:lstStyle/>
-          <a:p>
-            <a:endParaRPr kumimoji="1" lang="ja-JP" altLang="en-US"/>
+          <p:cNvPicPr>
+            <a:picLocks noChangeAspect="1"/>
+          </p:cNvPicPr>
+          <p:nvPr/>
+        </p:nvPicPr>
+        <p:blipFill>
+          <a:blip r:embed="rId2"/>
+          <a:stretch>
+            <a:fillRect/>
+          </a:stretch>
+        </p:blipFill>
+        <p:spPr>
+          <a:xfrm>
+            <a:off x="5094515" y="2927122"/>
+            <a:ext cx="3629532" cy="2629267"/>
+          </a:xfrm>
+          <a:prstGeom prst="rect">
+            <a:avLst/>
+          </a:prstGeom>
+        </p:spPr>
+      </p:pic>
+      <p:pic>
+        <p:nvPicPr>
+          <p:cNvPr id="7" name="図 6">
+            <a:extLst>
+              <a:ext uri="{FF2B5EF4-FFF2-40B4-BE49-F238E27FC236}">
+                <a16:creationId xmlns:a16="http://schemas.microsoft.com/office/drawing/2014/main" id="{2C8EB54E-F812-2D8D-40F2-D57001380AAC}"/>
+              </a:ext>
+            </a:extLst>
+          </p:cNvPr>
+          <p:cNvPicPr>
+            <a:picLocks noChangeAspect="1"/>
+          </p:cNvPicPr>
+          <p:nvPr/>
+        </p:nvPicPr>
+        <p:blipFill>
+          <a:blip r:embed="rId3"/>
+          <a:stretch>
+            <a:fillRect/>
+          </a:stretch>
+        </p:blipFill>
+        <p:spPr>
+          <a:xfrm>
+            <a:off x="702191" y="2660718"/>
+            <a:ext cx="2652544" cy="717982"/>
+          </a:xfrm>
+          <a:prstGeom prst="rect">
+            <a:avLst/>
+          </a:prstGeom>
+        </p:spPr>
+      </p:pic>
+      <p:pic>
+        <p:nvPicPr>
+          <p:cNvPr id="9" name="図 8">
+            <a:extLst>
+              <a:ext uri="{FF2B5EF4-FFF2-40B4-BE49-F238E27FC236}">
+                <a16:creationId xmlns:a16="http://schemas.microsoft.com/office/drawing/2014/main" id="{0DAA069C-0B80-EF54-406D-724F7D691302}"/>
+              </a:ext>
+            </a:extLst>
+          </p:cNvPr>
+          <p:cNvPicPr>
+            <a:picLocks noChangeAspect="1"/>
+          </p:cNvPicPr>
+          <p:nvPr/>
+        </p:nvPicPr>
+        <p:blipFill>
+          <a:blip r:embed="rId4"/>
+          <a:stretch>
+            <a:fillRect/>
+          </a:stretch>
+        </p:blipFill>
+        <p:spPr>
+          <a:xfrm>
+            <a:off x="801189" y="3599760"/>
+            <a:ext cx="2159441" cy="641996"/>
+          </a:xfrm>
+          <a:prstGeom prst="rect">
+            <a:avLst/>
+          </a:prstGeom>
+        </p:spPr>
+      </p:pic>
+      <p:sp>
+        <p:nvSpPr>
+          <p:cNvPr id="10" name="テキスト ボックス 9">
+            <a:extLst>
+              <a:ext uri="{FF2B5EF4-FFF2-40B4-BE49-F238E27FC236}">
+                <a16:creationId xmlns:a16="http://schemas.microsoft.com/office/drawing/2014/main" id="{727410C0-36BA-324A-CB12-DC790721BC9F}"/>
+              </a:ext>
+            </a:extLst>
+          </p:cNvPr>
+          <p:cNvSpPr txBox="1"/>
+          <p:nvPr/>
+        </p:nvSpPr>
+        <p:spPr>
+          <a:xfrm>
+            <a:off x="801189" y="2238645"/>
+            <a:ext cx="2978331" cy="646331"/>
+          </a:xfrm>
+          <a:prstGeom prst="rect">
+            <a:avLst/>
+          </a:prstGeom>
+          <a:noFill/>
+        </p:spPr>
+        <p:txBody>
+          <a:bodyPr wrap="square" rtlCol="0">
+            <a:spAutoFit/>
+          </a:bodyPr>
+          <a:lstStyle/>
+          <a:p>
+            <a:r>
+              <a:rPr kumimoji="1" lang="ja-JP" altLang="en-US" dirty="0"/>
+              <a:t>フォロワーからリーダーの位置ベクトル</a:t>
+            </a:r>
+          </a:p>
+        </p:txBody>
+      </p:sp>
+      <p:sp>
+        <p:nvSpPr>
+          <p:cNvPr id="11" name="テキスト ボックス 10">
+            <a:extLst>
+              <a:ext uri="{FF2B5EF4-FFF2-40B4-BE49-F238E27FC236}">
+                <a16:creationId xmlns:a16="http://schemas.microsoft.com/office/drawing/2014/main" id="{A176F5D3-7D34-4347-40F2-9DC9EB1B0484}"/>
+              </a:ext>
+            </a:extLst>
+          </p:cNvPr>
+          <p:cNvSpPr txBox="1"/>
+          <p:nvPr/>
+        </p:nvSpPr>
+        <p:spPr>
+          <a:xfrm>
+            <a:off x="801189" y="3378700"/>
+            <a:ext cx="3248298" cy="369332"/>
+          </a:xfrm>
+          <a:prstGeom prst="rect">
+            <a:avLst/>
+          </a:prstGeom>
+          <a:noFill/>
+        </p:spPr>
+        <p:txBody>
+          <a:bodyPr wrap="square" rtlCol="0">
+            <a:spAutoFit/>
+          </a:bodyPr>
+          <a:lstStyle/>
+          <a:p>
+            <a:r>
+              <a:rPr kumimoji="1" lang="ja-JP" altLang="en-US" dirty="0"/>
+              <a:t>追従目標点への位置ベクトル</a:t>
+            </a:r>
+          </a:p>
+        </p:txBody>
+      </p:sp>
+      <p:pic>
+        <p:nvPicPr>
+          <p:cNvPr id="13" name="図 12">
+            <a:extLst>
+              <a:ext uri="{FF2B5EF4-FFF2-40B4-BE49-F238E27FC236}">
+                <a16:creationId xmlns:a16="http://schemas.microsoft.com/office/drawing/2014/main" id="{B1452F4C-D3CD-A41D-6F9C-55721DA5F9D7}"/>
+              </a:ext>
+            </a:extLst>
+          </p:cNvPr>
+          <p:cNvPicPr>
+            <a:picLocks noChangeAspect="1"/>
+          </p:cNvPicPr>
+          <p:nvPr/>
+        </p:nvPicPr>
+        <p:blipFill>
+          <a:blip r:embed="rId5"/>
+          <a:stretch>
+            <a:fillRect/>
+          </a:stretch>
+        </p:blipFill>
+        <p:spPr>
+          <a:xfrm>
+            <a:off x="946778" y="5273090"/>
+            <a:ext cx="2163370" cy="566597"/>
+          </a:xfrm>
+          <a:prstGeom prst="rect">
+            <a:avLst/>
+          </a:prstGeom>
+        </p:spPr>
+      </p:pic>
+      <p:sp>
+        <p:nvSpPr>
+          <p:cNvPr id="14" name="テキスト ボックス 13">
+            <a:extLst>
+              <a:ext uri="{FF2B5EF4-FFF2-40B4-BE49-F238E27FC236}">
+                <a16:creationId xmlns:a16="http://schemas.microsoft.com/office/drawing/2014/main" id="{140F8000-D53A-6B3A-E6EF-B5D429CE6D38}"/>
+              </a:ext>
+            </a:extLst>
+          </p:cNvPr>
+          <p:cNvSpPr txBox="1"/>
+          <p:nvPr/>
+        </p:nvSpPr>
+        <p:spPr>
+          <a:xfrm>
+            <a:off x="702191" y="4758656"/>
+            <a:ext cx="2745982" cy="461665"/>
+          </a:xfrm>
+          <a:prstGeom prst="rect">
+            <a:avLst/>
+          </a:prstGeom>
+          <a:noFill/>
+        </p:spPr>
+        <p:txBody>
+          <a:bodyPr wrap="square" rtlCol="0">
+            <a:spAutoFit/>
+          </a:bodyPr>
+          <a:lstStyle/>
+          <a:p>
+            <a:r>
+              <a:rPr kumimoji="1" lang="ja-JP" altLang="en-US" sz="2400" dirty="0"/>
+              <a:t>フォロワの制御器</a:t>
+            </a:r>
           </a:p>
         </p:txBody>
       </p:sp>

--- a/進捗共有_20250612.pptx
+++ b/進捗共有_20250612.pptx
@@ -7,18 +7,28 @@
   <p:sldIdLst>
     <p:sldId id="256" r:id="rId2"/>
     <p:sldId id="259" r:id="rId3"/>
-    <p:sldId id="258" r:id="rId4"/>
-    <p:sldId id="260" r:id="rId5"/>
-    <p:sldId id="261" r:id="rId6"/>
-    <p:sldId id="262" r:id="rId7"/>
-    <p:sldId id="263" r:id="rId8"/>
-    <p:sldId id="264" r:id="rId9"/>
-    <p:sldId id="265" r:id="rId10"/>
-    <p:sldId id="266" r:id="rId11"/>
-    <p:sldId id="267" r:id="rId12"/>
-    <p:sldId id="268" r:id="rId13"/>
-    <p:sldId id="269" r:id="rId14"/>
-    <p:sldId id="270" r:id="rId15"/>
+    <p:sldId id="275" r:id="rId4"/>
+    <p:sldId id="258" r:id="rId5"/>
+    <p:sldId id="276" r:id="rId6"/>
+    <p:sldId id="260" r:id="rId7"/>
+    <p:sldId id="261" r:id="rId8"/>
+    <p:sldId id="262" r:id="rId9"/>
+    <p:sldId id="263" r:id="rId10"/>
+    <p:sldId id="264" r:id="rId11"/>
+    <p:sldId id="265" r:id="rId12"/>
+    <p:sldId id="266" r:id="rId13"/>
+    <p:sldId id="267" r:id="rId14"/>
+    <p:sldId id="268" r:id="rId15"/>
+    <p:sldId id="277" r:id="rId16"/>
+    <p:sldId id="269" r:id="rId17"/>
+    <p:sldId id="278" r:id="rId18"/>
+    <p:sldId id="270" r:id="rId19"/>
+    <p:sldId id="271" r:id="rId20"/>
+    <p:sldId id="272" r:id="rId21"/>
+    <p:sldId id="273" r:id="rId22"/>
+    <p:sldId id="279" r:id="rId23"/>
+    <p:sldId id="274" r:id="rId24"/>
+    <p:sldId id="280" r:id="rId25"/>
   </p:sldIdLst>
   <p:sldSz cx="9144000" cy="6858000" type="screen4x3"/>
   <p:notesSz cx="6858000" cy="9144000"/>
@@ -1931,6 +1941,53 @@
       </p:grpSpPr>
       <p:sp>
         <p:nvSpPr>
+          <p:cNvPr id="8" name="正方形/長方形 7">
+            <a:extLst>
+              <a:ext uri="{FF2B5EF4-FFF2-40B4-BE49-F238E27FC236}">
+                <a16:creationId xmlns:a16="http://schemas.microsoft.com/office/drawing/2014/main" id="{CAC6763B-8104-CAD1-90DA-C7F0D4ED160C}"/>
+              </a:ext>
+            </a:extLst>
+          </p:cNvPr>
+          <p:cNvSpPr/>
+          <p:nvPr userDrawn="1"/>
+        </p:nvSpPr>
+        <p:spPr>
+          <a:xfrm>
+            <a:off x="0" y="-1"/>
+            <a:ext cx="9144000" cy="1825625"/>
+          </a:xfrm>
+          <a:prstGeom prst="rect">
+            <a:avLst/>
+          </a:prstGeom>
+          <a:ln>
+            <a:noFill/>
+          </a:ln>
+        </p:spPr>
+        <p:style>
+          <a:lnRef idx="3">
+            <a:schemeClr val="lt1"/>
+          </a:lnRef>
+          <a:fillRef idx="1">
+            <a:schemeClr val="accent2"/>
+          </a:fillRef>
+          <a:effectRef idx="1">
+            <a:schemeClr val="accent2"/>
+          </a:effectRef>
+          <a:fontRef idx="minor">
+            <a:schemeClr val="lt1"/>
+          </a:fontRef>
+        </p:style>
+        <p:txBody>
+          <a:bodyPr rtlCol="0" anchor="ctr"/>
+          <a:lstStyle/>
+          <a:p>
+            <a:pPr algn="ctr"/>
+            <a:endParaRPr kumimoji="1" lang="ja-JP" altLang="en-US"/>
+          </a:p>
+        </p:txBody>
+      </p:sp>
+      <p:sp>
+        <p:nvSpPr>
           <p:cNvPr id="2" name="Title 1"/>
           <p:cNvSpPr>
             <a:spLocks noGrp="1"/>
@@ -1964,8 +2021,8 @@
         </p:nvSpPr>
         <p:spPr>
           <a:xfrm>
-            <a:off x="628650" y="1825625"/>
-            <a:ext cx="3886200" cy="4351338"/>
+            <a:off x="628650" y="2055815"/>
+            <a:ext cx="3886200" cy="4121147"/>
           </a:xfrm>
         </p:spPr>
         <p:txBody>
@@ -2053,8 +2110,8 @@
         </p:nvSpPr>
         <p:spPr>
           <a:xfrm>
-            <a:off x="4629150" y="1825625"/>
-            <a:ext cx="3886200" cy="4351338"/>
+            <a:off x="4629150" y="2055815"/>
+            <a:ext cx="3886200" cy="4121147"/>
           </a:xfrm>
         </p:spPr>
         <p:txBody>
@@ -2191,6 +2248,58 @@
               <a:rPr kumimoji="1" lang="ja-JP" altLang="en-US" smtClean="0"/>
               <a:t>‹#›</a:t>
             </a:fld>
+            <a:endParaRPr kumimoji="1" lang="ja-JP" altLang="en-US"/>
+          </a:p>
+        </p:txBody>
+      </p:sp>
+      <p:sp>
+        <p:nvSpPr>
+          <p:cNvPr id="9" name="直角三角形 8">
+            <a:extLst>
+              <a:ext uri="{FF2B5EF4-FFF2-40B4-BE49-F238E27FC236}">
+                <a16:creationId xmlns:a16="http://schemas.microsoft.com/office/drawing/2014/main" id="{F1AB3B75-152E-FC1E-8ABD-E60437AECCBF}"/>
+              </a:ext>
+            </a:extLst>
+          </p:cNvPr>
+          <p:cNvSpPr/>
+          <p:nvPr userDrawn="1"/>
+        </p:nvSpPr>
+        <p:spPr>
+          <a:xfrm rot="16200000">
+            <a:off x="8108978" y="5819858"/>
+            <a:ext cx="1092583" cy="977459"/>
+          </a:xfrm>
+          <a:prstGeom prst="rtTriangle">
+            <a:avLst/>
+          </a:prstGeom>
+          <a:solidFill>
+            <a:schemeClr val="accent2"/>
+          </a:solidFill>
+          <a:ln>
+            <a:noFill/>
+          </a:ln>
+        </p:spPr>
+        <p:style>
+          <a:lnRef idx="2">
+            <a:schemeClr val="accent1">
+              <a:shade val="15000"/>
+            </a:schemeClr>
+          </a:lnRef>
+          <a:fillRef idx="1">
+            <a:schemeClr val="accent1"/>
+          </a:fillRef>
+          <a:effectRef idx="0">
+            <a:schemeClr val="accent1"/>
+          </a:effectRef>
+          <a:fontRef idx="minor">
+            <a:schemeClr val="lt1"/>
+          </a:fontRef>
+        </p:style>
+        <p:txBody>
+          <a:bodyPr rtlCol="0" anchor="ctr"/>
+          <a:lstStyle/>
+          <a:p>
+            <a:pPr algn="ctr"/>
             <a:endParaRPr kumimoji="1" lang="ja-JP" altLang="en-US"/>
           </a:p>
         </p:txBody>
@@ -3880,39 +3989,481 @@
           <a:bodyPr/>
           <a:lstStyle/>
           <a:p>
-            <a:endParaRPr kumimoji="1" lang="ja-JP" altLang="en-US" dirty="0"/>
-          </a:p>
-        </p:txBody>
-      </p:sp>
-      <p:sp>
-        <p:nvSpPr>
-          <p:cNvPr id="3" name="コンテンツ プレースホルダー 2">
+            <a:r>
+              <a:rPr kumimoji="1" lang="ja-JP" altLang="en-US" dirty="0"/>
+              <a:t>フォロワの制御入力</a:t>
+            </a:r>
+          </a:p>
+        </p:txBody>
+      </p:sp>
+      <p:pic>
+        <p:nvPicPr>
+          <p:cNvPr id="5" name="図 4">
             <a:extLst>
               <a:ext uri="{FF2B5EF4-FFF2-40B4-BE49-F238E27FC236}">
-                <a16:creationId xmlns:a16="http://schemas.microsoft.com/office/drawing/2014/main" id="{D1E82227-0F0A-84B6-1B52-BBECB47410D8}"/>
+                <a16:creationId xmlns:a16="http://schemas.microsoft.com/office/drawing/2014/main" id="{92165D75-B4A4-EB69-EF5C-5CF4486AA55B}"/>
               </a:ext>
             </a:extLst>
           </p:cNvPr>
-          <p:cNvSpPr>
-            <a:spLocks noGrp="1"/>
-          </p:cNvSpPr>
-          <p:nvPr>
-            <p:ph idx="1"/>
-          </p:nvPr>
-        </p:nvSpPr>
-        <p:spPr/>
-        <p:txBody>
-          <a:bodyPr/>
+          <p:cNvPicPr>
+            <a:picLocks noChangeAspect="1"/>
+          </p:cNvPicPr>
+          <p:nvPr/>
+        </p:nvPicPr>
+        <p:blipFill>
+          <a:blip r:embed="rId2"/>
+          <a:stretch>
+            <a:fillRect/>
+          </a:stretch>
+        </p:blipFill>
+        <p:spPr>
+          <a:xfrm>
+            <a:off x="5094515" y="2927122"/>
+            <a:ext cx="3629532" cy="2629267"/>
+          </a:xfrm>
+          <a:prstGeom prst="rect">
+            <a:avLst/>
+          </a:prstGeom>
+        </p:spPr>
+      </p:pic>
+      <p:pic>
+        <p:nvPicPr>
+          <p:cNvPr id="7" name="図 6">
+            <a:extLst>
+              <a:ext uri="{FF2B5EF4-FFF2-40B4-BE49-F238E27FC236}">
+                <a16:creationId xmlns:a16="http://schemas.microsoft.com/office/drawing/2014/main" id="{2C8EB54E-F812-2D8D-40F2-D57001380AAC}"/>
+              </a:ext>
+            </a:extLst>
+          </p:cNvPr>
+          <p:cNvPicPr>
+            <a:picLocks noChangeAspect="1"/>
+          </p:cNvPicPr>
+          <p:nvPr/>
+        </p:nvPicPr>
+        <p:blipFill>
+          <a:blip r:embed="rId3"/>
+          <a:stretch>
+            <a:fillRect/>
+          </a:stretch>
+        </p:blipFill>
+        <p:spPr>
+          <a:xfrm>
+            <a:off x="702191" y="2660718"/>
+            <a:ext cx="2652544" cy="717982"/>
+          </a:xfrm>
+          <a:prstGeom prst="rect">
+            <a:avLst/>
+          </a:prstGeom>
+        </p:spPr>
+      </p:pic>
+      <p:pic>
+        <p:nvPicPr>
+          <p:cNvPr id="9" name="図 8">
+            <a:extLst>
+              <a:ext uri="{FF2B5EF4-FFF2-40B4-BE49-F238E27FC236}">
+                <a16:creationId xmlns:a16="http://schemas.microsoft.com/office/drawing/2014/main" id="{0DAA069C-0B80-EF54-406D-724F7D691302}"/>
+              </a:ext>
+            </a:extLst>
+          </p:cNvPr>
+          <p:cNvPicPr>
+            <a:picLocks noChangeAspect="1"/>
+          </p:cNvPicPr>
+          <p:nvPr/>
+        </p:nvPicPr>
+        <p:blipFill>
+          <a:blip r:embed="rId4"/>
+          <a:stretch>
+            <a:fillRect/>
+          </a:stretch>
+        </p:blipFill>
+        <p:spPr>
+          <a:xfrm>
+            <a:off x="801189" y="3599760"/>
+            <a:ext cx="2159441" cy="641996"/>
+          </a:xfrm>
+          <a:prstGeom prst="rect">
+            <a:avLst/>
+          </a:prstGeom>
+        </p:spPr>
+      </p:pic>
+      <p:sp>
+        <p:nvSpPr>
+          <p:cNvPr id="10" name="テキスト ボックス 9">
+            <a:extLst>
+              <a:ext uri="{FF2B5EF4-FFF2-40B4-BE49-F238E27FC236}">
+                <a16:creationId xmlns:a16="http://schemas.microsoft.com/office/drawing/2014/main" id="{727410C0-36BA-324A-CB12-DC790721BC9F}"/>
+              </a:ext>
+            </a:extLst>
+          </p:cNvPr>
+          <p:cNvSpPr txBox="1"/>
+          <p:nvPr/>
+        </p:nvSpPr>
+        <p:spPr>
+          <a:xfrm>
+            <a:off x="801189" y="2238645"/>
+            <a:ext cx="2978331" cy="646331"/>
+          </a:xfrm>
+          <a:prstGeom prst="rect">
+            <a:avLst/>
+          </a:prstGeom>
+          <a:noFill/>
+        </p:spPr>
+        <p:txBody>
+          <a:bodyPr wrap="square" rtlCol="0">
+            <a:spAutoFit/>
+          </a:bodyPr>
           <a:lstStyle/>
           <a:p>
+            <a:r>
+              <a:rPr kumimoji="1" lang="ja-JP" altLang="en-US" dirty="0"/>
+              <a:t>フォロワーからリーダーの位置ベクトル</a:t>
+            </a:r>
+          </a:p>
+        </p:txBody>
+      </p:sp>
+      <p:sp>
+        <p:nvSpPr>
+          <p:cNvPr id="11" name="テキスト ボックス 10">
+            <a:extLst>
+              <a:ext uri="{FF2B5EF4-FFF2-40B4-BE49-F238E27FC236}">
+                <a16:creationId xmlns:a16="http://schemas.microsoft.com/office/drawing/2014/main" id="{A176F5D3-7D34-4347-40F2-9DC9EB1B0484}"/>
+              </a:ext>
+            </a:extLst>
+          </p:cNvPr>
+          <p:cNvSpPr txBox="1"/>
+          <p:nvPr/>
+        </p:nvSpPr>
+        <p:spPr>
+          <a:xfrm>
+            <a:off x="801189" y="3378700"/>
+            <a:ext cx="3248298" cy="369332"/>
+          </a:xfrm>
+          <a:prstGeom prst="rect">
+            <a:avLst/>
+          </a:prstGeom>
+          <a:noFill/>
+        </p:spPr>
+        <p:txBody>
+          <a:bodyPr wrap="square" rtlCol="0">
+            <a:spAutoFit/>
+          </a:bodyPr>
+          <a:lstStyle/>
+          <a:p>
+            <a:r>
+              <a:rPr kumimoji="1" lang="ja-JP" altLang="en-US" dirty="0"/>
+              <a:t>追従目標点への位置ベクトル</a:t>
+            </a:r>
+          </a:p>
+        </p:txBody>
+      </p:sp>
+      <p:pic>
+        <p:nvPicPr>
+          <p:cNvPr id="13" name="図 12">
+            <a:extLst>
+              <a:ext uri="{FF2B5EF4-FFF2-40B4-BE49-F238E27FC236}">
+                <a16:creationId xmlns:a16="http://schemas.microsoft.com/office/drawing/2014/main" id="{B1452F4C-D3CD-A41D-6F9C-55721DA5F9D7}"/>
+              </a:ext>
+            </a:extLst>
+          </p:cNvPr>
+          <p:cNvPicPr>
+            <a:picLocks noChangeAspect="1"/>
+          </p:cNvPicPr>
+          <p:nvPr/>
+        </p:nvPicPr>
+        <p:blipFill>
+          <a:blip r:embed="rId5"/>
+          <a:stretch>
+            <a:fillRect/>
+          </a:stretch>
+        </p:blipFill>
+        <p:spPr>
+          <a:xfrm>
+            <a:off x="946778" y="5273090"/>
+            <a:ext cx="2163370" cy="566597"/>
+          </a:xfrm>
+          <a:prstGeom prst="rect">
+            <a:avLst/>
+          </a:prstGeom>
+        </p:spPr>
+      </p:pic>
+      <p:sp>
+        <p:nvSpPr>
+          <p:cNvPr id="14" name="テキスト ボックス 13">
+            <a:extLst>
+              <a:ext uri="{FF2B5EF4-FFF2-40B4-BE49-F238E27FC236}">
+                <a16:creationId xmlns:a16="http://schemas.microsoft.com/office/drawing/2014/main" id="{140F8000-D53A-6B3A-E6EF-B5D429CE6D38}"/>
+              </a:ext>
+            </a:extLst>
+          </p:cNvPr>
+          <p:cNvSpPr txBox="1"/>
+          <p:nvPr/>
+        </p:nvSpPr>
+        <p:spPr>
+          <a:xfrm>
+            <a:off x="702191" y="4758656"/>
+            <a:ext cx="3248298" cy="461665"/>
+          </a:xfrm>
+          <a:prstGeom prst="rect">
+            <a:avLst/>
+          </a:prstGeom>
+          <a:noFill/>
+        </p:spPr>
+        <p:txBody>
+          <a:bodyPr wrap="square" rtlCol="0">
+            <a:spAutoFit/>
+          </a:bodyPr>
+          <a:lstStyle/>
+          <a:p>
+            <a:r>
+              <a:rPr kumimoji="1" lang="ja-JP" altLang="en-US" sz="2400" dirty="0"/>
+              <a:t>フォロワの制御入力</a:t>
+            </a:r>
+          </a:p>
+        </p:txBody>
+      </p:sp>
+      <p:sp>
+        <p:nvSpPr>
+          <p:cNvPr id="3" name="四角形: 角を丸くする 2">
+            <a:extLst>
+              <a:ext uri="{FF2B5EF4-FFF2-40B4-BE49-F238E27FC236}">
+                <a16:creationId xmlns:a16="http://schemas.microsoft.com/office/drawing/2014/main" id="{1EAA1225-6602-4EF9-F577-659A647F3DFD}"/>
+              </a:ext>
+            </a:extLst>
+          </p:cNvPr>
+          <p:cNvSpPr/>
+          <p:nvPr/>
+        </p:nvSpPr>
+        <p:spPr>
+          <a:xfrm>
+            <a:off x="2429159" y="5321257"/>
+            <a:ext cx="531471" cy="470261"/>
+          </a:xfrm>
+          <a:prstGeom prst="roundRect">
+            <a:avLst/>
+          </a:prstGeom>
+          <a:noFill/>
+          <a:ln w="38100" cap="flat" cmpd="sng" algn="ctr">
+            <a:solidFill>
+              <a:schemeClr val="accent4"/>
+            </a:solidFill>
+            <a:prstDash val="solid"/>
+            <a:round/>
+            <a:headEnd type="none" w="med" len="med"/>
+            <a:tailEnd type="none" w="med" len="med"/>
+          </a:ln>
+        </p:spPr>
+        <p:style>
+          <a:lnRef idx="0">
+            <a:scrgbClr r="0" g="0" b="0"/>
+          </a:lnRef>
+          <a:fillRef idx="0">
+            <a:scrgbClr r="0" g="0" b="0"/>
+          </a:fillRef>
+          <a:effectRef idx="0">
+            <a:scrgbClr r="0" g="0" b="0"/>
+          </a:effectRef>
+          <a:fontRef idx="minor">
+            <a:schemeClr val="accent4"/>
+          </a:fontRef>
+        </p:style>
+        <p:txBody>
+          <a:bodyPr rtlCol="0" anchor="ctr"/>
+          <a:lstStyle/>
+          <a:p>
+            <a:pPr algn="ctr"/>
             <a:endParaRPr kumimoji="1" lang="ja-JP" altLang="en-US"/>
+          </a:p>
+        </p:txBody>
+      </p:sp>
+      <p:sp>
+        <p:nvSpPr>
+          <p:cNvPr id="4" name="四角形: 角を丸くする 3">
+            <a:extLst>
+              <a:ext uri="{FF2B5EF4-FFF2-40B4-BE49-F238E27FC236}">
+                <a16:creationId xmlns:a16="http://schemas.microsoft.com/office/drawing/2014/main" id="{4744CCE8-8772-FE45-E12D-F12F998B0646}"/>
+              </a:ext>
+            </a:extLst>
+          </p:cNvPr>
+          <p:cNvSpPr/>
+          <p:nvPr/>
+        </p:nvSpPr>
+        <p:spPr>
+          <a:xfrm>
+            <a:off x="1954635" y="5317110"/>
+            <a:ext cx="470703" cy="470261"/>
+          </a:xfrm>
+          <a:prstGeom prst="roundRect">
+            <a:avLst/>
+          </a:prstGeom>
+          <a:noFill/>
+          <a:ln w="38100" cap="flat" cmpd="sng" algn="ctr">
+            <a:solidFill>
+              <a:srgbClr val="92D050"/>
+            </a:solidFill>
+            <a:prstDash val="solid"/>
+            <a:round/>
+            <a:headEnd type="none" w="med" len="med"/>
+            <a:tailEnd type="none" w="med" len="med"/>
+          </a:ln>
+        </p:spPr>
+        <p:style>
+          <a:lnRef idx="0">
+            <a:scrgbClr r="0" g="0" b="0"/>
+          </a:lnRef>
+          <a:fillRef idx="0">
+            <a:scrgbClr r="0" g="0" b="0"/>
+          </a:fillRef>
+          <a:effectRef idx="0">
+            <a:scrgbClr r="0" g="0" b="0"/>
+          </a:effectRef>
+          <a:fontRef idx="minor">
+            <a:schemeClr val="accent4"/>
+          </a:fontRef>
+        </p:style>
+        <p:txBody>
+          <a:bodyPr rtlCol="0" anchor="ctr"/>
+          <a:lstStyle/>
+          <a:p>
+            <a:pPr algn="ctr"/>
+            <a:endParaRPr kumimoji="1" lang="ja-JP" altLang="en-US"/>
+          </a:p>
+        </p:txBody>
+      </p:sp>
+      <p:sp>
+        <p:nvSpPr>
+          <p:cNvPr id="6" name="吹き出し: 角を丸めた四角形 5">
+            <a:extLst>
+              <a:ext uri="{FF2B5EF4-FFF2-40B4-BE49-F238E27FC236}">
+                <a16:creationId xmlns:a16="http://schemas.microsoft.com/office/drawing/2014/main" id="{684CFF7A-6E6A-0729-5F5C-A2F5C373CFB8}"/>
+              </a:ext>
+            </a:extLst>
+          </p:cNvPr>
+          <p:cNvSpPr/>
+          <p:nvPr/>
+        </p:nvSpPr>
+        <p:spPr>
+          <a:xfrm>
+            <a:off x="2610969" y="5980533"/>
+            <a:ext cx="743766" cy="500824"/>
+          </a:xfrm>
+          <a:prstGeom prst="wedgeRoundRectCallout">
+            <a:avLst>
+              <a:gd name="adj1" fmla="val -20108"/>
+              <a:gd name="adj2" fmla="val -73032"/>
+              <a:gd name="adj3" fmla="val 16667"/>
+            </a:avLst>
+          </a:prstGeom>
+          <a:noFill/>
+          <a:ln w="38100" cap="flat" cmpd="sng" algn="ctr">
+            <a:solidFill>
+              <a:schemeClr val="accent4"/>
+            </a:solidFill>
+            <a:prstDash val="solid"/>
+            <a:round/>
+            <a:headEnd type="none" w="med" len="med"/>
+            <a:tailEnd type="none" w="med" len="med"/>
+          </a:ln>
+        </p:spPr>
+        <p:style>
+          <a:lnRef idx="0">
+            <a:scrgbClr r="0" g="0" b="0"/>
+          </a:lnRef>
+          <a:fillRef idx="0">
+            <a:scrgbClr r="0" g="0" b="0"/>
+          </a:fillRef>
+          <a:effectRef idx="0">
+            <a:scrgbClr r="0" g="0" b="0"/>
+          </a:effectRef>
+          <a:fontRef idx="minor">
+            <a:schemeClr val="accent4"/>
+          </a:fontRef>
+        </p:style>
+        <p:txBody>
+          <a:bodyPr rtlCol="0" anchor="ctr"/>
+          <a:lstStyle/>
+          <a:p>
+            <a:pPr algn="ctr"/>
+            <a:r>
+              <a:rPr kumimoji="1" lang="ja-JP" altLang="en-US" dirty="0"/>
+              <a:t>向き</a:t>
+            </a:r>
+          </a:p>
+        </p:txBody>
+      </p:sp>
+      <p:sp>
+        <p:nvSpPr>
+          <p:cNvPr id="8" name="吹き出し: 角を丸めた四角形 7">
+            <a:extLst>
+              <a:ext uri="{FF2B5EF4-FFF2-40B4-BE49-F238E27FC236}">
+                <a16:creationId xmlns:a16="http://schemas.microsoft.com/office/drawing/2014/main" id="{C882E436-D3FD-A013-6C8C-63A9CF230A7D}"/>
+              </a:ext>
+            </a:extLst>
+          </p:cNvPr>
+          <p:cNvSpPr/>
+          <p:nvPr/>
+        </p:nvSpPr>
+        <p:spPr>
+          <a:xfrm>
+            <a:off x="1546588" y="5980533"/>
+            <a:ext cx="743766" cy="500824"/>
+          </a:xfrm>
+          <a:prstGeom prst="wedgeRoundRectCallout">
+            <a:avLst>
+              <a:gd name="adj1" fmla="val 22753"/>
+              <a:gd name="adj2" fmla="val -73032"/>
+              <a:gd name="adj3" fmla="val 16667"/>
+            </a:avLst>
+          </a:prstGeom>
+          <a:noFill/>
+          <a:ln w="38100" cap="flat" cmpd="sng" algn="ctr">
+            <a:solidFill>
+              <a:srgbClr val="92D050"/>
+            </a:solidFill>
+            <a:prstDash val="solid"/>
+            <a:round/>
+            <a:headEnd type="none" w="med" len="med"/>
+            <a:tailEnd type="none" w="med" len="med"/>
+          </a:ln>
+        </p:spPr>
+        <p:style>
+          <a:lnRef idx="0">
+            <a:scrgbClr r="0" g="0" b="0"/>
+          </a:lnRef>
+          <a:fillRef idx="0">
+            <a:scrgbClr r="0" g="0" b="0"/>
+          </a:fillRef>
+          <a:effectRef idx="0">
+            <a:scrgbClr r="0" g="0" b="0"/>
+          </a:effectRef>
+          <a:fontRef idx="minor">
+            <a:schemeClr val="accent4"/>
+          </a:fontRef>
+        </p:style>
+        <p:txBody>
+          <a:bodyPr rtlCol="0" anchor="ctr"/>
+          <a:lstStyle/>
+          <a:p>
+            <a:pPr algn="ctr"/>
+            <a:r>
+              <a:rPr kumimoji="1" lang="ja-JP" altLang="en-US" dirty="0">
+                <a:solidFill>
+                  <a:srgbClr val="92D050"/>
+                </a:solidFill>
+              </a:rPr>
+              <a:t>速さ</a:t>
+            </a:r>
+            <a:endParaRPr kumimoji="1" lang="en-US" altLang="ja-JP" dirty="0">
+              <a:solidFill>
+                <a:srgbClr val="92D050"/>
+              </a:solidFill>
+            </a:endParaRPr>
           </a:p>
         </p:txBody>
       </p:sp>
     </p:spTree>
     <p:extLst>
       <p:ext uri="{BB962C8B-B14F-4D97-AF65-F5344CB8AC3E}">
-        <p14:creationId xmlns:p14="http://schemas.microsoft.com/office/powerpoint/2010/main" val="663417985"/>
+        <p14:creationId xmlns:p14="http://schemas.microsoft.com/office/powerpoint/2010/main" val="1905849033"/>
       </p:ext>
     </p:extLst>
   </p:cSld>
@@ -3960,39 +4511,465 @@
           <a:bodyPr/>
           <a:lstStyle/>
           <a:p>
-            <a:endParaRPr kumimoji="1" lang="ja-JP" altLang="en-US" dirty="0"/>
-          </a:p>
-        </p:txBody>
-      </p:sp>
-      <p:sp>
-        <p:nvSpPr>
-          <p:cNvPr id="3" name="コンテンツ プレースホルダー 2">
+            <a:r>
+              <a:rPr kumimoji="1" lang="ja-JP" altLang="en-US" dirty="0"/>
+              <a:t>制御入力の方向（ベクトル量）</a:t>
+            </a:r>
+          </a:p>
+        </p:txBody>
+      </p:sp>
+      <p:pic>
+        <p:nvPicPr>
+          <p:cNvPr id="5" name="図 4">
             <a:extLst>
               <a:ext uri="{FF2B5EF4-FFF2-40B4-BE49-F238E27FC236}">
-                <a16:creationId xmlns:a16="http://schemas.microsoft.com/office/drawing/2014/main" id="{D1E82227-0F0A-84B6-1B52-BBECB47410D8}"/>
+                <a16:creationId xmlns:a16="http://schemas.microsoft.com/office/drawing/2014/main" id="{8ADC341C-EC6D-1E92-4680-A51FAE9199C0}"/>
               </a:ext>
             </a:extLst>
           </p:cNvPr>
-          <p:cNvSpPr>
-            <a:spLocks noGrp="1"/>
-          </p:cNvSpPr>
-          <p:nvPr>
-            <p:ph idx="1"/>
-          </p:nvPr>
-        </p:nvSpPr>
-        <p:spPr/>
-        <p:txBody>
-          <a:bodyPr/>
+          <p:cNvPicPr>
+            <a:picLocks noChangeAspect="1"/>
+          </p:cNvPicPr>
+          <p:nvPr/>
+        </p:nvPicPr>
+        <p:blipFill>
+          <a:blip r:embed="rId2"/>
+          <a:stretch>
+            <a:fillRect/>
+          </a:stretch>
+        </p:blipFill>
+        <p:spPr>
+          <a:xfrm>
+            <a:off x="628650" y="2562945"/>
+            <a:ext cx="1295581" cy="447737"/>
+          </a:xfrm>
+          <a:prstGeom prst="rect">
+            <a:avLst/>
+          </a:prstGeom>
+        </p:spPr>
+      </p:pic>
+      <p:sp>
+        <p:nvSpPr>
+          <p:cNvPr id="6" name="テキスト ボックス 5">
+            <a:extLst>
+              <a:ext uri="{FF2B5EF4-FFF2-40B4-BE49-F238E27FC236}">
+                <a16:creationId xmlns:a16="http://schemas.microsoft.com/office/drawing/2014/main" id="{EB4BCE0A-AED2-2D91-8E2E-541BBA5F327E}"/>
+              </a:ext>
+            </a:extLst>
+          </p:cNvPr>
+          <p:cNvSpPr txBox="1"/>
+          <p:nvPr/>
+        </p:nvSpPr>
+        <p:spPr>
+          <a:xfrm>
+            <a:off x="493112" y="2193613"/>
+            <a:ext cx="3877985" cy="369332"/>
+          </a:xfrm>
+          <a:prstGeom prst="rect">
+            <a:avLst/>
+          </a:prstGeom>
+          <a:noFill/>
+        </p:spPr>
+        <p:txBody>
+          <a:bodyPr wrap="none" rtlCol="0">
+            <a:spAutoFit/>
+          </a:bodyPr>
           <a:lstStyle/>
           <a:p>
+            <a:r>
+              <a:rPr kumimoji="1" lang="ja-JP" altLang="en-US" dirty="0"/>
+              <a:t>制御入力の方向を表す単位ベクトル</a:t>
+            </a:r>
+          </a:p>
+        </p:txBody>
+      </p:sp>
+      <p:pic>
+        <p:nvPicPr>
+          <p:cNvPr id="8" name="図 7">
+            <a:extLst>
+              <a:ext uri="{FF2B5EF4-FFF2-40B4-BE49-F238E27FC236}">
+                <a16:creationId xmlns:a16="http://schemas.microsoft.com/office/drawing/2014/main" id="{F506A817-DEB9-689E-9915-7E1D8327A1D3}"/>
+              </a:ext>
+            </a:extLst>
+          </p:cNvPr>
+          <p:cNvPicPr>
+            <a:picLocks noChangeAspect="1"/>
+          </p:cNvPicPr>
+          <p:nvPr/>
+        </p:nvPicPr>
+        <p:blipFill>
+          <a:blip r:embed="rId3"/>
+          <a:stretch>
+            <a:fillRect/>
+          </a:stretch>
+        </p:blipFill>
+        <p:spPr>
+          <a:xfrm>
+            <a:off x="628649" y="3429000"/>
+            <a:ext cx="2960801" cy="638604"/>
+          </a:xfrm>
+          <a:prstGeom prst="rect">
+            <a:avLst/>
+          </a:prstGeom>
+        </p:spPr>
+      </p:pic>
+      <p:sp>
+        <p:nvSpPr>
+          <p:cNvPr id="9" name="テキスト ボックス 8">
+            <a:extLst>
+              <a:ext uri="{FF2B5EF4-FFF2-40B4-BE49-F238E27FC236}">
+                <a16:creationId xmlns:a16="http://schemas.microsoft.com/office/drawing/2014/main" id="{7E75D51D-E0EE-4731-3360-AC0B2D04FB9B}"/>
+              </a:ext>
+            </a:extLst>
+          </p:cNvPr>
+          <p:cNvSpPr txBox="1"/>
+          <p:nvPr/>
+        </p:nvSpPr>
+        <p:spPr>
+          <a:xfrm>
+            <a:off x="468378" y="3195348"/>
+            <a:ext cx="4801314" cy="369332"/>
+          </a:xfrm>
+          <a:prstGeom prst="rect">
+            <a:avLst/>
+          </a:prstGeom>
+          <a:noFill/>
+        </p:spPr>
+        <p:txBody>
+          <a:bodyPr wrap="none" rtlCol="0">
+            <a:spAutoFit/>
+          </a:bodyPr>
+          <a:lstStyle/>
+          <a:p>
+            <a:r>
+              <a:rPr kumimoji="1" lang="ja-JP" altLang="en-US" dirty="0"/>
+              <a:t>目標点から経路に沿って進んだ位置ベクトル</a:t>
+            </a:r>
+          </a:p>
+        </p:txBody>
+      </p:sp>
+      <p:sp>
+        <p:nvSpPr>
+          <p:cNvPr id="10" name="四角形: 角を丸くする 9">
+            <a:extLst>
+              <a:ext uri="{FF2B5EF4-FFF2-40B4-BE49-F238E27FC236}">
+                <a16:creationId xmlns:a16="http://schemas.microsoft.com/office/drawing/2014/main" id="{20ECD07B-1E43-E4E0-F0EC-DB06C093DB69}"/>
+              </a:ext>
+            </a:extLst>
+          </p:cNvPr>
+          <p:cNvSpPr/>
+          <p:nvPr/>
+        </p:nvSpPr>
+        <p:spPr>
+          <a:xfrm>
+            <a:off x="1638346" y="3563201"/>
+            <a:ext cx="470703" cy="470261"/>
+          </a:xfrm>
+          <a:prstGeom prst="roundRect">
+            <a:avLst/>
+          </a:prstGeom>
+          <a:noFill/>
+          <a:ln w="38100" cap="flat" cmpd="sng" algn="ctr">
+            <a:solidFill>
+              <a:srgbClr val="92D050"/>
+            </a:solidFill>
+            <a:prstDash val="solid"/>
+            <a:round/>
+            <a:headEnd type="none" w="med" len="med"/>
+            <a:tailEnd type="none" w="med" len="med"/>
+          </a:ln>
+        </p:spPr>
+        <p:style>
+          <a:lnRef idx="0">
+            <a:scrgbClr r="0" g="0" b="0"/>
+          </a:lnRef>
+          <a:fillRef idx="0">
+            <a:scrgbClr r="0" g="0" b="0"/>
+          </a:fillRef>
+          <a:effectRef idx="0">
+            <a:scrgbClr r="0" g="0" b="0"/>
+          </a:effectRef>
+          <a:fontRef idx="minor">
+            <a:schemeClr val="accent4"/>
+          </a:fontRef>
+        </p:style>
+        <p:txBody>
+          <a:bodyPr rtlCol="0" anchor="ctr"/>
+          <a:lstStyle/>
+          <a:p>
+            <a:pPr algn="ctr"/>
             <a:endParaRPr kumimoji="1" lang="ja-JP" altLang="en-US"/>
+          </a:p>
+        </p:txBody>
+      </p:sp>
+      <p:sp>
+        <p:nvSpPr>
+          <p:cNvPr id="11" name="四角形: 角を丸くする 10">
+            <a:extLst>
+              <a:ext uri="{FF2B5EF4-FFF2-40B4-BE49-F238E27FC236}">
+                <a16:creationId xmlns:a16="http://schemas.microsoft.com/office/drawing/2014/main" id="{6169C4DB-4060-5316-46FB-B75071E63D98}"/>
+              </a:ext>
+            </a:extLst>
+          </p:cNvPr>
+          <p:cNvSpPr/>
+          <p:nvPr/>
+        </p:nvSpPr>
+        <p:spPr>
+          <a:xfrm>
+            <a:off x="2853010" y="3597343"/>
+            <a:ext cx="586476" cy="470261"/>
+          </a:xfrm>
+          <a:prstGeom prst="roundRect">
+            <a:avLst/>
+          </a:prstGeom>
+          <a:noFill/>
+          <a:ln w="38100" cap="flat" cmpd="sng" algn="ctr">
+            <a:solidFill>
+              <a:schemeClr val="accent4"/>
+            </a:solidFill>
+            <a:prstDash val="solid"/>
+            <a:round/>
+            <a:headEnd type="none" w="med" len="med"/>
+            <a:tailEnd type="none" w="med" len="med"/>
+          </a:ln>
+        </p:spPr>
+        <p:style>
+          <a:lnRef idx="0">
+            <a:scrgbClr r="0" g="0" b="0"/>
+          </a:lnRef>
+          <a:fillRef idx="0">
+            <a:scrgbClr r="0" g="0" b="0"/>
+          </a:fillRef>
+          <a:effectRef idx="0">
+            <a:scrgbClr r="0" g="0" b="0"/>
+          </a:effectRef>
+          <a:fontRef idx="minor">
+            <a:schemeClr val="accent4"/>
+          </a:fontRef>
+        </p:style>
+        <p:txBody>
+          <a:bodyPr rtlCol="0" anchor="ctr"/>
+          <a:lstStyle/>
+          <a:p>
+            <a:pPr algn="ctr"/>
+            <a:endParaRPr kumimoji="1" lang="ja-JP" altLang="en-US"/>
+          </a:p>
+        </p:txBody>
+      </p:sp>
+      <p:sp>
+        <p:nvSpPr>
+          <p:cNvPr id="12" name="吹き出し: 角を丸めた四角形 11">
+            <a:extLst>
+              <a:ext uri="{FF2B5EF4-FFF2-40B4-BE49-F238E27FC236}">
+                <a16:creationId xmlns:a16="http://schemas.microsoft.com/office/drawing/2014/main" id="{8EB703F3-6F7C-E382-A884-720A0FF862CE}"/>
+              </a:ext>
+            </a:extLst>
+          </p:cNvPr>
+          <p:cNvSpPr/>
+          <p:nvPr/>
+        </p:nvSpPr>
+        <p:spPr>
+          <a:xfrm>
+            <a:off x="443862" y="4302456"/>
+            <a:ext cx="2483142" cy="766883"/>
+          </a:xfrm>
+          <a:prstGeom prst="wedgeRoundRectCallout">
+            <a:avLst>
+              <a:gd name="adj1" fmla="val 7888"/>
+              <a:gd name="adj2" fmla="val -73032"/>
+              <a:gd name="adj3" fmla="val 16667"/>
+            </a:avLst>
+          </a:prstGeom>
+          <a:noFill/>
+          <a:ln w="38100" cap="flat" cmpd="sng" algn="ctr">
+            <a:solidFill>
+              <a:srgbClr val="92D050"/>
+            </a:solidFill>
+            <a:prstDash val="solid"/>
+            <a:round/>
+            <a:headEnd type="none" w="med" len="med"/>
+            <a:tailEnd type="none" w="med" len="med"/>
+          </a:ln>
+        </p:spPr>
+        <p:style>
+          <a:lnRef idx="0">
+            <a:scrgbClr r="0" g="0" b="0"/>
+          </a:lnRef>
+          <a:fillRef idx="0">
+            <a:scrgbClr r="0" g="0" b="0"/>
+          </a:fillRef>
+          <a:effectRef idx="0">
+            <a:scrgbClr r="0" g="0" b="0"/>
+          </a:effectRef>
+          <a:fontRef idx="minor">
+            <a:schemeClr val="accent4"/>
+          </a:fontRef>
+        </p:style>
+        <p:txBody>
+          <a:bodyPr rtlCol="0" anchor="ctr"/>
+          <a:lstStyle/>
+          <a:p>
+            <a:pPr algn="ctr"/>
+            <a:r>
+              <a:rPr kumimoji="1" lang="ja-JP" altLang="en-US" dirty="0">
+                <a:solidFill>
+                  <a:srgbClr val="92D050"/>
+                </a:solidFill>
+              </a:rPr>
+              <a:t>追従目標点へ</a:t>
+            </a:r>
+            <a:br>
+              <a:rPr kumimoji="1" lang="en-US" altLang="ja-JP" dirty="0">
+                <a:solidFill>
+                  <a:srgbClr val="92D050"/>
+                </a:solidFill>
+              </a:rPr>
+            </a:br>
+            <a:r>
+              <a:rPr kumimoji="1" lang="ja-JP" altLang="en-US" dirty="0">
+                <a:solidFill>
+                  <a:srgbClr val="92D050"/>
+                </a:solidFill>
+              </a:rPr>
+              <a:t>向かおうとする量</a:t>
+            </a:r>
+            <a:endParaRPr kumimoji="1" lang="en-US" altLang="ja-JP" dirty="0">
+              <a:solidFill>
+                <a:srgbClr val="92D050"/>
+              </a:solidFill>
+            </a:endParaRPr>
+          </a:p>
+        </p:txBody>
+      </p:sp>
+      <p:sp>
+        <p:nvSpPr>
+          <p:cNvPr id="13" name="吹き出し: 角を丸めた四角形 12">
+            <a:extLst>
+              <a:ext uri="{FF2B5EF4-FFF2-40B4-BE49-F238E27FC236}">
+                <a16:creationId xmlns:a16="http://schemas.microsoft.com/office/drawing/2014/main" id="{F873A783-614C-5BCB-42F4-A41E4F44F4B7}"/>
+              </a:ext>
+            </a:extLst>
+          </p:cNvPr>
+          <p:cNvSpPr/>
+          <p:nvPr/>
+        </p:nvSpPr>
+        <p:spPr>
+          <a:xfrm>
+            <a:off x="3146248" y="4302456"/>
+            <a:ext cx="2483141" cy="766883"/>
+          </a:xfrm>
+          <a:prstGeom prst="wedgeRoundRectCallout">
+            <a:avLst>
+              <a:gd name="adj1" fmla="val -37338"/>
+              <a:gd name="adj2" fmla="val -73032"/>
+              <a:gd name="adj3" fmla="val 16667"/>
+            </a:avLst>
+          </a:prstGeom>
+          <a:noFill/>
+          <a:ln w="38100" cap="flat" cmpd="sng" algn="ctr">
+            <a:solidFill>
+              <a:schemeClr val="accent4"/>
+            </a:solidFill>
+            <a:prstDash val="solid"/>
+            <a:round/>
+            <a:headEnd type="none" w="med" len="med"/>
+            <a:tailEnd type="none" w="med" len="med"/>
+          </a:ln>
+        </p:spPr>
+        <p:style>
+          <a:lnRef idx="0">
+            <a:scrgbClr r="0" g="0" b="0"/>
+          </a:lnRef>
+          <a:fillRef idx="0">
+            <a:scrgbClr r="0" g="0" b="0"/>
+          </a:fillRef>
+          <a:effectRef idx="0">
+            <a:scrgbClr r="0" g="0" b="0"/>
+          </a:effectRef>
+          <a:fontRef idx="minor">
+            <a:schemeClr val="accent4"/>
+          </a:fontRef>
+        </p:style>
+        <p:txBody>
+          <a:bodyPr rtlCol="0" anchor="ctr"/>
+          <a:lstStyle/>
+          <a:p>
+            <a:pPr algn="ctr"/>
+            <a:r>
+              <a:rPr kumimoji="1" lang="ja-JP" altLang="en-US" dirty="0"/>
+              <a:t>リーダーに</a:t>
+            </a:r>
+            <a:br>
+              <a:rPr kumimoji="1" lang="en-US" altLang="ja-JP" dirty="0"/>
+            </a:br>
+            <a:r>
+              <a:rPr kumimoji="1" lang="ja-JP" altLang="en-US" dirty="0"/>
+              <a:t>追い付こうとする量</a:t>
+            </a:r>
+          </a:p>
+        </p:txBody>
+      </p:sp>
+      <p:sp>
+        <p:nvSpPr>
+          <p:cNvPr id="16" name="四角形: 角を丸くする 15">
+            <a:extLst>
+              <a:ext uri="{FF2B5EF4-FFF2-40B4-BE49-F238E27FC236}">
+                <a16:creationId xmlns:a16="http://schemas.microsoft.com/office/drawing/2014/main" id="{DA678077-CA18-0D73-E6D4-BDFCD0A6E46F}"/>
+              </a:ext>
+            </a:extLst>
+          </p:cNvPr>
+          <p:cNvSpPr/>
+          <p:nvPr/>
+        </p:nvSpPr>
+        <p:spPr>
+          <a:xfrm>
+            <a:off x="1403776" y="5565298"/>
+            <a:ext cx="6022944" cy="914400"/>
+          </a:xfrm>
+          <a:prstGeom prst="roundRect">
+            <a:avLst/>
+          </a:prstGeom>
+          <a:noFill/>
+          <a:ln w="38100" cap="flat" cmpd="sng" algn="ctr">
+            <a:solidFill>
+              <a:schemeClr val="accent4"/>
+            </a:solidFill>
+            <a:prstDash val="solid"/>
+            <a:round/>
+            <a:headEnd type="none" w="med" len="med"/>
+            <a:tailEnd type="none" w="med" len="med"/>
+          </a:ln>
+        </p:spPr>
+        <p:style>
+          <a:lnRef idx="0">
+            <a:scrgbClr r="0" g="0" b="0"/>
+          </a:lnRef>
+          <a:fillRef idx="0">
+            <a:scrgbClr r="0" g="0" b="0"/>
+          </a:fillRef>
+          <a:effectRef idx="0">
+            <a:scrgbClr r="0" g="0" b="0"/>
+          </a:effectRef>
+          <a:fontRef idx="minor">
+            <a:schemeClr val="accent4"/>
+          </a:fontRef>
+        </p:style>
+        <p:txBody>
+          <a:bodyPr rtlCol="0" anchor="ctr"/>
+          <a:lstStyle/>
+          <a:p>
+            <a:pPr algn="ctr"/>
+            <a:r>
+              <a:rPr kumimoji="1" lang="ja-JP" altLang="en-US" sz="2800" dirty="0"/>
+              <a:t>追従のためのベクトル量を決める</a:t>
+            </a:r>
           </a:p>
         </p:txBody>
       </p:sp>
     </p:spTree>
     <p:extLst>
       <p:ext uri="{BB962C8B-B14F-4D97-AF65-F5344CB8AC3E}">
-        <p14:creationId xmlns:p14="http://schemas.microsoft.com/office/powerpoint/2010/main" val="3719368253"/>
+        <p14:creationId xmlns:p14="http://schemas.microsoft.com/office/powerpoint/2010/main" val="1000363657"/>
       </p:ext>
     </p:extLst>
   </p:cSld>
@@ -4040,39 +5017,737 @@
           <a:bodyPr/>
           <a:lstStyle/>
           <a:p>
-            <a:endParaRPr kumimoji="1" lang="ja-JP" altLang="en-US" dirty="0"/>
-          </a:p>
-        </p:txBody>
-      </p:sp>
-      <p:sp>
-        <p:nvSpPr>
-          <p:cNvPr id="3" name="コンテンツ プレースホルダー 2">
+            <a:r>
+              <a:rPr kumimoji="1" lang="ja-JP" altLang="en-US" b="1" dirty="0"/>
+              <a:t>係数</a:t>
+            </a:r>
+            <a:r>
+              <a:rPr kumimoji="1" lang="en-US" altLang="ja-JP" b="1" dirty="0"/>
+              <a:t>h(t)</a:t>
+            </a:r>
+            <a:r>
+              <a:rPr kumimoji="1" lang="ja-JP" altLang="en-US" b="1" dirty="0"/>
+              <a:t>の役割</a:t>
+            </a:r>
+          </a:p>
+        </p:txBody>
+      </p:sp>
+      <mc:AlternateContent xmlns:mc="http://schemas.openxmlformats.org/markup-compatibility/2006">
+        <mc:Choice xmlns:a14="http://schemas.microsoft.com/office/drawing/2010/main" Requires="a14">
+          <p:sp>
+            <p:nvSpPr>
+              <p:cNvPr id="8" name="コンテンツ プレースホルダー 7">
+                <a:extLst>
+                  <a:ext uri="{FF2B5EF4-FFF2-40B4-BE49-F238E27FC236}">
+                    <a16:creationId xmlns:a16="http://schemas.microsoft.com/office/drawing/2014/main" id="{E0DFE129-371C-3286-D571-DA6CF7878F2E}"/>
+                  </a:ext>
+                </a:extLst>
+              </p:cNvPr>
+              <p:cNvSpPr>
+                <a:spLocks noGrp="1"/>
+              </p:cNvSpPr>
+              <p:nvPr>
+                <p:ph sz="half" idx="1"/>
+              </p:nvPr>
+            </p:nvSpPr>
+            <p:spPr>
+              <a:xfrm>
+                <a:off x="628650" y="3045204"/>
+                <a:ext cx="3886200" cy="3131758"/>
+              </a:xfrm>
+            </p:spPr>
+            <p:txBody>
+              <a:bodyPr>
+                <a:normAutofit/>
+              </a:bodyPr>
+              <a:lstStyle/>
+              <a:p>
+                <a14:m>
+                  <m:oMath xmlns:m="http://schemas.openxmlformats.org/officeDocument/2006/math">
+                    <m:r>
+                      <a:rPr lang="en-US" altLang="ja-JP" b="0" i="1" smtClean="0">
+                        <a:latin typeface="Cambria Math" panose="02040503050406030204" pitchFamily="18" charset="0"/>
+                      </a:rPr>
+                      <m:t>𝑙</m:t>
+                    </m:r>
+                    <m:d>
+                      <m:dPr>
+                        <m:ctrlPr>
+                          <a:rPr lang="en-US" altLang="ja-JP" b="0" i="1" smtClean="0">
+                            <a:latin typeface="Cambria Math" panose="02040503050406030204" pitchFamily="18" charset="0"/>
+                          </a:rPr>
+                        </m:ctrlPr>
+                      </m:dPr>
+                      <m:e>
+                        <m:r>
+                          <a:rPr lang="en-US" altLang="ja-JP" b="0" i="1" smtClean="0">
+                            <a:latin typeface="Cambria Math" panose="02040503050406030204" pitchFamily="18" charset="0"/>
+                          </a:rPr>
+                          <m:t>𝑡</m:t>
+                        </m:r>
+                      </m:e>
+                    </m:d>
+                    <m:r>
+                      <a:rPr lang="en-US" altLang="ja-JP" b="0" i="1" smtClean="0">
+                        <a:latin typeface="Cambria Math" panose="02040503050406030204" pitchFamily="18" charset="0"/>
+                      </a:rPr>
+                      <m:t>≫1</m:t>
+                    </m:r>
+                    <m:r>
+                      <a:rPr lang="ja-JP" altLang="en-US" i="1">
+                        <a:latin typeface="Cambria Math" panose="02040503050406030204" pitchFamily="18" charset="0"/>
+                      </a:rPr>
+                      <m:t>の</m:t>
+                    </m:r>
+                  </m:oMath>
+                </a14:m>
+                <a:r>
+                  <a:rPr lang="ja-JP" altLang="en-US" dirty="0"/>
+                  <a:t>とき</a:t>
+                </a:r>
+                <a:br>
+                  <a:rPr lang="en-US" altLang="ja-JP" dirty="0"/>
+                </a:br>
+                <a14:m>
+                  <m:oMath xmlns:m="http://schemas.openxmlformats.org/officeDocument/2006/math">
+                    <m:sSub>
+                      <m:sSubPr>
+                        <m:ctrlPr>
+                          <a:rPr lang="en-US" altLang="ja-JP" sz="2400" i="1" smtClean="0">
+                            <a:latin typeface="Cambria Math" panose="02040503050406030204" pitchFamily="18" charset="0"/>
+                          </a:rPr>
+                        </m:ctrlPr>
+                      </m:sSubPr>
+                      <m:e>
+                        <m:r>
+                          <a:rPr lang="en-US" altLang="ja-JP" sz="2400" b="0" i="1" smtClean="0">
+                            <a:latin typeface="Cambria Math" panose="02040503050406030204" pitchFamily="18" charset="0"/>
+                          </a:rPr>
+                          <m:t>𝑘</m:t>
+                        </m:r>
+                      </m:e>
+                      <m:sub>
+                        <m:r>
+                          <a:rPr lang="en-US" altLang="ja-JP" sz="2400" b="0" i="1" smtClean="0">
+                            <a:latin typeface="Cambria Math" panose="02040503050406030204" pitchFamily="18" charset="0"/>
+                          </a:rPr>
+                          <m:t>𝑙</m:t>
+                        </m:r>
+                      </m:sub>
+                    </m:sSub>
+                    <m:r>
+                      <a:rPr lang="en-US" altLang="ja-JP" sz="2400" i="1" smtClean="0">
+                        <a:latin typeface="Cambria Math" panose="02040503050406030204" pitchFamily="18" charset="0"/>
+                        <a:ea typeface="Cambria Math" panose="02040503050406030204" pitchFamily="18" charset="0"/>
+                      </a:rPr>
+                      <m:t>≅</m:t>
+                    </m:r>
+                    <m:r>
+                      <a:rPr lang="en-US" altLang="ja-JP" sz="2400" b="0" i="1" smtClean="0">
+                        <a:latin typeface="Cambria Math" panose="02040503050406030204" pitchFamily="18" charset="0"/>
+                        <a:ea typeface="Cambria Math" panose="02040503050406030204" pitchFamily="18" charset="0"/>
+                      </a:rPr>
+                      <m:t>0</m:t>
+                    </m:r>
+                  </m:oMath>
+                </a14:m>
+                <a:r>
+                  <a:rPr lang="ja-JP" altLang="en-US" sz="2400" dirty="0"/>
+                  <a:t>より</a:t>
+                </a:r>
+                <a14:m>
+                  <m:oMath xmlns:m="http://schemas.openxmlformats.org/officeDocument/2006/math">
+                    <m:sSub>
+                      <m:sSubPr>
+                        <m:ctrlPr>
+                          <a:rPr lang="en-US" altLang="ja-JP" sz="2400" i="1" dirty="0" smtClean="0">
+                            <a:latin typeface="Cambria Math" panose="02040503050406030204" pitchFamily="18" charset="0"/>
+                          </a:rPr>
+                        </m:ctrlPr>
+                      </m:sSubPr>
+                      <m:e>
+                        <m:r>
+                          <a:rPr lang="en-US" altLang="ja-JP" sz="2400" b="0" i="1" dirty="0" smtClean="0">
+                            <a:latin typeface="Cambria Math" panose="02040503050406030204" pitchFamily="18" charset="0"/>
+                          </a:rPr>
+                          <m:t>𝑘</m:t>
+                        </m:r>
+                      </m:e>
+                      <m:sub>
+                        <m:r>
+                          <a:rPr lang="en-US" altLang="ja-JP" sz="2400" b="0" i="1" dirty="0" smtClean="0">
+                            <a:latin typeface="Cambria Math" panose="02040503050406030204" pitchFamily="18" charset="0"/>
+                          </a:rPr>
+                          <m:t>0</m:t>
+                        </m:r>
+                      </m:sub>
+                    </m:sSub>
+                  </m:oMath>
+                </a14:m>
+                <a:r>
+                  <a:rPr lang="ja-JP" altLang="en-US" sz="2400" dirty="0"/>
+                  <a:t>の量如何で</a:t>
+                </a:r>
+                <a14:m>
+                  <m:oMath xmlns:m="http://schemas.openxmlformats.org/officeDocument/2006/math">
+                    <m:r>
+                      <a:rPr lang="en-US" altLang="ja-JP" sz="2400" b="0" i="1" smtClean="0">
+                        <a:latin typeface="Cambria Math" panose="02040503050406030204" pitchFamily="18" charset="0"/>
+                      </a:rPr>
+                      <m:t>𝑙</m:t>
+                    </m:r>
+                    <m:r>
+                      <a:rPr lang="en-US" altLang="ja-JP" sz="2400" b="0" i="1" smtClean="0">
+                        <a:latin typeface="Cambria Math" panose="02040503050406030204" pitchFamily="18" charset="0"/>
+                      </a:rPr>
+                      <m:t>(</m:t>
+                    </m:r>
+                    <m:r>
+                      <a:rPr lang="en-US" altLang="ja-JP" sz="2400" b="0" i="1" smtClean="0">
+                        <a:latin typeface="Cambria Math" panose="02040503050406030204" pitchFamily="18" charset="0"/>
+                      </a:rPr>
+                      <m:t>𝑡</m:t>
+                    </m:r>
+                    <m:r>
+                      <a:rPr lang="en-US" altLang="ja-JP" sz="2400" b="0" i="1" smtClean="0">
+                        <a:latin typeface="Cambria Math" panose="02040503050406030204" pitchFamily="18" charset="0"/>
+                      </a:rPr>
+                      <m:t>)</m:t>
+                    </m:r>
+                  </m:oMath>
+                </a14:m>
+                <a:r>
+                  <a:rPr lang="ja-JP" altLang="en-US" sz="2400" dirty="0"/>
+                  <a:t>のベクトル量が優勢</a:t>
+                </a:r>
+                <a:br>
+                  <a:rPr lang="en-US" altLang="ja-JP" sz="2400" dirty="0"/>
+                </a:br>
+                <a:br>
+                  <a:rPr lang="en-US" altLang="ja-JP" sz="2400" dirty="0"/>
+                </a:br>
+                <a:br>
+                  <a:rPr lang="en-US" altLang="ja-JP" sz="2400" dirty="0"/>
+                </a:br>
+                <a:br>
+                  <a:rPr lang="en-US" altLang="ja-JP" sz="2400" dirty="0"/>
+                </a:br>
+                <a:r>
+                  <a:rPr lang="ja-JP" altLang="en-US" sz="2400" dirty="0"/>
+                  <a:t>追従目標点への到達を</a:t>
+                </a:r>
+                <a:br>
+                  <a:rPr lang="en-US" altLang="ja-JP" sz="2400" dirty="0"/>
+                </a:br>
+                <a:r>
+                  <a:rPr lang="ja-JP" altLang="en-US" sz="2400" dirty="0"/>
+                  <a:t>優先</a:t>
+                </a:r>
+              </a:p>
+            </p:txBody>
+          </p:sp>
+        </mc:Choice>
+        <mc:Fallback>
+          <p:sp>
+            <p:nvSpPr>
+              <p:cNvPr id="8" name="コンテンツ プレースホルダー 7">
+                <a:extLst>
+                  <a:ext uri="{FF2B5EF4-FFF2-40B4-BE49-F238E27FC236}">
+                    <a16:creationId xmlns:a16="http://schemas.microsoft.com/office/drawing/2014/main" id="{E0DFE129-371C-3286-D571-DA6CF7878F2E}"/>
+                  </a:ext>
+                </a:extLst>
+              </p:cNvPr>
+              <p:cNvSpPr>
+                <a:spLocks noGrp="1" noRot="1" noChangeAspect="1" noMove="1" noResize="1" noEditPoints="1" noAdjustHandles="1" noChangeArrowheads="1" noChangeShapeType="1" noTextEdit="1"/>
+              </p:cNvSpPr>
+              <p:nvPr>
+                <p:ph sz="half" idx="1"/>
+              </p:nvPr>
+            </p:nvSpPr>
+            <p:spPr>
+              <a:xfrm>
+                <a:off x="628650" y="3045204"/>
+                <a:ext cx="3886200" cy="3131758"/>
+              </a:xfrm>
+              <a:blipFill>
+                <a:blip r:embed="rId2"/>
+                <a:stretch>
+                  <a:fillRect t="-3509"/>
+                </a:stretch>
+              </a:blipFill>
+            </p:spPr>
+            <p:txBody>
+              <a:bodyPr/>
+              <a:lstStyle/>
+              <a:p>
+                <a:r>
+                  <a:rPr lang="ja-JP" altLang="en-US">
+                    <a:noFill/>
+                  </a:rPr>
+                  <a:t> </a:t>
+                </a:r>
+              </a:p>
+            </p:txBody>
+          </p:sp>
+        </mc:Fallback>
+      </mc:AlternateContent>
+      <mc:AlternateContent xmlns:mc="http://schemas.openxmlformats.org/markup-compatibility/2006">
+        <mc:Choice xmlns:a14="http://schemas.microsoft.com/office/drawing/2010/main" Requires="a14">
+          <p:sp>
+            <p:nvSpPr>
+              <p:cNvPr id="9" name="コンテンツ プレースホルダー 8">
+                <a:extLst>
+                  <a:ext uri="{FF2B5EF4-FFF2-40B4-BE49-F238E27FC236}">
+                    <a16:creationId xmlns:a16="http://schemas.microsoft.com/office/drawing/2014/main" id="{67F9BA0E-48F1-271E-B242-41D436D7DDD5}"/>
+                  </a:ext>
+                </a:extLst>
+              </p:cNvPr>
+              <p:cNvSpPr>
+                <a:spLocks noGrp="1"/>
+              </p:cNvSpPr>
+              <p:nvPr>
+                <p:ph sz="half" idx="2"/>
+              </p:nvPr>
+            </p:nvSpPr>
+            <p:spPr>
+              <a:xfrm>
+                <a:off x="4629150" y="3045204"/>
+                <a:ext cx="3886200" cy="3131758"/>
+              </a:xfrm>
+            </p:spPr>
+            <p:txBody>
+              <a:bodyPr>
+                <a:normAutofit/>
+              </a:bodyPr>
+              <a:lstStyle/>
+              <a:p>
+                <a14:m>
+                  <m:oMath xmlns:m="http://schemas.openxmlformats.org/officeDocument/2006/math">
+                    <m:r>
+                      <a:rPr lang="en-US" altLang="ja-JP" b="0" i="1" smtClean="0">
+                        <a:latin typeface="Cambria Math" panose="02040503050406030204" pitchFamily="18" charset="0"/>
+                      </a:rPr>
+                      <m:t>𝑙</m:t>
+                    </m:r>
+                    <m:d>
+                      <m:dPr>
+                        <m:ctrlPr>
+                          <a:rPr lang="en-US" altLang="ja-JP" b="0" i="1" smtClean="0">
+                            <a:latin typeface="Cambria Math" panose="02040503050406030204" pitchFamily="18" charset="0"/>
+                          </a:rPr>
+                        </m:ctrlPr>
+                      </m:dPr>
+                      <m:e>
+                        <m:r>
+                          <a:rPr lang="en-US" altLang="ja-JP" b="0" i="1" smtClean="0">
+                            <a:latin typeface="Cambria Math" panose="02040503050406030204" pitchFamily="18" charset="0"/>
+                          </a:rPr>
+                          <m:t>𝑡</m:t>
+                        </m:r>
+                      </m:e>
+                    </m:d>
+                    <m:r>
+                      <a:rPr lang="en-US" altLang="ja-JP" b="0" i="1" smtClean="0">
+                        <a:latin typeface="Cambria Math" panose="02040503050406030204" pitchFamily="18" charset="0"/>
+                      </a:rPr>
+                      <m:t>≪</m:t>
+                    </m:r>
+                    <m:r>
+                      <a:rPr lang="en-US" altLang="ja-JP" b="0" i="1" smtClean="0">
+                        <a:latin typeface="Cambria Math" panose="02040503050406030204" pitchFamily="18" charset="0"/>
+                      </a:rPr>
+                      <m:t>1</m:t>
+                    </m:r>
+                    <m:r>
+                      <a:rPr lang="ja-JP" altLang="en-US" i="1">
+                        <a:latin typeface="Cambria Math" panose="02040503050406030204" pitchFamily="18" charset="0"/>
+                      </a:rPr>
+                      <m:t>の</m:t>
+                    </m:r>
+                  </m:oMath>
+                </a14:m>
+                <a:r>
+                  <a:rPr lang="ja-JP" altLang="en-US" dirty="0"/>
+                  <a:t>とき</a:t>
+                </a:r>
+                <a:br>
+                  <a:rPr lang="en-US" altLang="ja-JP" dirty="0"/>
+                </a:br>
+                <a14:m>
+                  <m:oMath xmlns:m="http://schemas.openxmlformats.org/officeDocument/2006/math">
+                    <m:r>
+                      <m:rPr>
+                        <m:sty m:val="p"/>
+                      </m:rPr>
+                      <a:rPr lang="en-US" altLang="ja-JP" sz="2400" b="0" i="0" smtClean="0">
+                        <a:latin typeface="Cambria Math" panose="02040503050406030204" pitchFamily="18" charset="0"/>
+                        <a:ea typeface="Cambria Math" panose="02040503050406030204" pitchFamily="18" charset="0"/>
+                      </a:rPr>
+                      <m:t>h</m:t>
+                    </m:r>
+                    <m:d>
+                      <m:dPr>
+                        <m:ctrlPr>
+                          <a:rPr lang="en-US" altLang="ja-JP" sz="2400" b="0" i="0" smtClean="0">
+                            <a:latin typeface="Cambria Math" panose="02040503050406030204" pitchFamily="18" charset="0"/>
+                            <a:ea typeface="Cambria Math" panose="02040503050406030204" pitchFamily="18" charset="0"/>
+                          </a:rPr>
+                        </m:ctrlPr>
+                      </m:dPr>
+                      <m:e>
+                        <m:r>
+                          <m:rPr>
+                            <m:sty m:val="p"/>
+                          </m:rPr>
+                          <a:rPr lang="en-US" altLang="ja-JP" sz="2400" b="0" i="0" smtClean="0">
+                            <a:latin typeface="Cambria Math" panose="02040503050406030204" pitchFamily="18" charset="0"/>
+                            <a:ea typeface="Cambria Math" panose="02040503050406030204" pitchFamily="18" charset="0"/>
+                          </a:rPr>
+                          <m:t>t</m:t>
+                        </m:r>
+                      </m:e>
+                    </m:d>
+                    <m:r>
+                      <a:rPr lang="en-US" altLang="ja-JP" sz="2400" i="1">
+                        <a:latin typeface="Cambria Math" panose="02040503050406030204" pitchFamily="18" charset="0"/>
+                        <a:ea typeface="Cambria Math" panose="02040503050406030204" pitchFamily="18" charset="0"/>
+                      </a:rPr>
+                      <m:t>≅</m:t>
+                    </m:r>
+                    <m:sSub>
+                      <m:sSubPr>
+                        <m:ctrlPr>
+                          <a:rPr lang="en-US" altLang="ja-JP" sz="2400" i="1" smtClean="0">
+                            <a:latin typeface="Cambria Math" panose="02040503050406030204" pitchFamily="18" charset="0"/>
+                            <a:ea typeface="Cambria Math" panose="02040503050406030204" pitchFamily="18" charset="0"/>
+                          </a:rPr>
+                        </m:ctrlPr>
+                      </m:sSubPr>
+                      <m:e>
+                        <m:r>
+                          <a:rPr lang="en-US" altLang="ja-JP" sz="2400" b="0" i="1" smtClean="0">
+                            <a:latin typeface="Cambria Math" panose="02040503050406030204" pitchFamily="18" charset="0"/>
+                            <a:ea typeface="Cambria Math" panose="02040503050406030204" pitchFamily="18" charset="0"/>
+                          </a:rPr>
+                          <m:t>𝑘</m:t>
+                        </m:r>
+                      </m:e>
+                      <m:sub>
+                        <m:r>
+                          <a:rPr lang="en-US" altLang="ja-JP" sz="2400" b="0" i="1" smtClean="0">
+                            <a:latin typeface="Cambria Math" panose="02040503050406030204" pitchFamily="18" charset="0"/>
+                            <a:ea typeface="Cambria Math" panose="02040503050406030204" pitchFamily="18" charset="0"/>
+                          </a:rPr>
+                          <m:t>0</m:t>
+                        </m:r>
+                      </m:sub>
+                    </m:sSub>
+                    <m:r>
+                      <a:rPr lang="en-US" altLang="ja-JP" sz="2400" b="0" i="1" smtClean="0">
+                        <a:latin typeface="Cambria Math" panose="02040503050406030204" pitchFamily="18" charset="0"/>
+                        <a:ea typeface="Cambria Math" panose="02040503050406030204" pitchFamily="18" charset="0"/>
+                      </a:rPr>
+                      <m:t>+</m:t>
+                    </m:r>
+                    <m:sSub>
+                      <m:sSubPr>
+                        <m:ctrlPr>
+                          <a:rPr lang="en-US" altLang="ja-JP" sz="2400" b="0" i="1" smtClean="0">
+                            <a:latin typeface="Cambria Math" panose="02040503050406030204" pitchFamily="18" charset="0"/>
+                            <a:ea typeface="Cambria Math" panose="02040503050406030204" pitchFamily="18" charset="0"/>
+                          </a:rPr>
+                        </m:ctrlPr>
+                      </m:sSubPr>
+                      <m:e>
+                        <m:r>
+                          <a:rPr lang="en-US" altLang="ja-JP" sz="2400" b="0" i="1" smtClean="0">
+                            <a:latin typeface="Cambria Math" panose="02040503050406030204" pitchFamily="18" charset="0"/>
+                            <a:ea typeface="Cambria Math" panose="02040503050406030204" pitchFamily="18" charset="0"/>
+                          </a:rPr>
+                          <m:t>𝑘</m:t>
+                        </m:r>
+                      </m:e>
+                      <m:sub>
+                        <m:r>
+                          <a:rPr lang="en-US" altLang="ja-JP" sz="2400" b="0" i="1" smtClean="0">
+                            <a:latin typeface="Cambria Math" panose="02040503050406030204" pitchFamily="18" charset="0"/>
+                            <a:ea typeface="Cambria Math" panose="02040503050406030204" pitchFamily="18" charset="0"/>
+                          </a:rPr>
+                          <m:t>𝑙</m:t>
+                        </m:r>
+                      </m:sub>
+                    </m:sSub>
+                  </m:oMath>
+                </a14:m>
+                <a:r>
+                  <a:rPr lang="ja-JP" altLang="en-US" sz="2400" dirty="0"/>
+                  <a:t>となり，</a:t>
+                </a:r>
+                <a:br>
+                  <a:rPr lang="en-US" altLang="ja-JP" sz="2400" dirty="0"/>
+                </a:br>
+                <a14:m>
+                  <m:oMath xmlns:m="http://schemas.openxmlformats.org/officeDocument/2006/math">
+                    <m:r>
+                      <a:rPr lang="en-US" altLang="ja-JP" sz="2400" i="1">
+                        <a:latin typeface="Cambria Math" panose="02040503050406030204" pitchFamily="18" charset="0"/>
+                      </a:rPr>
+                      <m:t>𝑙</m:t>
+                    </m:r>
+                    <m:r>
+                      <a:rPr lang="en-US" altLang="ja-JP" sz="2400" i="1">
+                        <a:latin typeface="Cambria Math" panose="02040503050406030204" pitchFamily="18" charset="0"/>
+                      </a:rPr>
+                      <m:t>(</m:t>
+                    </m:r>
+                    <m:r>
+                      <a:rPr lang="en-US" altLang="ja-JP" sz="2400" i="1">
+                        <a:latin typeface="Cambria Math" panose="02040503050406030204" pitchFamily="18" charset="0"/>
+                      </a:rPr>
+                      <m:t>𝑡</m:t>
+                    </m:r>
+                    <m:r>
+                      <a:rPr lang="en-US" altLang="ja-JP" sz="2400" i="1">
+                        <a:latin typeface="Cambria Math" panose="02040503050406030204" pitchFamily="18" charset="0"/>
+                      </a:rPr>
+                      <m:t>)≅0</m:t>
+                    </m:r>
+                  </m:oMath>
+                </a14:m>
+                <a:r>
+                  <a:rPr lang="ja-JP" altLang="en-US" sz="2400" dirty="0"/>
+                  <a:t>を鑑みると</a:t>
+                </a:r>
+                <a:br>
+                  <a:rPr lang="en-US" altLang="ja-JP" sz="2400" dirty="0"/>
+                </a:br>
+                <a:r>
+                  <a:rPr lang="ja-JP" altLang="en-US" sz="2400" dirty="0"/>
+                  <a:t>リーダーの進行方向の</a:t>
+                </a:r>
+                <a:br>
+                  <a:rPr lang="en-US" altLang="ja-JP" sz="2400" dirty="0"/>
+                </a:br>
+                <a:r>
+                  <a:rPr lang="ja-JP" altLang="en-US" sz="2400" dirty="0"/>
+                  <a:t>ベクトル量が優勢</a:t>
+                </a:r>
+                <a:br>
+                  <a:rPr lang="en-US" altLang="ja-JP" sz="2400" dirty="0"/>
+                </a:br>
+                <a:br>
+                  <a:rPr lang="en-US" altLang="ja-JP" sz="2400" dirty="0"/>
+                </a:br>
+                <a:r>
+                  <a:rPr lang="ja-JP" altLang="en-US" sz="2400" dirty="0"/>
+                  <a:t>リーダーと同様に進む</a:t>
+                </a:r>
+                <a:br>
+                  <a:rPr lang="en-US" altLang="ja-JP" sz="2400" dirty="0"/>
+                </a:br>
+                <a:r>
+                  <a:rPr lang="ja-JP" altLang="en-US" sz="2400" dirty="0"/>
+                  <a:t>ことを優先</a:t>
+                </a:r>
+              </a:p>
+            </p:txBody>
+          </p:sp>
+        </mc:Choice>
+        <mc:Fallback>
+          <p:sp>
+            <p:nvSpPr>
+              <p:cNvPr id="9" name="コンテンツ プレースホルダー 8">
+                <a:extLst>
+                  <a:ext uri="{FF2B5EF4-FFF2-40B4-BE49-F238E27FC236}">
+                    <a16:creationId xmlns:a16="http://schemas.microsoft.com/office/drawing/2014/main" id="{67F9BA0E-48F1-271E-B242-41D436D7DDD5}"/>
+                  </a:ext>
+                </a:extLst>
+              </p:cNvPr>
+              <p:cNvSpPr>
+                <a:spLocks noGrp="1" noRot="1" noChangeAspect="1" noMove="1" noResize="1" noEditPoints="1" noAdjustHandles="1" noChangeArrowheads="1" noChangeShapeType="1" noTextEdit="1"/>
+              </p:cNvSpPr>
+              <p:nvPr>
+                <p:ph sz="half" idx="2"/>
+              </p:nvPr>
+            </p:nvSpPr>
+            <p:spPr>
+              <a:xfrm>
+                <a:off x="4629150" y="3045204"/>
+                <a:ext cx="3886200" cy="3131758"/>
+              </a:xfrm>
+              <a:blipFill>
+                <a:blip r:embed="rId3"/>
+                <a:stretch>
+                  <a:fillRect t="-3509"/>
+                </a:stretch>
+              </a:blipFill>
+            </p:spPr>
+            <p:txBody>
+              <a:bodyPr/>
+              <a:lstStyle/>
+              <a:p>
+                <a:r>
+                  <a:rPr lang="ja-JP" altLang="en-US">
+                    <a:noFill/>
+                  </a:rPr>
+                  <a:t> </a:t>
+                </a:r>
+              </a:p>
+            </p:txBody>
+          </p:sp>
+        </mc:Fallback>
+      </mc:AlternateContent>
+      <p:pic>
+        <p:nvPicPr>
+          <p:cNvPr id="15" name="図 14">
             <a:extLst>
               <a:ext uri="{FF2B5EF4-FFF2-40B4-BE49-F238E27FC236}">
-                <a16:creationId xmlns:a16="http://schemas.microsoft.com/office/drawing/2014/main" id="{D1E82227-0F0A-84B6-1B52-BBECB47410D8}"/>
+                <a16:creationId xmlns:a16="http://schemas.microsoft.com/office/drawing/2014/main" id="{5C5C2919-755E-E12B-9CF2-C7DDA3A9FA04}"/>
               </a:ext>
             </a:extLst>
           </p:cNvPr>
-          <p:cNvSpPr>
-            <a:spLocks noGrp="1"/>
-          </p:cNvSpPr>
-          <p:nvPr>
-            <p:ph idx="1"/>
-          </p:nvPr>
-        </p:nvSpPr>
-        <p:spPr/>
-        <p:txBody>
-          <a:bodyPr/>
-          <a:lstStyle/>
-          <a:p>
-            <a:endParaRPr kumimoji="1" lang="ja-JP" altLang="en-US"/>
-          </a:p>
-        </p:txBody>
-      </p:sp>
+          <p:cNvPicPr>
+            <a:picLocks noChangeAspect="1"/>
+          </p:cNvPicPr>
+          <p:nvPr/>
+        </p:nvPicPr>
+        <p:blipFill>
+          <a:blip r:embed="rId4"/>
+          <a:stretch>
+            <a:fillRect/>
+          </a:stretch>
+        </p:blipFill>
+        <p:spPr>
+          <a:xfrm>
+            <a:off x="793705" y="1934498"/>
+            <a:ext cx="2724530" cy="866896"/>
+          </a:xfrm>
+          <a:prstGeom prst="rect">
+            <a:avLst/>
+          </a:prstGeom>
+        </p:spPr>
+      </p:pic>
+      <mc:AlternateContent xmlns:mc="http://schemas.openxmlformats.org/markup-compatibility/2006">
+        <mc:Choice xmlns:a14="http://schemas.microsoft.com/office/drawing/2010/main" Requires="a14">
+          <p:sp>
+            <p:nvSpPr>
+              <p:cNvPr id="10" name="テキスト ボックス 9">
+                <a:extLst>
+                  <a:ext uri="{FF2B5EF4-FFF2-40B4-BE49-F238E27FC236}">
+                    <a16:creationId xmlns:a16="http://schemas.microsoft.com/office/drawing/2014/main" id="{8F08D863-E334-4C32-23F7-52071B5EEB19}"/>
+                  </a:ext>
+                </a:extLst>
+              </p:cNvPr>
+              <p:cNvSpPr txBox="1"/>
+              <p:nvPr/>
+            </p:nvSpPr>
+            <p:spPr>
+              <a:xfrm>
+                <a:off x="4244829" y="2273417"/>
+                <a:ext cx="3614451" cy="369332"/>
+              </a:xfrm>
+              <a:prstGeom prst="rect">
+                <a:avLst/>
+              </a:prstGeom>
+              <a:noFill/>
+            </p:spPr>
+            <p:txBody>
+              <a:bodyPr wrap="none" rtlCol="0">
+                <a:spAutoFit/>
+              </a:bodyPr>
+              <a:lstStyle/>
+              <a:p>
+                <a14:m>
+                  <m:oMath xmlns:m="http://schemas.openxmlformats.org/officeDocument/2006/math">
+                    <m:r>
+                      <a:rPr kumimoji="1" lang="en-US" altLang="ja-JP" b="0" i="1" smtClean="0">
+                        <a:latin typeface="Cambria Math" panose="02040503050406030204" pitchFamily="18" charset="0"/>
+                      </a:rPr>
+                      <m:t>𝑙</m:t>
+                    </m:r>
+                    <m:d>
+                      <m:dPr>
+                        <m:ctrlPr>
+                          <a:rPr kumimoji="1" lang="en-US" altLang="ja-JP" b="0" i="1" smtClean="0">
+                            <a:latin typeface="Cambria Math" panose="02040503050406030204" pitchFamily="18" charset="0"/>
+                          </a:rPr>
+                        </m:ctrlPr>
+                      </m:dPr>
+                      <m:e>
+                        <m:r>
+                          <a:rPr kumimoji="1" lang="en-US" altLang="ja-JP" b="0" i="1" smtClean="0">
+                            <a:latin typeface="Cambria Math" panose="02040503050406030204" pitchFamily="18" charset="0"/>
+                          </a:rPr>
+                          <m:t>𝑡</m:t>
+                        </m:r>
+                      </m:e>
+                    </m:d>
+                    <m:r>
+                      <a:rPr kumimoji="1" lang="en-US" altLang="ja-JP" b="0" i="1" smtClean="0">
+                        <a:latin typeface="Cambria Math" panose="02040503050406030204" pitchFamily="18" charset="0"/>
+                      </a:rPr>
+                      <m:t>;</m:t>
+                    </m:r>
+                  </m:oMath>
+                </a14:m>
+                <a:r>
+                  <a:rPr kumimoji="1" lang="ja-JP" altLang="en-US" dirty="0"/>
+                  <a:t>追従誤差ベクトルととらえる</a:t>
+                </a:r>
+                <a:endParaRPr kumimoji="1" lang="en-US" altLang="ja-JP" dirty="0"/>
+              </a:p>
+            </p:txBody>
+          </p:sp>
+        </mc:Choice>
+        <mc:Fallback>
+          <p:sp>
+            <p:nvSpPr>
+              <p:cNvPr id="10" name="テキスト ボックス 9">
+                <a:extLst>
+                  <a:ext uri="{FF2B5EF4-FFF2-40B4-BE49-F238E27FC236}">
+                    <a16:creationId xmlns:a16="http://schemas.microsoft.com/office/drawing/2014/main" id="{8F08D863-E334-4C32-23F7-52071B5EEB19}"/>
+                  </a:ext>
+                </a:extLst>
+              </p:cNvPr>
+              <p:cNvSpPr txBox="1">
+                <a:spLocks noRot="1" noChangeAspect="1" noMove="1" noResize="1" noEditPoints="1" noAdjustHandles="1" noChangeArrowheads="1" noChangeShapeType="1" noTextEdit="1"/>
+              </p:cNvSpPr>
+              <p:nvPr/>
+            </p:nvSpPr>
+            <p:spPr>
+              <a:xfrm>
+                <a:off x="4244829" y="2273417"/>
+                <a:ext cx="3614451" cy="369332"/>
+              </a:xfrm>
+              <a:prstGeom prst="rect">
+                <a:avLst/>
+              </a:prstGeom>
+              <a:blipFill>
+                <a:blip r:embed="rId5"/>
+                <a:stretch>
+                  <a:fillRect t="-9836" r="-1012" b="-24590"/>
+                </a:stretch>
+              </a:blipFill>
+            </p:spPr>
+            <p:txBody>
+              <a:bodyPr/>
+              <a:lstStyle/>
+              <a:p>
+                <a:r>
+                  <a:rPr lang="ja-JP" altLang="en-US">
+                    <a:noFill/>
+                  </a:rPr>
+                  <a:t> </a:t>
+                </a:r>
+              </a:p>
+            </p:txBody>
+          </p:sp>
+        </mc:Fallback>
+      </mc:AlternateContent>
     </p:spTree>
     <p:extLst>
       <p:ext uri="{BB962C8B-B14F-4D97-AF65-F5344CB8AC3E}">
-        <p14:creationId xmlns:p14="http://schemas.microsoft.com/office/powerpoint/2010/main" val="1502405430"/>
+        <p14:creationId xmlns:p14="http://schemas.microsoft.com/office/powerpoint/2010/main" val="663417985"/>
       </p:ext>
     </p:extLst>
   </p:cSld>
@@ -4120,7 +5795,10 @@
           <a:bodyPr/>
           <a:lstStyle/>
           <a:p>
-            <a:endParaRPr kumimoji="1" lang="ja-JP" altLang="en-US" dirty="0"/>
+            <a:r>
+              <a:rPr kumimoji="1" lang="ja-JP" altLang="en-US" dirty="0"/>
+              <a:t>制御入力の大きさ（スカラ量）</a:t>
+            </a:r>
           </a:p>
         </p:txBody>
       </p:sp>
@@ -4149,10 +5827,40 @@
           </a:p>
         </p:txBody>
       </p:sp>
+      <p:pic>
+        <p:nvPicPr>
+          <p:cNvPr id="5" name="図 4">
+            <a:extLst>
+              <a:ext uri="{FF2B5EF4-FFF2-40B4-BE49-F238E27FC236}">
+                <a16:creationId xmlns:a16="http://schemas.microsoft.com/office/drawing/2014/main" id="{78362179-F503-F9DB-8E4B-D25A1FE676C8}"/>
+              </a:ext>
+            </a:extLst>
+          </p:cNvPr>
+          <p:cNvPicPr>
+            <a:picLocks noChangeAspect="1"/>
+          </p:cNvPicPr>
+          <p:nvPr/>
+        </p:nvPicPr>
+        <p:blipFill>
+          <a:blip r:embed="rId2"/>
+          <a:stretch>
+            <a:fillRect/>
+          </a:stretch>
+        </p:blipFill>
+        <p:spPr>
+          <a:xfrm>
+            <a:off x="2461918" y="2981262"/>
+            <a:ext cx="4220164" cy="895475"/>
+          </a:xfrm>
+          <a:prstGeom prst="rect">
+            <a:avLst/>
+          </a:prstGeom>
+        </p:spPr>
+      </p:pic>
     </p:spTree>
     <p:extLst>
       <p:ext uri="{BB962C8B-B14F-4D97-AF65-F5344CB8AC3E}">
-        <p14:creationId xmlns:p14="http://schemas.microsoft.com/office/powerpoint/2010/main" val="3638954332"/>
+        <p14:creationId xmlns:p14="http://schemas.microsoft.com/office/powerpoint/2010/main" val="3719368253"/>
       </p:ext>
     </p:extLst>
   </p:cSld>
@@ -4232,7 +5940,825 @@
     </p:spTree>
     <p:extLst>
       <p:ext uri="{BB962C8B-B14F-4D97-AF65-F5344CB8AC3E}">
+        <p14:creationId xmlns:p14="http://schemas.microsoft.com/office/powerpoint/2010/main" val="1502405430"/>
+      </p:ext>
+    </p:extLst>
+  </p:cSld>
+  <p:clrMapOvr>
+    <a:masterClrMapping/>
+  </p:clrMapOvr>
+</p:sld>
+</file>
+
+<file path=ppt/slides/slide15.xml><?xml version="1.0" encoding="utf-8"?>
+<p:sld xmlns:a="http://schemas.openxmlformats.org/drawingml/2006/main" xmlns:r="http://schemas.openxmlformats.org/officeDocument/2006/relationships" xmlns:p="http://schemas.openxmlformats.org/presentationml/2006/main">
+  <p:cSld>
+    <p:spTree>
+      <p:nvGrpSpPr>
+        <p:cNvPr id="1" name=""/>
+        <p:cNvGrpSpPr/>
+        <p:nvPr/>
+      </p:nvGrpSpPr>
+      <p:grpSpPr>
+        <a:xfrm>
+          <a:off x="0" y="0"/>
+          <a:ext cx="0" cy="0"/>
+          <a:chOff x="0" y="0"/>
+          <a:chExt cx="0" cy="0"/>
+        </a:xfrm>
+      </p:grpSpPr>
+      <p:sp>
+        <p:nvSpPr>
+          <p:cNvPr id="2" name="コンテンツ プレースホルダー 1">
+            <a:extLst>
+              <a:ext uri="{FF2B5EF4-FFF2-40B4-BE49-F238E27FC236}">
+                <a16:creationId xmlns:a16="http://schemas.microsoft.com/office/drawing/2014/main" id="{57A7E8FD-000F-3C65-75A5-05B6A03189DB}"/>
+              </a:ext>
+            </a:extLst>
+          </p:cNvPr>
+          <p:cNvSpPr>
+            <a:spLocks noGrp="1"/>
+          </p:cNvSpPr>
+          <p:nvPr>
+            <p:ph idx="1"/>
+          </p:nvPr>
+        </p:nvSpPr>
+        <p:spPr/>
+        <p:txBody>
+          <a:bodyPr/>
+          <a:lstStyle/>
+          <a:p>
+            <a:r>
+              <a:rPr lang="ja-JP" altLang="en-US" dirty="0">
+                <a:solidFill>
+                  <a:schemeClr val="bg2">
+                    <a:lumMod val="90000"/>
+                  </a:schemeClr>
+                </a:solidFill>
+              </a:rPr>
+              <a:t>前回の振り返り</a:t>
+            </a:r>
+            <a:endParaRPr lang="en-US" altLang="ja-JP" dirty="0">
+              <a:solidFill>
+                <a:schemeClr val="bg2">
+                  <a:lumMod val="90000"/>
+                </a:schemeClr>
+              </a:solidFill>
+            </a:endParaRPr>
+          </a:p>
+          <a:p>
+            <a:r>
+              <a:rPr lang="en-US" altLang="ja-JP" dirty="0">
+                <a:solidFill>
+                  <a:schemeClr val="bg2">
+                    <a:lumMod val="90000"/>
+                  </a:schemeClr>
+                </a:solidFill>
+              </a:rPr>
+              <a:t>LOS</a:t>
+            </a:r>
+            <a:r>
+              <a:rPr lang="ja-JP" altLang="en-US" dirty="0">
+                <a:solidFill>
+                  <a:schemeClr val="bg2">
+                    <a:lumMod val="90000"/>
+                  </a:schemeClr>
+                </a:solidFill>
+              </a:rPr>
+              <a:t>誘導によるリーダーフォロワー制御に関する理解</a:t>
+            </a:r>
+            <a:endParaRPr lang="en-US" altLang="ja-JP" dirty="0">
+              <a:solidFill>
+                <a:schemeClr val="bg2">
+                  <a:lumMod val="90000"/>
+                </a:schemeClr>
+              </a:solidFill>
+            </a:endParaRPr>
+          </a:p>
+          <a:p>
+            <a:r>
+              <a:rPr lang="en-US" altLang="ja-JP" dirty="0"/>
+              <a:t>MATLAB + </a:t>
+            </a:r>
+            <a:r>
+              <a:rPr lang="en-US" altLang="ja-JP" dirty="0" err="1"/>
+              <a:t>CoppeliaSim</a:t>
+            </a:r>
+            <a:r>
+              <a:rPr lang="ja-JP" altLang="en-US" dirty="0"/>
+              <a:t>環境構築</a:t>
+            </a:r>
+            <a:endParaRPr lang="en-US" altLang="ja-JP" dirty="0"/>
+          </a:p>
+          <a:p>
+            <a:r>
+              <a:rPr lang="en-US" altLang="ja-JP" dirty="0">
+                <a:solidFill>
+                  <a:schemeClr val="bg2">
+                    <a:lumMod val="90000"/>
+                  </a:schemeClr>
+                </a:solidFill>
+              </a:rPr>
+              <a:t>Python</a:t>
+            </a:r>
+            <a:r>
+              <a:rPr lang="ja-JP" altLang="en-US" dirty="0">
+                <a:solidFill>
+                  <a:schemeClr val="bg2">
+                    <a:lumMod val="90000"/>
+                  </a:schemeClr>
+                </a:solidFill>
+              </a:rPr>
+              <a:t>と</a:t>
+            </a:r>
+            <a:r>
+              <a:rPr lang="en-US" altLang="ja-JP" dirty="0" err="1">
+                <a:solidFill>
+                  <a:schemeClr val="bg2">
+                    <a:lumMod val="90000"/>
+                  </a:schemeClr>
+                </a:solidFill>
+              </a:rPr>
+              <a:t>CoppeliaSim</a:t>
+            </a:r>
+            <a:r>
+              <a:rPr lang="ja-JP" altLang="en-US" dirty="0">
+                <a:solidFill>
+                  <a:schemeClr val="bg2">
+                    <a:lumMod val="90000"/>
+                  </a:schemeClr>
+                </a:solidFill>
+              </a:rPr>
+              <a:t>の連携</a:t>
+            </a:r>
+            <a:endParaRPr lang="en-US" altLang="ja-JP" dirty="0">
+              <a:solidFill>
+                <a:schemeClr val="bg2">
+                  <a:lumMod val="90000"/>
+                </a:schemeClr>
+              </a:solidFill>
+            </a:endParaRPr>
+          </a:p>
+          <a:p>
+            <a:r>
+              <a:rPr lang="ja-JP" altLang="en-US" dirty="0">
+                <a:solidFill>
+                  <a:schemeClr val="bg2">
+                    <a:lumMod val="90000"/>
+                  </a:schemeClr>
+                </a:solidFill>
+              </a:rPr>
+              <a:t>今後のアクション</a:t>
+            </a:r>
+            <a:endParaRPr lang="en-US" altLang="ja-JP" dirty="0">
+              <a:solidFill>
+                <a:schemeClr val="bg2">
+                  <a:lumMod val="90000"/>
+                </a:schemeClr>
+              </a:solidFill>
+            </a:endParaRPr>
+          </a:p>
+          <a:p>
+            <a:endParaRPr lang="en-US" altLang="ja-JP" dirty="0"/>
+          </a:p>
+          <a:p>
+            <a:endParaRPr kumimoji="1" lang="en-US" altLang="ja-JP" dirty="0"/>
+          </a:p>
+          <a:p>
+            <a:endParaRPr kumimoji="1" lang="ja-JP" altLang="en-US" dirty="0"/>
+          </a:p>
+        </p:txBody>
+      </p:sp>
+    </p:spTree>
+    <p:extLst>
+      <p:ext uri="{BB962C8B-B14F-4D97-AF65-F5344CB8AC3E}">
+        <p14:creationId xmlns:p14="http://schemas.microsoft.com/office/powerpoint/2010/main" val="1994696608"/>
+      </p:ext>
+    </p:extLst>
+  </p:cSld>
+  <p:clrMapOvr>
+    <a:masterClrMapping/>
+  </p:clrMapOvr>
+</p:sld>
+</file>
+
+<file path=ppt/slides/slide16.xml><?xml version="1.0" encoding="utf-8"?>
+<p:sld xmlns:a="http://schemas.openxmlformats.org/drawingml/2006/main" xmlns:r="http://schemas.openxmlformats.org/officeDocument/2006/relationships" xmlns:p="http://schemas.openxmlformats.org/presentationml/2006/main">
+  <p:cSld>
+    <p:spTree>
+      <p:nvGrpSpPr>
+        <p:cNvPr id="1" name=""/>
+        <p:cNvGrpSpPr/>
+        <p:nvPr/>
+      </p:nvGrpSpPr>
+      <p:grpSpPr>
+        <a:xfrm>
+          <a:off x="0" y="0"/>
+          <a:ext cx="0" cy="0"/>
+          <a:chOff x="0" y="0"/>
+          <a:chExt cx="0" cy="0"/>
+        </a:xfrm>
+      </p:grpSpPr>
+      <p:sp>
+        <p:nvSpPr>
+          <p:cNvPr id="2" name="タイトル 1">
+            <a:extLst>
+              <a:ext uri="{FF2B5EF4-FFF2-40B4-BE49-F238E27FC236}">
+                <a16:creationId xmlns:a16="http://schemas.microsoft.com/office/drawing/2014/main" id="{8546EC9C-6F23-D218-F15E-F9E718957547}"/>
+              </a:ext>
+            </a:extLst>
+          </p:cNvPr>
+          <p:cNvSpPr>
+            <a:spLocks noGrp="1"/>
+          </p:cNvSpPr>
+          <p:nvPr>
+            <p:ph type="title"/>
+          </p:nvPr>
+        </p:nvSpPr>
+        <p:spPr/>
+        <p:txBody>
+          <a:bodyPr/>
+          <a:lstStyle/>
+          <a:p>
+            <a:r>
+              <a:rPr kumimoji="1" lang="en-US" altLang="ja-JP" dirty="0"/>
+              <a:t>MATLAB + </a:t>
+            </a:r>
+            <a:r>
+              <a:rPr kumimoji="1" lang="en-US" altLang="ja-JP" dirty="0" err="1"/>
+              <a:t>CoppeliaSim</a:t>
+            </a:r>
+            <a:endParaRPr kumimoji="1" lang="ja-JP" altLang="en-US" dirty="0"/>
+          </a:p>
+        </p:txBody>
+      </p:sp>
+      <p:sp>
+        <p:nvSpPr>
+          <p:cNvPr id="3" name="コンテンツ プレースホルダー 2">
+            <a:extLst>
+              <a:ext uri="{FF2B5EF4-FFF2-40B4-BE49-F238E27FC236}">
+                <a16:creationId xmlns:a16="http://schemas.microsoft.com/office/drawing/2014/main" id="{D1E82227-0F0A-84B6-1B52-BBECB47410D8}"/>
+              </a:ext>
+            </a:extLst>
+          </p:cNvPr>
+          <p:cNvSpPr>
+            <a:spLocks noGrp="1"/>
+          </p:cNvSpPr>
+          <p:nvPr>
+            <p:ph idx="1"/>
+          </p:nvPr>
+        </p:nvSpPr>
+        <p:spPr/>
+        <p:txBody>
+          <a:bodyPr/>
+          <a:lstStyle/>
+          <a:p>
+            <a:r>
+              <a:rPr kumimoji="1" lang="en-US" altLang="ja-JP" dirty="0" err="1"/>
+              <a:t>CoppeliaSim</a:t>
+            </a:r>
+            <a:r>
+              <a:rPr kumimoji="1" lang="ja-JP" altLang="en-US" dirty="0"/>
+              <a:t>側の</a:t>
+            </a:r>
+            <a:r>
+              <a:rPr kumimoji="1" lang="en-US" altLang="ja-JP" dirty="0"/>
+              <a:t>LiDAR</a:t>
+            </a:r>
+            <a:r>
+              <a:rPr kumimoji="1" lang="ja-JP" altLang="en-US" dirty="0"/>
+              <a:t>センサデータ授受に</a:t>
+            </a:r>
+            <a:br>
+              <a:rPr kumimoji="1" lang="en-US" altLang="ja-JP" dirty="0"/>
+            </a:br>
+            <a:r>
+              <a:rPr kumimoji="1" lang="ja-JP" altLang="en-US" dirty="0"/>
+              <a:t>関するスクリプトに問題があった</a:t>
+            </a:r>
+            <a:br>
+              <a:rPr kumimoji="1" lang="en-US" altLang="ja-JP" dirty="0"/>
+            </a:br>
+            <a:r>
+              <a:rPr kumimoji="1" lang="ja-JP" altLang="en-US" dirty="0"/>
+              <a:t>（</a:t>
+            </a:r>
+            <a:r>
+              <a:rPr kumimoji="1" lang="en-US" altLang="ja-JP" dirty="0"/>
+              <a:t>Slack</a:t>
+            </a:r>
+            <a:r>
+              <a:rPr kumimoji="1" lang="ja-JP" altLang="en-US" dirty="0"/>
+              <a:t>参照）</a:t>
+            </a:r>
+            <a:br>
+              <a:rPr kumimoji="1" lang="en-US" altLang="ja-JP" dirty="0"/>
+            </a:br>
+            <a:r>
+              <a:rPr kumimoji="1" lang="ja-JP" altLang="en-US" dirty="0"/>
+              <a:t>センサにアタッチされている</a:t>
+            </a:r>
+            <a:r>
+              <a:rPr kumimoji="1" lang="en-US" altLang="ja-JP" dirty="0"/>
+              <a:t>Lua</a:t>
+            </a:r>
+            <a:r>
+              <a:rPr kumimoji="1" lang="ja-JP" altLang="en-US" dirty="0"/>
+              <a:t>スクリプト</a:t>
+            </a:r>
+            <a:br>
+              <a:rPr kumimoji="1" lang="en-US" altLang="ja-JP" dirty="0"/>
+            </a:br>
+            <a:r>
+              <a:rPr kumimoji="1" lang="ja-JP" altLang="en-US" dirty="0"/>
+              <a:t>を編集することで卒論環境の追試に成功</a:t>
+            </a:r>
+          </a:p>
+        </p:txBody>
+      </p:sp>
+    </p:spTree>
+    <p:extLst>
+      <p:ext uri="{BB962C8B-B14F-4D97-AF65-F5344CB8AC3E}">
+        <p14:creationId xmlns:p14="http://schemas.microsoft.com/office/powerpoint/2010/main" val="3638954332"/>
+      </p:ext>
+    </p:extLst>
+  </p:cSld>
+  <p:clrMapOvr>
+    <a:masterClrMapping/>
+  </p:clrMapOvr>
+</p:sld>
+</file>
+
+<file path=ppt/slides/slide17.xml><?xml version="1.0" encoding="utf-8"?>
+<p:sld xmlns:a="http://schemas.openxmlformats.org/drawingml/2006/main" xmlns:r="http://schemas.openxmlformats.org/officeDocument/2006/relationships" xmlns:p="http://schemas.openxmlformats.org/presentationml/2006/main">
+  <p:cSld>
+    <p:spTree>
+      <p:nvGrpSpPr>
+        <p:cNvPr id="1" name=""/>
+        <p:cNvGrpSpPr/>
+        <p:nvPr/>
+      </p:nvGrpSpPr>
+      <p:grpSpPr>
+        <a:xfrm>
+          <a:off x="0" y="0"/>
+          <a:ext cx="0" cy="0"/>
+          <a:chOff x="0" y="0"/>
+          <a:chExt cx="0" cy="0"/>
+        </a:xfrm>
+      </p:grpSpPr>
+      <p:sp>
+        <p:nvSpPr>
+          <p:cNvPr id="2" name="コンテンツ プレースホルダー 1">
+            <a:extLst>
+              <a:ext uri="{FF2B5EF4-FFF2-40B4-BE49-F238E27FC236}">
+                <a16:creationId xmlns:a16="http://schemas.microsoft.com/office/drawing/2014/main" id="{57A7E8FD-000F-3C65-75A5-05B6A03189DB}"/>
+              </a:ext>
+            </a:extLst>
+          </p:cNvPr>
+          <p:cNvSpPr>
+            <a:spLocks noGrp="1"/>
+          </p:cNvSpPr>
+          <p:nvPr>
+            <p:ph idx="1"/>
+          </p:nvPr>
+        </p:nvSpPr>
+        <p:spPr/>
+        <p:txBody>
+          <a:bodyPr/>
+          <a:lstStyle/>
+          <a:p>
+            <a:r>
+              <a:rPr lang="ja-JP" altLang="en-US" dirty="0">
+                <a:solidFill>
+                  <a:schemeClr val="bg2">
+                    <a:lumMod val="90000"/>
+                  </a:schemeClr>
+                </a:solidFill>
+              </a:rPr>
+              <a:t>前回の振り返り</a:t>
+            </a:r>
+            <a:endParaRPr lang="en-US" altLang="ja-JP" dirty="0">
+              <a:solidFill>
+                <a:schemeClr val="bg2">
+                  <a:lumMod val="90000"/>
+                </a:schemeClr>
+              </a:solidFill>
+            </a:endParaRPr>
+          </a:p>
+          <a:p>
+            <a:r>
+              <a:rPr lang="en-US" altLang="ja-JP" dirty="0">
+                <a:solidFill>
+                  <a:schemeClr val="bg2">
+                    <a:lumMod val="90000"/>
+                  </a:schemeClr>
+                </a:solidFill>
+              </a:rPr>
+              <a:t>LOS</a:t>
+            </a:r>
+            <a:r>
+              <a:rPr lang="ja-JP" altLang="en-US" dirty="0">
+                <a:solidFill>
+                  <a:schemeClr val="bg2">
+                    <a:lumMod val="90000"/>
+                  </a:schemeClr>
+                </a:solidFill>
+              </a:rPr>
+              <a:t>誘導によるリーダーフォロワー制御に関する理解</a:t>
+            </a:r>
+            <a:endParaRPr lang="en-US" altLang="ja-JP" dirty="0">
+              <a:solidFill>
+                <a:schemeClr val="bg2">
+                  <a:lumMod val="90000"/>
+                </a:schemeClr>
+              </a:solidFill>
+            </a:endParaRPr>
+          </a:p>
+          <a:p>
+            <a:r>
+              <a:rPr lang="en-US" altLang="ja-JP" dirty="0">
+                <a:solidFill>
+                  <a:schemeClr val="bg2">
+                    <a:lumMod val="90000"/>
+                  </a:schemeClr>
+                </a:solidFill>
+              </a:rPr>
+              <a:t>MATLAB + </a:t>
+            </a:r>
+            <a:r>
+              <a:rPr lang="en-US" altLang="ja-JP" dirty="0" err="1">
+                <a:solidFill>
+                  <a:schemeClr val="bg2">
+                    <a:lumMod val="90000"/>
+                  </a:schemeClr>
+                </a:solidFill>
+              </a:rPr>
+              <a:t>CoppeliaSim</a:t>
+            </a:r>
+            <a:r>
+              <a:rPr lang="ja-JP" altLang="en-US" dirty="0">
+                <a:solidFill>
+                  <a:schemeClr val="bg2">
+                    <a:lumMod val="90000"/>
+                  </a:schemeClr>
+                </a:solidFill>
+              </a:rPr>
+              <a:t>環境構築</a:t>
+            </a:r>
+            <a:endParaRPr lang="en-US" altLang="ja-JP" dirty="0">
+              <a:solidFill>
+                <a:schemeClr val="bg2">
+                  <a:lumMod val="90000"/>
+                </a:schemeClr>
+              </a:solidFill>
+            </a:endParaRPr>
+          </a:p>
+          <a:p>
+            <a:r>
+              <a:rPr lang="en-US" altLang="ja-JP" dirty="0"/>
+              <a:t>Python</a:t>
+            </a:r>
+            <a:r>
+              <a:rPr lang="ja-JP" altLang="en-US" dirty="0"/>
+              <a:t>と</a:t>
+            </a:r>
+            <a:r>
+              <a:rPr lang="en-US" altLang="ja-JP" dirty="0" err="1"/>
+              <a:t>CoppeliaSim</a:t>
+            </a:r>
+            <a:r>
+              <a:rPr lang="ja-JP" altLang="en-US" dirty="0"/>
+              <a:t>の連携</a:t>
+            </a:r>
+            <a:endParaRPr lang="en-US" altLang="ja-JP" dirty="0"/>
+          </a:p>
+          <a:p>
+            <a:r>
+              <a:rPr lang="ja-JP" altLang="en-US" dirty="0">
+                <a:solidFill>
+                  <a:schemeClr val="bg2">
+                    <a:lumMod val="90000"/>
+                  </a:schemeClr>
+                </a:solidFill>
+              </a:rPr>
+              <a:t>今後のアクション</a:t>
+            </a:r>
+            <a:endParaRPr lang="en-US" altLang="ja-JP" dirty="0">
+              <a:solidFill>
+                <a:schemeClr val="bg2">
+                  <a:lumMod val="90000"/>
+                </a:schemeClr>
+              </a:solidFill>
+            </a:endParaRPr>
+          </a:p>
+          <a:p>
+            <a:endParaRPr lang="en-US" altLang="ja-JP" dirty="0"/>
+          </a:p>
+          <a:p>
+            <a:endParaRPr kumimoji="1" lang="en-US" altLang="ja-JP" dirty="0"/>
+          </a:p>
+          <a:p>
+            <a:endParaRPr kumimoji="1" lang="ja-JP" altLang="en-US" dirty="0"/>
+          </a:p>
+        </p:txBody>
+      </p:sp>
+    </p:spTree>
+    <p:extLst>
+      <p:ext uri="{BB962C8B-B14F-4D97-AF65-F5344CB8AC3E}">
+        <p14:creationId xmlns:p14="http://schemas.microsoft.com/office/powerpoint/2010/main" val="500092297"/>
+      </p:ext>
+    </p:extLst>
+  </p:cSld>
+  <p:clrMapOvr>
+    <a:masterClrMapping/>
+  </p:clrMapOvr>
+</p:sld>
+</file>
+
+<file path=ppt/slides/slide18.xml><?xml version="1.0" encoding="utf-8"?>
+<p:sld xmlns:a="http://schemas.openxmlformats.org/drawingml/2006/main" xmlns:r="http://schemas.openxmlformats.org/officeDocument/2006/relationships" xmlns:p="http://schemas.openxmlformats.org/presentationml/2006/main">
+  <p:cSld>
+    <p:spTree>
+      <p:nvGrpSpPr>
+        <p:cNvPr id="1" name=""/>
+        <p:cNvGrpSpPr/>
+        <p:nvPr/>
+      </p:nvGrpSpPr>
+      <p:grpSpPr>
+        <a:xfrm>
+          <a:off x="0" y="0"/>
+          <a:ext cx="0" cy="0"/>
+          <a:chOff x="0" y="0"/>
+          <a:chExt cx="0" cy="0"/>
+        </a:xfrm>
+      </p:grpSpPr>
+      <p:sp>
+        <p:nvSpPr>
+          <p:cNvPr id="2" name="タイトル 1">
+            <a:extLst>
+              <a:ext uri="{FF2B5EF4-FFF2-40B4-BE49-F238E27FC236}">
+                <a16:creationId xmlns:a16="http://schemas.microsoft.com/office/drawing/2014/main" id="{8546EC9C-6F23-D218-F15E-F9E718957547}"/>
+              </a:ext>
+            </a:extLst>
+          </p:cNvPr>
+          <p:cNvSpPr>
+            <a:spLocks noGrp="1"/>
+          </p:cNvSpPr>
+          <p:nvPr>
+            <p:ph type="title"/>
+          </p:nvPr>
+        </p:nvSpPr>
+        <p:spPr/>
+        <p:txBody>
+          <a:bodyPr/>
+          <a:lstStyle/>
+          <a:p>
+            <a:r>
+              <a:rPr kumimoji="1" lang="en-US" altLang="ja-JP" dirty="0"/>
+              <a:t>Python API</a:t>
+            </a:r>
+            <a:r>
+              <a:rPr kumimoji="1" lang="ja-JP" altLang="en-US" dirty="0"/>
+              <a:t>の選定</a:t>
+            </a:r>
+          </a:p>
+        </p:txBody>
+      </p:sp>
+      <p:sp>
+        <p:nvSpPr>
+          <p:cNvPr id="3" name="コンテンツ プレースホルダー 2">
+            <a:extLst>
+              <a:ext uri="{FF2B5EF4-FFF2-40B4-BE49-F238E27FC236}">
+                <a16:creationId xmlns:a16="http://schemas.microsoft.com/office/drawing/2014/main" id="{D1E82227-0F0A-84B6-1B52-BBECB47410D8}"/>
+              </a:ext>
+            </a:extLst>
+          </p:cNvPr>
+          <p:cNvSpPr>
+            <a:spLocks noGrp="1"/>
+          </p:cNvSpPr>
+          <p:nvPr>
+            <p:ph idx="1"/>
+          </p:nvPr>
+        </p:nvSpPr>
+        <p:spPr/>
+        <p:txBody>
+          <a:bodyPr/>
+          <a:lstStyle/>
+          <a:p>
+            <a:r>
+              <a:rPr lang="ja-JP" altLang="en-US" dirty="0"/>
+              <a:t>シミュレータと外部スクリプトを連携させるには</a:t>
+            </a:r>
+            <a:r>
+              <a:rPr lang="en-US" altLang="ja-JP" dirty="0"/>
+              <a:t>API</a:t>
+            </a:r>
+            <a:r>
+              <a:rPr lang="ja-JP" altLang="en-US" dirty="0"/>
+              <a:t>を用いる必要がある</a:t>
+            </a:r>
+            <a:endParaRPr lang="en-US" altLang="ja-JP" dirty="0"/>
+          </a:p>
+          <a:p>
+            <a:endParaRPr kumimoji="1" lang="en-US" altLang="ja-JP" dirty="0"/>
+          </a:p>
+          <a:p>
+            <a:r>
+              <a:rPr kumimoji="1" lang="en-US" altLang="ja-JP" dirty="0" err="1"/>
+              <a:t>CoppeliaSim</a:t>
+            </a:r>
+            <a:r>
+              <a:rPr lang="ja-JP" altLang="en-US" dirty="0"/>
+              <a:t>は主に</a:t>
+            </a:r>
+            <a:r>
+              <a:rPr lang="en-US" altLang="ja-JP" dirty="0"/>
+              <a:t>2</a:t>
+            </a:r>
+            <a:r>
+              <a:rPr lang="ja-JP" altLang="en-US" dirty="0"/>
+              <a:t>つの</a:t>
+            </a:r>
+            <a:r>
+              <a:rPr lang="en-US" altLang="ja-JP" dirty="0"/>
+              <a:t>Remote API</a:t>
+            </a:r>
+            <a:r>
+              <a:rPr lang="ja-JP" altLang="en-US" dirty="0"/>
+              <a:t>を提供</a:t>
+            </a:r>
+            <a:endParaRPr lang="en-US" altLang="ja-JP" dirty="0"/>
+          </a:p>
+          <a:p>
+            <a:pPr lvl="1"/>
+            <a:r>
+              <a:rPr kumimoji="1" lang="en-US" altLang="ja-JP" dirty="0"/>
+              <a:t>Zero MQ Remote API</a:t>
+            </a:r>
+          </a:p>
+          <a:p>
+            <a:pPr lvl="1"/>
+            <a:r>
+              <a:rPr lang="ja-JP" altLang="en-US" dirty="0"/>
+              <a:t>レガシー </a:t>
+            </a:r>
+            <a:r>
+              <a:rPr lang="en-US" altLang="ja-JP" dirty="0"/>
+              <a:t>Remote API</a:t>
+            </a:r>
+            <a:endParaRPr kumimoji="1" lang="ja-JP" altLang="en-US" dirty="0"/>
+          </a:p>
+        </p:txBody>
+      </p:sp>
+      <p:sp>
+        <p:nvSpPr>
+          <p:cNvPr id="4" name="四角形: 角を丸くする 3">
+            <a:extLst>
+              <a:ext uri="{FF2B5EF4-FFF2-40B4-BE49-F238E27FC236}">
+                <a16:creationId xmlns:a16="http://schemas.microsoft.com/office/drawing/2014/main" id="{D04337F3-C9CC-062A-C56A-439216722D23}"/>
+              </a:ext>
+            </a:extLst>
+          </p:cNvPr>
+          <p:cNvSpPr/>
+          <p:nvPr/>
+        </p:nvSpPr>
+        <p:spPr>
+          <a:xfrm>
+            <a:off x="1403776" y="5565298"/>
+            <a:ext cx="6022944" cy="914400"/>
+          </a:xfrm>
+          <a:prstGeom prst="roundRect">
+            <a:avLst/>
+          </a:prstGeom>
+          <a:noFill/>
+          <a:ln w="38100" cap="flat" cmpd="sng" algn="ctr">
+            <a:solidFill>
+              <a:schemeClr val="accent4"/>
+            </a:solidFill>
+            <a:prstDash val="solid"/>
+            <a:round/>
+            <a:headEnd type="none" w="med" len="med"/>
+            <a:tailEnd type="none" w="med" len="med"/>
+          </a:ln>
+        </p:spPr>
+        <p:style>
+          <a:lnRef idx="0">
+            <a:scrgbClr r="0" g="0" b="0"/>
+          </a:lnRef>
+          <a:fillRef idx="0">
+            <a:scrgbClr r="0" g="0" b="0"/>
+          </a:fillRef>
+          <a:effectRef idx="0">
+            <a:scrgbClr r="0" g="0" b="0"/>
+          </a:effectRef>
+          <a:fontRef idx="minor">
+            <a:schemeClr val="accent4"/>
+          </a:fontRef>
+        </p:style>
+        <p:txBody>
+          <a:bodyPr rtlCol="0" anchor="ctr"/>
+          <a:lstStyle/>
+          <a:p>
+            <a:pPr algn="ctr"/>
+            <a:r>
+              <a:rPr kumimoji="1" lang="ja-JP" altLang="en-US" sz="2800" dirty="0"/>
+              <a:t>高度な機能を提供する</a:t>
+            </a:r>
+            <a:r>
+              <a:rPr kumimoji="1" lang="en-US" altLang="ja-JP" sz="2800" dirty="0"/>
+              <a:t>Zero MQ Remote API</a:t>
+            </a:r>
+            <a:r>
+              <a:rPr kumimoji="1" lang="ja-JP" altLang="en-US" sz="2800" dirty="0"/>
+              <a:t>が推奨</a:t>
+            </a:r>
+          </a:p>
+        </p:txBody>
+      </p:sp>
+    </p:spTree>
+    <p:extLst>
+      <p:ext uri="{BB962C8B-B14F-4D97-AF65-F5344CB8AC3E}">
         <p14:creationId xmlns:p14="http://schemas.microsoft.com/office/powerpoint/2010/main" val="1796869063"/>
+      </p:ext>
+    </p:extLst>
+  </p:cSld>
+  <p:clrMapOvr>
+    <a:masterClrMapping/>
+  </p:clrMapOvr>
+</p:sld>
+</file>
+
+<file path=ppt/slides/slide19.xml><?xml version="1.0" encoding="utf-8"?>
+<p:sld xmlns:a="http://schemas.openxmlformats.org/drawingml/2006/main" xmlns:r="http://schemas.openxmlformats.org/officeDocument/2006/relationships" xmlns:p="http://schemas.openxmlformats.org/presentationml/2006/main">
+  <p:cSld>
+    <p:spTree>
+      <p:nvGrpSpPr>
+        <p:cNvPr id="1" name=""/>
+        <p:cNvGrpSpPr/>
+        <p:nvPr/>
+      </p:nvGrpSpPr>
+      <p:grpSpPr>
+        <a:xfrm>
+          <a:off x="0" y="0"/>
+          <a:ext cx="0" cy="0"/>
+          <a:chOff x="0" y="0"/>
+          <a:chExt cx="0" cy="0"/>
+        </a:xfrm>
+      </p:grpSpPr>
+      <p:sp>
+        <p:nvSpPr>
+          <p:cNvPr id="2" name="タイトル 1">
+            <a:extLst>
+              <a:ext uri="{FF2B5EF4-FFF2-40B4-BE49-F238E27FC236}">
+                <a16:creationId xmlns:a16="http://schemas.microsoft.com/office/drawing/2014/main" id="{8546EC9C-6F23-D218-F15E-F9E718957547}"/>
+              </a:ext>
+            </a:extLst>
+          </p:cNvPr>
+          <p:cNvSpPr>
+            <a:spLocks noGrp="1"/>
+          </p:cNvSpPr>
+          <p:nvPr>
+            <p:ph type="title"/>
+          </p:nvPr>
+        </p:nvSpPr>
+        <p:spPr/>
+        <p:txBody>
+          <a:bodyPr/>
+          <a:lstStyle/>
+          <a:p>
+            <a:endParaRPr kumimoji="1" lang="ja-JP" altLang="en-US" dirty="0"/>
+          </a:p>
+        </p:txBody>
+      </p:sp>
+      <p:sp>
+        <p:nvSpPr>
+          <p:cNvPr id="3" name="コンテンツ プレースホルダー 2">
+            <a:extLst>
+              <a:ext uri="{FF2B5EF4-FFF2-40B4-BE49-F238E27FC236}">
+                <a16:creationId xmlns:a16="http://schemas.microsoft.com/office/drawing/2014/main" id="{D1E82227-0F0A-84B6-1B52-BBECB47410D8}"/>
+              </a:ext>
+            </a:extLst>
+          </p:cNvPr>
+          <p:cNvSpPr>
+            <a:spLocks noGrp="1"/>
+          </p:cNvSpPr>
+          <p:nvPr>
+            <p:ph idx="1"/>
+          </p:nvPr>
+        </p:nvSpPr>
+        <p:spPr/>
+        <p:txBody>
+          <a:bodyPr/>
+          <a:lstStyle/>
+          <a:p>
+            <a:endParaRPr kumimoji="1" lang="ja-JP" altLang="en-US"/>
+          </a:p>
+        </p:txBody>
+      </p:sp>
+    </p:spTree>
+    <p:extLst>
+      <p:ext uri="{BB962C8B-B14F-4D97-AF65-F5344CB8AC3E}">
+        <p14:creationId xmlns:p14="http://schemas.microsoft.com/office/powerpoint/2010/main" val="2186478647"/>
       </p:ext>
     </p:extLst>
   </p:cSld>
@@ -4362,7 +6888,1049 @@
 </p:sld>
 </file>
 
+<file path=ppt/slides/slide20.xml><?xml version="1.0" encoding="utf-8"?>
+<p:sld xmlns:a="http://schemas.openxmlformats.org/drawingml/2006/main" xmlns:r="http://schemas.openxmlformats.org/officeDocument/2006/relationships" xmlns:p="http://schemas.openxmlformats.org/presentationml/2006/main">
+  <p:cSld>
+    <p:spTree>
+      <p:nvGrpSpPr>
+        <p:cNvPr id="1" name=""/>
+        <p:cNvGrpSpPr/>
+        <p:nvPr/>
+      </p:nvGrpSpPr>
+      <p:grpSpPr>
+        <a:xfrm>
+          <a:off x="0" y="0"/>
+          <a:ext cx="0" cy="0"/>
+          <a:chOff x="0" y="0"/>
+          <a:chExt cx="0" cy="0"/>
+        </a:xfrm>
+      </p:grpSpPr>
+      <p:sp>
+        <p:nvSpPr>
+          <p:cNvPr id="2" name="タイトル 1">
+            <a:extLst>
+              <a:ext uri="{FF2B5EF4-FFF2-40B4-BE49-F238E27FC236}">
+                <a16:creationId xmlns:a16="http://schemas.microsoft.com/office/drawing/2014/main" id="{8546EC9C-6F23-D218-F15E-F9E718957547}"/>
+              </a:ext>
+            </a:extLst>
+          </p:cNvPr>
+          <p:cNvSpPr>
+            <a:spLocks noGrp="1"/>
+          </p:cNvSpPr>
+          <p:nvPr>
+            <p:ph type="title"/>
+          </p:nvPr>
+        </p:nvSpPr>
+        <p:spPr/>
+        <p:txBody>
+          <a:bodyPr/>
+          <a:lstStyle/>
+          <a:p>
+            <a:endParaRPr kumimoji="1" lang="ja-JP" altLang="en-US" dirty="0"/>
+          </a:p>
+        </p:txBody>
+      </p:sp>
+      <p:sp>
+        <p:nvSpPr>
+          <p:cNvPr id="3" name="コンテンツ プレースホルダー 2">
+            <a:extLst>
+              <a:ext uri="{FF2B5EF4-FFF2-40B4-BE49-F238E27FC236}">
+                <a16:creationId xmlns:a16="http://schemas.microsoft.com/office/drawing/2014/main" id="{D1E82227-0F0A-84B6-1B52-BBECB47410D8}"/>
+              </a:ext>
+            </a:extLst>
+          </p:cNvPr>
+          <p:cNvSpPr>
+            <a:spLocks noGrp="1"/>
+          </p:cNvSpPr>
+          <p:nvPr>
+            <p:ph idx="1"/>
+          </p:nvPr>
+        </p:nvSpPr>
+        <p:spPr/>
+        <p:txBody>
+          <a:bodyPr/>
+          <a:lstStyle/>
+          <a:p>
+            <a:endParaRPr kumimoji="1" lang="ja-JP" altLang="en-US"/>
+          </a:p>
+        </p:txBody>
+      </p:sp>
+    </p:spTree>
+    <p:extLst>
+      <p:ext uri="{BB962C8B-B14F-4D97-AF65-F5344CB8AC3E}">
+        <p14:creationId xmlns:p14="http://schemas.microsoft.com/office/powerpoint/2010/main" val="3250923100"/>
+      </p:ext>
+    </p:extLst>
+  </p:cSld>
+  <p:clrMapOvr>
+    <a:masterClrMapping/>
+  </p:clrMapOvr>
+</p:sld>
+</file>
+
+<file path=ppt/slides/slide21.xml><?xml version="1.0" encoding="utf-8"?>
+<p:sld xmlns:a="http://schemas.openxmlformats.org/drawingml/2006/main" xmlns:r="http://schemas.openxmlformats.org/officeDocument/2006/relationships" xmlns:p="http://schemas.openxmlformats.org/presentationml/2006/main">
+  <p:cSld>
+    <p:spTree>
+      <p:nvGrpSpPr>
+        <p:cNvPr id="1" name=""/>
+        <p:cNvGrpSpPr/>
+        <p:nvPr/>
+      </p:nvGrpSpPr>
+      <p:grpSpPr>
+        <a:xfrm>
+          <a:off x="0" y="0"/>
+          <a:ext cx="0" cy="0"/>
+          <a:chOff x="0" y="0"/>
+          <a:chExt cx="0" cy="0"/>
+        </a:xfrm>
+      </p:grpSpPr>
+      <p:sp>
+        <p:nvSpPr>
+          <p:cNvPr id="2" name="タイトル 1">
+            <a:extLst>
+              <a:ext uri="{FF2B5EF4-FFF2-40B4-BE49-F238E27FC236}">
+                <a16:creationId xmlns:a16="http://schemas.microsoft.com/office/drawing/2014/main" id="{8546EC9C-6F23-D218-F15E-F9E718957547}"/>
+              </a:ext>
+            </a:extLst>
+          </p:cNvPr>
+          <p:cNvSpPr>
+            <a:spLocks noGrp="1"/>
+          </p:cNvSpPr>
+          <p:nvPr>
+            <p:ph type="title"/>
+          </p:nvPr>
+        </p:nvSpPr>
+        <p:spPr/>
+        <p:txBody>
+          <a:bodyPr/>
+          <a:lstStyle/>
+          <a:p>
+            <a:endParaRPr kumimoji="1" lang="ja-JP" altLang="en-US" dirty="0"/>
+          </a:p>
+        </p:txBody>
+      </p:sp>
+      <p:sp>
+        <p:nvSpPr>
+          <p:cNvPr id="3" name="コンテンツ プレースホルダー 2">
+            <a:extLst>
+              <a:ext uri="{FF2B5EF4-FFF2-40B4-BE49-F238E27FC236}">
+                <a16:creationId xmlns:a16="http://schemas.microsoft.com/office/drawing/2014/main" id="{D1E82227-0F0A-84B6-1B52-BBECB47410D8}"/>
+              </a:ext>
+            </a:extLst>
+          </p:cNvPr>
+          <p:cNvSpPr>
+            <a:spLocks noGrp="1"/>
+          </p:cNvSpPr>
+          <p:nvPr>
+            <p:ph idx="1"/>
+          </p:nvPr>
+        </p:nvSpPr>
+        <p:spPr/>
+        <p:txBody>
+          <a:bodyPr/>
+          <a:lstStyle/>
+          <a:p>
+            <a:endParaRPr kumimoji="1" lang="ja-JP" altLang="en-US" dirty="0"/>
+          </a:p>
+        </p:txBody>
+      </p:sp>
+    </p:spTree>
+    <p:extLst>
+      <p:ext uri="{BB962C8B-B14F-4D97-AF65-F5344CB8AC3E}">
+        <p14:creationId xmlns:p14="http://schemas.microsoft.com/office/powerpoint/2010/main" val="865952262"/>
+      </p:ext>
+    </p:extLst>
+  </p:cSld>
+  <p:clrMapOvr>
+    <a:masterClrMapping/>
+  </p:clrMapOvr>
+</p:sld>
+</file>
+
+<file path=ppt/slides/slide22.xml><?xml version="1.0" encoding="utf-8"?>
+<p:sld xmlns:a="http://schemas.openxmlformats.org/drawingml/2006/main" xmlns:r="http://schemas.openxmlformats.org/officeDocument/2006/relationships" xmlns:p="http://schemas.openxmlformats.org/presentationml/2006/main">
+  <p:cSld>
+    <p:spTree>
+      <p:nvGrpSpPr>
+        <p:cNvPr id="1" name=""/>
+        <p:cNvGrpSpPr/>
+        <p:nvPr/>
+      </p:nvGrpSpPr>
+      <p:grpSpPr>
+        <a:xfrm>
+          <a:off x="0" y="0"/>
+          <a:ext cx="0" cy="0"/>
+          <a:chOff x="0" y="0"/>
+          <a:chExt cx="0" cy="0"/>
+        </a:xfrm>
+      </p:grpSpPr>
+      <p:sp>
+        <p:nvSpPr>
+          <p:cNvPr id="2" name="コンテンツ プレースホルダー 1">
+            <a:extLst>
+              <a:ext uri="{FF2B5EF4-FFF2-40B4-BE49-F238E27FC236}">
+                <a16:creationId xmlns:a16="http://schemas.microsoft.com/office/drawing/2014/main" id="{57A7E8FD-000F-3C65-75A5-05B6A03189DB}"/>
+              </a:ext>
+            </a:extLst>
+          </p:cNvPr>
+          <p:cNvSpPr>
+            <a:spLocks noGrp="1"/>
+          </p:cNvSpPr>
+          <p:nvPr>
+            <p:ph idx="1"/>
+          </p:nvPr>
+        </p:nvSpPr>
+        <p:spPr/>
+        <p:txBody>
+          <a:bodyPr/>
+          <a:lstStyle/>
+          <a:p>
+            <a:r>
+              <a:rPr lang="ja-JP" altLang="en-US" dirty="0">
+                <a:solidFill>
+                  <a:schemeClr val="bg2">
+                    <a:lumMod val="90000"/>
+                  </a:schemeClr>
+                </a:solidFill>
+              </a:rPr>
+              <a:t>前回の振り返り</a:t>
+            </a:r>
+            <a:endParaRPr lang="en-US" altLang="ja-JP" dirty="0">
+              <a:solidFill>
+                <a:schemeClr val="bg2">
+                  <a:lumMod val="90000"/>
+                </a:schemeClr>
+              </a:solidFill>
+            </a:endParaRPr>
+          </a:p>
+          <a:p>
+            <a:r>
+              <a:rPr lang="en-US" altLang="ja-JP" dirty="0">
+                <a:solidFill>
+                  <a:schemeClr val="bg2">
+                    <a:lumMod val="90000"/>
+                  </a:schemeClr>
+                </a:solidFill>
+              </a:rPr>
+              <a:t>LOS</a:t>
+            </a:r>
+            <a:r>
+              <a:rPr lang="ja-JP" altLang="en-US" dirty="0">
+                <a:solidFill>
+                  <a:schemeClr val="bg2">
+                    <a:lumMod val="90000"/>
+                  </a:schemeClr>
+                </a:solidFill>
+              </a:rPr>
+              <a:t>誘導によるリーダーフォロワー制御に関する理解</a:t>
+            </a:r>
+            <a:endParaRPr lang="en-US" altLang="ja-JP" dirty="0">
+              <a:solidFill>
+                <a:schemeClr val="bg2">
+                  <a:lumMod val="90000"/>
+                </a:schemeClr>
+              </a:solidFill>
+            </a:endParaRPr>
+          </a:p>
+          <a:p>
+            <a:r>
+              <a:rPr lang="en-US" altLang="ja-JP" dirty="0">
+                <a:solidFill>
+                  <a:schemeClr val="bg2">
+                    <a:lumMod val="90000"/>
+                  </a:schemeClr>
+                </a:solidFill>
+              </a:rPr>
+              <a:t>MATLAB + </a:t>
+            </a:r>
+            <a:r>
+              <a:rPr lang="en-US" altLang="ja-JP" dirty="0" err="1">
+                <a:solidFill>
+                  <a:schemeClr val="bg2">
+                    <a:lumMod val="90000"/>
+                  </a:schemeClr>
+                </a:solidFill>
+              </a:rPr>
+              <a:t>CoppeliaSim</a:t>
+            </a:r>
+            <a:r>
+              <a:rPr lang="ja-JP" altLang="en-US" dirty="0">
+                <a:solidFill>
+                  <a:schemeClr val="bg2">
+                    <a:lumMod val="90000"/>
+                  </a:schemeClr>
+                </a:solidFill>
+              </a:rPr>
+              <a:t>環境構築</a:t>
+            </a:r>
+            <a:endParaRPr lang="en-US" altLang="ja-JP" dirty="0">
+              <a:solidFill>
+                <a:schemeClr val="bg2">
+                  <a:lumMod val="90000"/>
+                </a:schemeClr>
+              </a:solidFill>
+            </a:endParaRPr>
+          </a:p>
+          <a:p>
+            <a:r>
+              <a:rPr lang="en-US" altLang="ja-JP" dirty="0">
+                <a:solidFill>
+                  <a:schemeClr val="bg2">
+                    <a:lumMod val="90000"/>
+                  </a:schemeClr>
+                </a:solidFill>
+              </a:rPr>
+              <a:t>Python</a:t>
+            </a:r>
+            <a:r>
+              <a:rPr lang="ja-JP" altLang="en-US" dirty="0">
+                <a:solidFill>
+                  <a:schemeClr val="bg2">
+                    <a:lumMod val="90000"/>
+                  </a:schemeClr>
+                </a:solidFill>
+              </a:rPr>
+              <a:t>と</a:t>
+            </a:r>
+            <a:r>
+              <a:rPr lang="en-US" altLang="ja-JP" dirty="0" err="1">
+                <a:solidFill>
+                  <a:schemeClr val="bg2">
+                    <a:lumMod val="90000"/>
+                  </a:schemeClr>
+                </a:solidFill>
+              </a:rPr>
+              <a:t>CoppeliaSim</a:t>
+            </a:r>
+            <a:r>
+              <a:rPr lang="ja-JP" altLang="en-US" dirty="0">
+                <a:solidFill>
+                  <a:schemeClr val="bg2">
+                    <a:lumMod val="90000"/>
+                  </a:schemeClr>
+                </a:solidFill>
+              </a:rPr>
+              <a:t>の連携</a:t>
+            </a:r>
+            <a:endParaRPr lang="en-US" altLang="ja-JP" dirty="0">
+              <a:solidFill>
+                <a:schemeClr val="bg2">
+                  <a:lumMod val="90000"/>
+                </a:schemeClr>
+              </a:solidFill>
+            </a:endParaRPr>
+          </a:p>
+          <a:p>
+            <a:r>
+              <a:rPr lang="ja-JP" altLang="en-US" dirty="0"/>
+              <a:t>今後のアクション</a:t>
+            </a:r>
+            <a:endParaRPr lang="en-US" altLang="ja-JP" dirty="0"/>
+          </a:p>
+          <a:p>
+            <a:endParaRPr lang="en-US" altLang="ja-JP" dirty="0"/>
+          </a:p>
+          <a:p>
+            <a:endParaRPr kumimoji="1" lang="en-US" altLang="ja-JP" dirty="0"/>
+          </a:p>
+          <a:p>
+            <a:endParaRPr kumimoji="1" lang="ja-JP" altLang="en-US" dirty="0"/>
+          </a:p>
+        </p:txBody>
+      </p:sp>
+    </p:spTree>
+    <p:extLst>
+      <p:ext uri="{BB962C8B-B14F-4D97-AF65-F5344CB8AC3E}">
+        <p14:creationId xmlns:p14="http://schemas.microsoft.com/office/powerpoint/2010/main" val="2165658491"/>
+      </p:ext>
+    </p:extLst>
+  </p:cSld>
+  <p:clrMapOvr>
+    <a:masterClrMapping/>
+  </p:clrMapOvr>
+</p:sld>
+</file>
+
+<file path=ppt/slides/slide23.xml><?xml version="1.0" encoding="utf-8"?>
+<p:sld xmlns:a="http://schemas.openxmlformats.org/drawingml/2006/main" xmlns:r="http://schemas.openxmlformats.org/officeDocument/2006/relationships" xmlns:p="http://schemas.openxmlformats.org/presentationml/2006/main">
+  <p:cSld>
+    <p:spTree>
+      <p:nvGrpSpPr>
+        <p:cNvPr id="1" name=""/>
+        <p:cNvGrpSpPr/>
+        <p:nvPr/>
+      </p:nvGrpSpPr>
+      <p:grpSpPr>
+        <a:xfrm>
+          <a:off x="0" y="0"/>
+          <a:ext cx="0" cy="0"/>
+          <a:chOff x="0" y="0"/>
+          <a:chExt cx="0" cy="0"/>
+        </a:xfrm>
+      </p:grpSpPr>
+      <p:sp>
+        <p:nvSpPr>
+          <p:cNvPr id="2" name="タイトル 1">
+            <a:extLst>
+              <a:ext uri="{FF2B5EF4-FFF2-40B4-BE49-F238E27FC236}">
+                <a16:creationId xmlns:a16="http://schemas.microsoft.com/office/drawing/2014/main" id="{8546EC9C-6F23-D218-F15E-F9E718957547}"/>
+              </a:ext>
+            </a:extLst>
+          </p:cNvPr>
+          <p:cNvSpPr>
+            <a:spLocks noGrp="1"/>
+          </p:cNvSpPr>
+          <p:nvPr>
+            <p:ph type="title"/>
+          </p:nvPr>
+        </p:nvSpPr>
+        <p:spPr/>
+        <p:txBody>
+          <a:bodyPr/>
+          <a:lstStyle/>
+          <a:p>
+            <a:r>
+              <a:rPr kumimoji="1" lang="ja-JP" altLang="en-US" dirty="0"/>
+              <a:t>今後のアクション</a:t>
+            </a:r>
+          </a:p>
+        </p:txBody>
+      </p:sp>
+      <p:sp>
+        <p:nvSpPr>
+          <p:cNvPr id="3" name="コンテンツ プレースホルダー 2">
+            <a:extLst>
+              <a:ext uri="{FF2B5EF4-FFF2-40B4-BE49-F238E27FC236}">
+                <a16:creationId xmlns:a16="http://schemas.microsoft.com/office/drawing/2014/main" id="{D1E82227-0F0A-84B6-1B52-BBECB47410D8}"/>
+              </a:ext>
+            </a:extLst>
+          </p:cNvPr>
+          <p:cNvSpPr>
+            <a:spLocks noGrp="1"/>
+          </p:cNvSpPr>
+          <p:nvPr>
+            <p:ph idx="1"/>
+          </p:nvPr>
+        </p:nvSpPr>
+        <p:spPr/>
+        <p:txBody>
+          <a:bodyPr/>
+          <a:lstStyle/>
+          <a:p>
+            <a:r>
+              <a:rPr lang="en-US" altLang="ja-JP" dirty="0"/>
+              <a:t>Linux</a:t>
+            </a:r>
+            <a:r>
+              <a:rPr lang="ja-JP" altLang="en-US" dirty="0"/>
+              <a:t> </a:t>
+            </a:r>
+            <a:r>
+              <a:rPr lang="en-US" altLang="ja-JP" dirty="0"/>
+              <a:t>PC</a:t>
+            </a:r>
+            <a:r>
+              <a:rPr lang="ja-JP" altLang="en-US" dirty="0"/>
+              <a:t>の選定が完了．届き次第</a:t>
+            </a:r>
+            <a:r>
+              <a:rPr lang="en-US" altLang="ja-JP" dirty="0" err="1"/>
+              <a:t>IssacSim</a:t>
+            </a:r>
+            <a:r>
+              <a:rPr lang="ja-JP" altLang="en-US" dirty="0"/>
+              <a:t>へ</a:t>
+            </a:r>
+            <a:br>
+              <a:rPr lang="en-US" altLang="ja-JP" dirty="0"/>
+            </a:br>
+            <a:r>
+              <a:rPr lang="ja-JP" altLang="en-US" dirty="0"/>
+              <a:t>移行したい</a:t>
+            </a:r>
+            <a:endParaRPr lang="en-US" altLang="ja-JP" dirty="0"/>
+          </a:p>
+          <a:p>
+            <a:endParaRPr kumimoji="1" lang="en-US" altLang="ja-JP" dirty="0"/>
+          </a:p>
+          <a:p>
+            <a:r>
+              <a:rPr lang="ja-JP" altLang="en-US" dirty="0"/>
+              <a:t>「</a:t>
+            </a:r>
+            <a:r>
+              <a:rPr lang="ja-JP" altLang="en-US" b="0" i="0" dirty="0">
+                <a:solidFill>
+                  <a:srgbClr val="1D1C1D"/>
+                </a:solidFill>
+                <a:effectLst/>
+                <a:latin typeface="NotoSansJP"/>
+              </a:rPr>
+              <a:t>非</a:t>
+            </a:r>
+            <a:r>
+              <a:rPr lang="en-US" altLang="ja-JP" b="0" i="0" dirty="0">
+                <a:solidFill>
+                  <a:srgbClr val="1D1C1D"/>
+                </a:solidFill>
+                <a:effectLst/>
+                <a:latin typeface="NotoSansJP"/>
+              </a:rPr>
+              <a:t>GNSS</a:t>
+            </a:r>
+            <a:r>
+              <a:rPr lang="ja-JP" altLang="en-US" b="0" i="0" dirty="0">
+                <a:solidFill>
+                  <a:srgbClr val="1D1C1D"/>
+                </a:solidFill>
+                <a:effectLst/>
+                <a:latin typeface="NotoSansJP"/>
+              </a:rPr>
+              <a:t>環境でのフォーメーション制御</a:t>
+            </a:r>
+            <a:r>
+              <a:rPr lang="ja-JP" altLang="en-US" dirty="0">
+                <a:solidFill>
+                  <a:srgbClr val="1D1C1D"/>
+                </a:solidFill>
+                <a:latin typeface="NotoSansJP"/>
+              </a:rPr>
+              <a:t>」を</a:t>
+            </a:r>
+            <a:br>
+              <a:rPr lang="en-US" altLang="ja-JP" dirty="0">
+                <a:solidFill>
+                  <a:srgbClr val="1D1C1D"/>
+                </a:solidFill>
+                <a:latin typeface="NotoSansJP"/>
+              </a:rPr>
+            </a:br>
+            <a:r>
+              <a:rPr lang="ja-JP" altLang="en-US" dirty="0">
+                <a:solidFill>
+                  <a:srgbClr val="1D1C1D"/>
+                </a:solidFill>
+                <a:latin typeface="NotoSansJP"/>
+              </a:rPr>
+              <a:t>実現するには現在の論文では不可能．</a:t>
+            </a:r>
+            <a:br>
+              <a:rPr lang="en-US" altLang="ja-JP" dirty="0">
+                <a:solidFill>
+                  <a:srgbClr val="1D1C1D"/>
+                </a:solidFill>
+                <a:latin typeface="NotoSansJP"/>
+              </a:rPr>
+            </a:br>
+            <a:r>
+              <a:rPr lang="en-US" altLang="ja-JP" dirty="0">
+                <a:solidFill>
+                  <a:srgbClr val="1D1C1D"/>
+                </a:solidFill>
+                <a:latin typeface="NotoSansJP"/>
+              </a:rPr>
+              <a:t>[</a:t>
+            </a:r>
+            <a:r>
+              <a:rPr lang="en-US" altLang="ja-JP" b="0" i="0" dirty="0">
+                <a:effectLst/>
+                <a:latin typeface="Times New Roman" panose="02020603050405020304" pitchFamily="18" charset="0"/>
+              </a:rPr>
+              <a:t>Ultra-Wideband and Odometry-Based Cooperative</a:t>
+            </a:r>
+            <a:br>
+              <a:rPr lang="en-US" altLang="ja-JP" dirty="0"/>
+            </a:br>
+            <a:r>
+              <a:rPr lang="en-US" altLang="ja-JP" b="0" i="0" dirty="0">
+                <a:effectLst/>
+                <a:latin typeface="Times New Roman" panose="02020603050405020304" pitchFamily="18" charset="0"/>
+              </a:rPr>
+              <a:t>Relative Localization With Application to</a:t>
+            </a:r>
+            <a:br>
+              <a:rPr lang="en-US" altLang="ja-JP" dirty="0"/>
+            </a:br>
+            <a:r>
+              <a:rPr lang="en-US" altLang="ja-JP" b="0" i="0" dirty="0">
+                <a:effectLst/>
+                <a:latin typeface="Times New Roman" panose="02020603050405020304" pitchFamily="18" charset="0"/>
+              </a:rPr>
+              <a:t>Multi-UAV Formation Control]</a:t>
+            </a:r>
+            <a:r>
+              <a:rPr lang="ja-JP" altLang="en-US" b="0" i="0" dirty="0">
+                <a:effectLst/>
+                <a:latin typeface="Times New Roman" panose="02020603050405020304" pitchFamily="18" charset="0"/>
+              </a:rPr>
+              <a:t>等</a:t>
+            </a:r>
+            <a:r>
+              <a:rPr lang="ja-JP" altLang="en-US" dirty="0">
+                <a:latin typeface="Times New Roman" panose="02020603050405020304" pitchFamily="18" charset="0"/>
+              </a:rPr>
+              <a:t>別論文</a:t>
+            </a:r>
+            <a:r>
+              <a:rPr lang="ja-JP" altLang="en-US" b="0" i="0" dirty="0">
+                <a:effectLst/>
+                <a:latin typeface="Times New Roman" panose="02020603050405020304" pitchFamily="18" charset="0"/>
+              </a:rPr>
+              <a:t>へ</a:t>
+            </a:r>
+            <a:br>
+              <a:rPr lang="en-US" altLang="ja-JP" b="0" i="0" dirty="0">
+                <a:effectLst/>
+                <a:latin typeface="Times New Roman" panose="02020603050405020304" pitchFamily="18" charset="0"/>
+              </a:rPr>
+            </a:br>
+            <a:r>
+              <a:rPr lang="ja-JP" altLang="en-US" b="0" i="0" dirty="0">
+                <a:effectLst/>
+                <a:latin typeface="Times New Roman" panose="02020603050405020304" pitchFamily="18" charset="0"/>
+              </a:rPr>
+              <a:t>移行の必要有</a:t>
+            </a:r>
+            <a:endParaRPr lang="en-US" altLang="ja-JP" b="0" i="0" dirty="0">
+              <a:solidFill>
+                <a:srgbClr val="1D1C1D"/>
+              </a:solidFill>
+              <a:effectLst/>
+              <a:latin typeface="NotoSansJP"/>
+            </a:endParaRPr>
+          </a:p>
+        </p:txBody>
+      </p:sp>
+    </p:spTree>
+    <p:extLst>
+      <p:ext uri="{BB962C8B-B14F-4D97-AF65-F5344CB8AC3E}">
+        <p14:creationId xmlns:p14="http://schemas.microsoft.com/office/powerpoint/2010/main" val="850852624"/>
+      </p:ext>
+    </p:extLst>
+  </p:cSld>
+  <p:clrMapOvr>
+    <a:masterClrMapping/>
+  </p:clrMapOvr>
+</p:sld>
+</file>
+
+<file path=ppt/slides/slide24.xml><?xml version="1.0" encoding="utf-8"?>
+<p:sld xmlns:a="http://schemas.openxmlformats.org/drawingml/2006/main" xmlns:r="http://schemas.openxmlformats.org/officeDocument/2006/relationships" xmlns:p="http://schemas.openxmlformats.org/presentationml/2006/main">
+  <p:cSld>
+    <p:spTree>
+      <p:nvGrpSpPr>
+        <p:cNvPr id="1" name=""/>
+        <p:cNvGrpSpPr/>
+        <p:nvPr/>
+      </p:nvGrpSpPr>
+      <p:grpSpPr>
+        <a:xfrm>
+          <a:off x="0" y="0"/>
+          <a:ext cx="0" cy="0"/>
+          <a:chOff x="0" y="0"/>
+          <a:chExt cx="0" cy="0"/>
+        </a:xfrm>
+      </p:grpSpPr>
+      <p:sp>
+        <p:nvSpPr>
+          <p:cNvPr id="2" name="タイトル 1">
+            <a:extLst>
+              <a:ext uri="{FF2B5EF4-FFF2-40B4-BE49-F238E27FC236}">
+                <a16:creationId xmlns:a16="http://schemas.microsoft.com/office/drawing/2014/main" id="{8546EC9C-6F23-D218-F15E-F9E718957547}"/>
+              </a:ext>
+            </a:extLst>
+          </p:cNvPr>
+          <p:cNvSpPr>
+            <a:spLocks noGrp="1"/>
+          </p:cNvSpPr>
+          <p:nvPr>
+            <p:ph type="title"/>
+          </p:nvPr>
+        </p:nvSpPr>
+        <p:spPr/>
+        <p:txBody>
+          <a:bodyPr/>
+          <a:lstStyle/>
+          <a:p>
+            <a:r>
+              <a:rPr kumimoji="1" lang="en-US" altLang="ja-JP" dirty="0"/>
+              <a:t>Tips; What is Pythonic Code?</a:t>
+            </a:r>
+            <a:endParaRPr kumimoji="1" lang="ja-JP" altLang="en-US" dirty="0"/>
+          </a:p>
+        </p:txBody>
+      </p:sp>
+      <p:sp>
+        <p:nvSpPr>
+          <p:cNvPr id="3" name="コンテンツ プレースホルダー 2">
+            <a:extLst>
+              <a:ext uri="{FF2B5EF4-FFF2-40B4-BE49-F238E27FC236}">
+                <a16:creationId xmlns:a16="http://schemas.microsoft.com/office/drawing/2014/main" id="{D1E82227-0F0A-84B6-1B52-BBECB47410D8}"/>
+              </a:ext>
+            </a:extLst>
+          </p:cNvPr>
+          <p:cNvSpPr>
+            <a:spLocks noGrp="1"/>
+          </p:cNvSpPr>
+          <p:nvPr>
+            <p:ph idx="1"/>
+          </p:nvPr>
+        </p:nvSpPr>
+        <p:spPr>
+          <a:xfrm>
+            <a:off x="628650" y="2128345"/>
+            <a:ext cx="7886700" cy="3374833"/>
+          </a:xfrm>
+        </p:spPr>
+        <p:txBody>
+          <a:bodyPr>
+            <a:normAutofit/>
+          </a:bodyPr>
+          <a:lstStyle/>
+          <a:p>
+            <a:r>
+              <a:rPr lang="ja-JP" altLang="en-US" dirty="0"/>
+              <a:t>これからコードを実装する際に，</a:t>
+            </a:r>
+            <a:r>
+              <a:rPr lang="en-US" altLang="ja-JP" dirty="0"/>
+              <a:t>main</a:t>
+            </a:r>
+            <a:r>
+              <a:rPr lang="ja-JP" altLang="en-US" dirty="0"/>
+              <a:t>の</a:t>
+            </a:r>
+            <a:br>
+              <a:rPr lang="en-US" altLang="ja-JP" dirty="0"/>
+            </a:br>
+            <a:r>
+              <a:rPr lang="ja-JP" altLang="en-US" dirty="0"/>
+              <a:t>スクリプトにすべてを書くのは愚の骨頂</a:t>
+            </a:r>
+            <a:endParaRPr lang="en-US" altLang="ja-JP" dirty="0"/>
+          </a:p>
+          <a:p>
+            <a:endParaRPr kumimoji="1" lang="en-US" altLang="ja-JP" dirty="0"/>
+          </a:p>
+          <a:p>
+            <a:r>
+              <a:rPr lang="ja-JP" altLang="en-US" dirty="0"/>
+              <a:t>だれも</a:t>
+            </a:r>
+            <a:r>
+              <a:rPr lang="en-US" altLang="ja-JP" dirty="0"/>
+              <a:t>500</a:t>
+            </a:r>
+            <a:r>
+              <a:rPr lang="ja-JP" altLang="en-US" dirty="0"/>
+              <a:t>行のスクリプトを読みたくはない</a:t>
+            </a:r>
+            <a:br>
+              <a:rPr lang="en-US" altLang="ja-JP" dirty="0"/>
+            </a:br>
+            <a:endParaRPr lang="en-US" altLang="ja-JP" dirty="0"/>
+          </a:p>
+          <a:p>
+            <a:r>
+              <a:rPr lang="ja-JP" altLang="en-US" dirty="0"/>
+              <a:t>一週間後には自分のコードも他人のコード</a:t>
+            </a:r>
+            <a:br>
+              <a:rPr lang="en-US" altLang="ja-JP" dirty="0"/>
+            </a:br>
+            <a:r>
+              <a:rPr lang="ja-JP" altLang="en-US" dirty="0"/>
+              <a:t>になる</a:t>
+            </a:r>
+            <a:endParaRPr lang="en-US" altLang="ja-JP" dirty="0"/>
+          </a:p>
+          <a:p>
+            <a:endParaRPr kumimoji="1" lang="en-US" altLang="ja-JP" dirty="0"/>
+          </a:p>
+          <a:p>
+            <a:pPr marL="0" indent="0">
+              <a:buNone/>
+            </a:pPr>
+            <a:endParaRPr kumimoji="1" lang="ja-JP" altLang="en-US" dirty="0"/>
+          </a:p>
+        </p:txBody>
+      </p:sp>
+      <p:sp>
+        <p:nvSpPr>
+          <p:cNvPr id="4" name="四角形: 角を丸くする 3">
+            <a:extLst>
+              <a:ext uri="{FF2B5EF4-FFF2-40B4-BE49-F238E27FC236}">
+                <a16:creationId xmlns:a16="http://schemas.microsoft.com/office/drawing/2014/main" id="{224F9AB0-19CE-CAEB-FD0A-FC814C956CDB}"/>
+              </a:ext>
+            </a:extLst>
+          </p:cNvPr>
+          <p:cNvSpPr/>
+          <p:nvPr/>
+        </p:nvSpPr>
+        <p:spPr>
+          <a:xfrm>
+            <a:off x="1031583" y="5483634"/>
+            <a:ext cx="7080833" cy="914400"/>
+          </a:xfrm>
+          <a:prstGeom prst="roundRect">
+            <a:avLst/>
+          </a:prstGeom>
+          <a:noFill/>
+          <a:ln w="38100" cap="flat" cmpd="sng" algn="ctr">
+            <a:solidFill>
+              <a:schemeClr val="accent4"/>
+            </a:solidFill>
+            <a:prstDash val="solid"/>
+            <a:round/>
+            <a:headEnd type="none" w="med" len="med"/>
+            <a:tailEnd type="none" w="med" len="med"/>
+          </a:ln>
+        </p:spPr>
+        <p:style>
+          <a:lnRef idx="0">
+            <a:scrgbClr r="0" g="0" b="0"/>
+          </a:lnRef>
+          <a:fillRef idx="0">
+            <a:scrgbClr r="0" g="0" b="0"/>
+          </a:fillRef>
+          <a:effectRef idx="0">
+            <a:scrgbClr r="0" g="0" b="0"/>
+          </a:effectRef>
+          <a:fontRef idx="minor">
+            <a:schemeClr val="accent4"/>
+          </a:fontRef>
+        </p:style>
+        <p:txBody>
+          <a:bodyPr rtlCol="0" anchor="ctr"/>
+          <a:lstStyle/>
+          <a:p>
+            <a:pPr algn="ctr"/>
+            <a:r>
+              <a:rPr kumimoji="1" lang="ja-JP" altLang="en-US" sz="2800" dirty="0"/>
+              <a:t>機能ごとに適切に切り分けることが重要</a:t>
+            </a:r>
+          </a:p>
+        </p:txBody>
+      </p:sp>
+    </p:spTree>
+    <p:extLst>
+      <p:ext uri="{BB962C8B-B14F-4D97-AF65-F5344CB8AC3E}">
+        <p14:creationId xmlns:p14="http://schemas.microsoft.com/office/powerpoint/2010/main" val="2752679325"/>
+      </p:ext>
+    </p:extLst>
+  </p:cSld>
+  <p:clrMapOvr>
+    <a:masterClrMapping/>
+  </p:clrMapOvr>
+</p:sld>
+</file>
+
 <file path=ppt/slides/slide3.xml><?xml version="1.0" encoding="utf-8"?>
+<p:sld xmlns:a="http://schemas.openxmlformats.org/drawingml/2006/main" xmlns:r="http://schemas.openxmlformats.org/officeDocument/2006/relationships" xmlns:p="http://schemas.openxmlformats.org/presentationml/2006/main">
+  <p:cSld>
+    <p:spTree>
+      <p:nvGrpSpPr>
+        <p:cNvPr id="1" name=""/>
+        <p:cNvGrpSpPr/>
+        <p:nvPr/>
+      </p:nvGrpSpPr>
+      <p:grpSpPr>
+        <a:xfrm>
+          <a:off x="0" y="0"/>
+          <a:ext cx="0" cy="0"/>
+          <a:chOff x="0" y="0"/>
+          <a:chExt cx="0" cy="0"/>
+        </a:xfrm>
+      </p:grpSpPr>
+      <p:sp>
+        <p:nvSpPr>
+          <p:cNvPr id="2" name="コンテンツ プレースホルダー 1">
+            <a:extLst>
+              <a:ext uri="{FF2B5EF4-FFF2-40B4-BE49-F238E27FC236}">
+                <a16:creationId xmlns:a16="http://schemas.microsoft.com/office/drawing/2014/main" id="{57A7E8FD-000F-3C65-75A5-05B6A03189DB}"/>
+              </a:ext>
+            </a:extLst>
+          </p:cNvPr>
+          <p:cNvSpPr>
+            <a:spLocks noGrp="1"/>
+          </p:cNvSpPr>
+          <p:nvPr>
+            <p:ph idx="1"/>
+          </p:nvPr>
+        </p:nvSpPr>
+        <p:spPr/>
+        <p:txBody>
+          <a:bodyPr/>
+          <a:lstStyle/>
+          <a:p>
+            <a:r>
+              <a:rPr lang="ja-JP" altLang="en-US" dirty="0"/>
+              <a:t>前回の振り返り</a:t>
+            </a:r>
+            <a:endParaRPr lang="en-US" altLang="ja-JP" dirty="0"/>
+          </a:p>
+          <a:p>
+            <a:r>
+              <a:rPr lang="en-US" altLang="ja-JP" dirty="0">
+                <a:solidFill>
+                  <a:schemeClr val="bg2">
+                    <a:lumMod val="90000"/>
+                  </a:schemeClr>
+                </a:solidFill>
+              </a:rPr>
+              <a:t>LOS</a:t>
+            </a:r>
+            <a:r>
+              <a:rPr lang="ja-JP" altLang="en-US" dirty="0">
+                <a:solidFill>
+                  <a:schemeClr val="bg2">
+                    <a:lumMod val="90000"/>
+                  </a:schemeClr>
+                </a:solidFill>
+              </a:rPr>
+              <a:t>誘導によるリーダーフォロワー制御に関する理解</a:t>
+            </a:r>
+            <a:endParaRPr lang="en-US" altLang="ja-JP" dirty="0">
+              <a:solidFill>
+                <a:schemeClr val="bg2">
+                  <a:lumMod val="90000"/>
+                </a:schemeClr>
+              </a:solidFill>
+            </a:endParaRPr>
+          </a:p>
+          <a:p>
+            <a:r>
+              <a:rPr lang="en-US" altLang="ja-JP" dirty="0">
+                <a:solidFill>
+                  <a:schemeClr val="bg2">
+                    <a:lumMod val="90000"/>
+                  </a:schemeClr>
+                </a:solidFill>
+              </a:rPr>
+              <a:t>MATLAB + </a:t>
+            </a:r>
+            <a:r>
+              <a:rPr lang="en-US" altLang="ja-JP" dirty="0" err="1">
+                <a:solidFill>
+                  <a:schemeClr val="bg2">
+                    <a:lumMod val="90000"/>
+                  </a:schemeClr>
+                </a:solidFill>
+              </a:rPr>
+              <a:t>CoppeliaSim</a:t>
+            </a:r>
+            <a:r>
+              <a:rPr lang="ja-JP" altLang="en-US" dirty="0">
+                <a:solidFill>
+                  <a:schemeClr val="bg2">
+                    <a:lumMod val="90000"/>
+                  </a:schemeClr>
+                </a:solidFill>
+              </a:rPr>
+              <a:t>環境構築</a:t>
+            </a:r>
+            <a:endParaRPr lang="en-US" altLang="ja-JP" dirty="0">
+              <a:solidFill>
+                <a:schemeClr val="bg2">
+                  <a:lumMod val="90000"/>
+                </a:schemeClr>
+              </a:solidFill>
+            </a:endParaRPr>
+          </a:p>
+          <a:p>
+            <a:r>
+              <a:rPr lang="en-US" altLang="ja-JP" dirty="0">
+                <a:solidFill>
+                  <a:schemeClr val="bg2">
+                    <a:lumMod val="90000"/>
+                  </a:schemeClr>
+                </a:solidFill>
+              </a:rPr>
+              <a:t>Python</a:t>
+            </a:r>
+            <a:r>
+              <a:rPr lang="ja-JP" altLang="en-US" dirty="0">
+                <a:solidFill>
+                  <a:schemeClr val="bg2">
+                    <a:lumMod val="90000"/>
+                  </a:schemeClr>
+                </a:solidFill>
+              </a:rPr>
+              <a:t>と</a:t>
+            </a:r>
+            <a:r>
+              <a:rPr lang="en-US" altLang="ja-JP" dirty="0" err="1">
+                <a:solidFill>
+                  <a:schemeClr val="bg2">
+                    <a:lumMod val="90000"/>
+                  </a:schemeClr>
+                </a:solidFill>
+              </a:rPr>
+              <a:t>CoppeliaSim</a:t>
+            </a:r>
+            <a:r>
+              <a:rPr lang="ja-JP" altLang="en-US" dirty="0">
+                <a:solidFill>
+                  <a:schemeClr val="bg2">
+                    <a:lumMod val="90000"/>
+                  </a:schemeClr>
+                </a:solidFill>
+              </a:rPr>
+              <a:t>の連携</a:t>
+            </a:r>
+            <a:endParaRPr lang="en-US" altLang="ja-JP" dirty="0">
+              <a:solidFill>
+                <a:schemeClr val="bg2">
+                  <a:lumMod val="90000"/>
+                </a:schemeClr>
+              </a:solidFill>
+            </a:endParaRPr>
+          </a:p>
+          <a:p>
+            <a:r>
+              <a:rPr lang="ja-JP" altLang="en-US" dirty="0">
+                <a:solidFill>
+                  <a:schemeClr val="bg2">
+                    <a:lumMod val="90000"/>
+                  </a:schemeClr>
+                </a:solidFill>
+              </a:rPr>
+              <a:t>今後のアクション</a:t>
+            </a:r>
+            <a:endParaRPr lang="en-US" altLang="ja-JP" dirty="0">
+              <a:solidFill>
+                <a:schemeClr val="bg2">
+                  <a:lumMod val="90000"/>
+                </a:schemeClr>
+              </a:solidFill>
+            </a:endParaRPr>
+          </a:p>
+          <a:p>
+            <a:endParaRPr lang="en-US" altLang="ja-JP" dirty="0"/>
+          </a:p>
+          <a:p>
+            <a:endParaRPr kumimoji="1" lang="en-US" altLang="ja-JP" dirty="0"/>
+          </a:p>
+          <a:p>
+            <a:endParaRPr kumimoji="1" lang="ja-JP" altLang="en-US" dirty="0"/>
+          </a:p>
+        </p:txBody>
+      </p:sp>
+    </p:spTree>
+    <p:extLst>
+      <p:ext uri="{BB962C8B-B14F-4D97-AF65-F5344CB8AC3E}">
+        <p14:creationId xmlns:p14="http://schemas.microsoft.com/office/powerpoint/2010/main" val="366283441"/>
+      </p:ext>
+    </p:extLst>
+  </p:cSld>
+  <p:clrMapOvr>
+    <a:masterClrMapping/>
+  </p:clrMapOvr>
+</p:sld>
+</file>
+
+<file path=ppt/slides/slide4.xml><?xml version="1.0" encoding="utf-8"?>
 <p:sld xmlns:a="http://schemas.openxmlformats.org/drawingml/2006/main" xmlns:r="http://schemas.openxmlformats.org/officeDocument/2006/relationships" xmlns:p="http://schemas.openxmlformats.org/presentationml/2006/main">
   <p:cSld>
     <p:spTree>
@@ -4556,152 +8124,6 @@
 </p:sld>
 </file>
 
-<file path=ppt/slides/slide4.xml><?xml version="1.0" encoding="utf-8"?>
-<p:sld xmlns:a="http://schemas.openxmlformats.org/drawingml/2006/main" xmlns:r="http://schemas.openxmlformats.org/officeDocument/2006/relationships" xmlns:p="http://schemas.openxmlformats.org/presentationml/2006/main">
-  <p:cSld>
-    <p:spTree>
-      <p:nvGrpSpPr>
-        <p:cNvPr id="1" name=""/>
-        <p:cNvGrpSpPr/>
-        <p:nvPr/>
-      </p:nvGrpSpPr>
-      <p:grpSpPr>
-        <a:xfrm>
-          <a:off x="0" y="0"/>
-          <a:ext cx="0" cy="0"/>
-          <a:chOff x="0" y="0"/>
-          <a:chExt cx="0" cy="0"/>
-        </a:xfrm>
-      </p:grpSpPr>
-      <p:sp>
-        <p:nvSpPr>
-          <p:cNvPr id="2" name="タイトル 1">
-            <a:extLst>
-              <a:ext uri="{FF2B5EF4-FFF2-40B4-BE49-F238E27FC236}">
-                <a16:creationId xmlns:a16="http://schemas.microsoft.com/office/drawing/2014/main" id="{8546EC9C-6F23-D218-F15E-F9E718957547}"/>
-              </a:ext>
-            </a:extLst>
-          </p:cNvPr>
-          <p:cNvSpPr>
-            <a:spLocks noGrp="1"/>
-          </p:cNvSpPr>
-          <p:nvPr>
-            <p:ph type="title"/>
-          </p:nvPr>
-        </p:nvSpPr>
-        <p:spPr>
-          <a:xfrm>
-            <a:off x="304800" y="365126"/>
-            <a:ext cx="8473440" cy="1325563"/>
-          </a:xfrm>
-        </p:spPr>
-        <p:txBody>
-          <a:bodyPr>
-            <a:normAutofit/>
-          </a:bodyPr>
-          <a:lstStyle/>
-          <a:p>
-            <a:r>
-              <a:rPr kumimoji="1" lang="en-US" altLang="ja-JP" sz="3600" dirty="0"/>
-              <a:t>LOS</a:t>
-            </a:r>
-            <a:r>
-              <a:rPr kumimoji="1" lang="ja-JP" altLang="en-US" sz="3600" dirty="0"/>
-              <a:t>誘導によるリーダーフォロワー制御</a:t>
-            </a:r>
-          </a:p>
-        </p:txBody>
-      </p:sp>
-      <p:sp>
-        <p:nvSpPr>
-          <p:cNvPr id="3" name="コンテンツ プレースホルダー 2">
-            <a:extLst>
-              <a:ext uri="{FF2B5EF4-FFF2-40B4-BE49-F238E27FC236}">
-                <a16:creationId xmlns:a16="http://schemas.microsoft.com/office/drawing/2014/main" id="{D1E82227-0F0A-84B6-1B52-BBECB47410D8}"/>
-              </a:ext>
-            </a:extLst>
-          </p:cNvPr>
-          <p:cNvSpPr>
-            <a:spLocks noGrp="1"/>
-          </p:cNvSpPr>
-          <p:nvPr>
-            <p:ph idx="1"/>
-          </p:nvPr>
-        </p:nvSpPr>
-        <p:spPr>
-          <a:xfrm>
-            <a:off x="628650" y="2128344"/>
-            <a:ext cx="7886700" cy="4298581"/>
-          </a:xfrm>
-        </p:spPr>
-        <p:txBody>
-          <a:bodyPr>
-            <a:normAutofit/>
-          </a:bodyPr>
-          <a:lstStyle/>
-          <a:p>
-            <a:r>
-              <a:rPr kumimoji="1" lang="ja-JP" altLang="en-US" dirty="0"/>
-              <a:t>複数のクワッドロータを管制塔で一括制御するのではなく、局所的な情報のみを利用して群れとして動作することを目指す</a:t>
-            </a:r>
-            <a:endParaRPr kumimoji="1" lang="en-US" altLang="ja-JP" dirty="0"/>
-          </a:p>
-          <a:p>
-            <a:endParaRPr lang="en-US" altLang="ja-JP" dirty="0"/>
-          </a:p>
-          <a:p>
-            <a:r>
-              <a:rPr kumimoji="1" lang="ja-JP" altLang="en-US" dirty="0"/>
-              <a:t>フォーメーション制御に</a:t>
-            </a:r>
-            <a:r>
-              <a:rPr kumimoji="1" lang="en-US" altLang="ja-JP" dirty="0"/>
-              <a:t>LOS</a:t>
-            </a:r>
-            <a:r>
-              <a:rPr kumimoji="1" lang="ja-JP" altLang="en-US" dirty="0"/>
-              <a:t>誘導に基づく</a:t>
-            </a:r>
-            <a:br>
-              <a:rPr kumimoji="1" lang="en-US" altLang="ja-JP" dirty="0"/>
-            </a:br>
-            <a:r>
-              <a:rPr kumimoji="1" lang="ja-JP" altLang="en-US" dirty="0"/>
-              <a:t>リーダーフォロワー制御を採用</a:t>
-            </a:r>
-            <a:endParaRPr kumimoji="1" lang="en-US" altLang="ja-JP" dirty="0"/>
-          </a:p>
-          <a:p>
-            <a:endParaRPr lang="en-US" altLang="ja-JP" dirty="0"/>
-          </a:p>
-          <a:p>
-            <a:r>
-              <a:rPr kumimoji="1" lang="ja-JP" altLang="en-US" dirty="0"/>
-              <a:t>フォロワの制御器を設計、リーダーの動きに</a:t>
-            </a:r>
-            <a:br>
-              <a:rPr kumimoji="1" lang="en-US" altLang="ja-JP" dirty="0"/>
-            </a:br>
-            <a:r>
-              <a:rPr kumimoji="1" lang="ja-JP" altLang="en-US" dirty="0"/>
-              <a:t>併せてフォーメーションを組む</a:t>
-            </a:r>
-          </a:p>
-        </p:txBody>
-      </p:sp>
-    </p:spTree>
-    <p:extLst>
-      <p:ext uri="{BB962C8B-B14F-4D97-AF65-F5344CB8AC3E}">
-        <p14:creationId xmlns:p14="http://schemas.microsoft.com/office/powerpoint/2010/main" val="3359065375"/>
-      </p:ext>
-    </p:extLst>
-  </p:cSld>
-  <p:clrMapOvr>
-    <a:masterClrMapping/>
-  </p:clrMapOvr>
-</p:sld>
-</file>
-
 <file path=ppt/slides/slide5.xml><?xml version="1.0" encoding="utf-8"?>
 <p:sld xmlns:a="http://schemas.openxmlformats.org/drawingml/2006/main" xmlns:r="http://schemas.openxmlformats.org/officeDocument/2006/relationships" xmlns:p="http://schemas.openxmlformats.org/presentationml/2006/main">
   <p:cSld>
@@ -4721,6 +8143,204 @@
       </p:grpSpPr>
       <p:sp>
         <p:nvSpPr>
+          <p:cNvPr id="2" name="コンテンツ プレースホルダー 1">
+            <a:extLst>
+              <a:ext uri="{FF2B5EF4-FFF2-40B4-BE49-F238E27FC236}">
+                <a16:creationId xmlns:a16="http://schemas.microsoft.com/office/drawing/2014/main" id="{57A7E8FD-000F-3C65-75A5-05B6A03189DB}"/>
+              </a:ext>
+            </a:extLst>
+          </p:cNvPr>
+          <p:cNvSpPr>
+            <a:spLocks noGrp="1"/>
+          </p:cNvSpPr>
+          <p:nvPr>
+            <p:ph idx="1"/>
+          </p:nvPr>
+        </p:nvSpPr>
+        <p:spPr/>
+        <p:txBody>
+          <a:bodyPr/>
+          <a:lstStyle/>
+          <a:p>
+            <a:r>
+              <a:rPr lang="ja-JP" altLang="en-US" dirty="0">
+                <a:solidFill>
+                  <a:schemeClr val="bg2">
+                    <a:lumMod val="90000"/>
+                  </a:schemeClr>
+                </a:solidFill>
+              </a:rPr>
+              <a:t>前回の振り返り</a:t>
+            </a:r>
+            <a:endParaRPr lang="en-US" altLang="ja-JP" dirty="0">
+              <a:solidFill>
+                <a:schemeClr val="bg2">
+                  <a:lumMod val="90000"/>
+                </a:schemeClr>
+              </a:solidFill>
+            </a:endParaRPr>
+          </a:p>
+          <a:p>
+            <a:r>
+              <a:rPr lang="en-US" altLang="ja-JP" dirty="0"/>
+              <a:t>LOS</a:t>
+            </a:r>
+            <a:r>
+              <a:rPr lang="ja-JP" altLang="en-US" dirty="0"/>
+              <a:t>誘導によるリーダーフォロワー制御に関する理解</a:t>
+            </a:r>
+            <a:endParaRPr lang="en-US" altLang="ja-JP" dirty="0"/>
+          </a:p>
+          <a:p>
+            <a:r>
+              <a:rPr lang="en-US" altLang="ja-JP" dirty="0">
+                <a:solidFill>
+                  <a:schemeClr val="bg2">
+                    <a:lumMod val="90000"/>
+                  </a:schemeClr>
+                </a:solidFill>
+              </a:rPr>
+              <a:t>MATLAB + </a:t>
+            </a:r>
+            <a:r>
+              <a:rPr lang="en-US" altLang="ja-JP" dirty="0" err="1">
+                <a:solidFill>
+                  <a:schemeClr val="bg2">
+                    <a:lumMod val="90000"/>
+                  </a:schemeClr>
+                </a:solidFill>
+              </a:rPr>
+              <a:t>CoppeliaSim</a:t>
+            </a:r>
+            <a:r>
+              <a:rPr lang="ja-JP" altLang="en-US" dirty="0">
+                <a:solidFill>
+                  <a:schemeClr val="bg2">
+                    <a:lumMod val="90000"/>
+                  </a:schemeClr>
+                </a:solidFill>
+              </a:rPr>
+              <a:t>環境構築</a:t>
+            </a:r>
+            <a:endParaRPr lang="en-US" altLang="ja-JP" dirty="0">
+              <a:solidFill>
+                <a:schemeClr val="bg2">
+                  <a:lumMod val="90000"/>
+                </a:schemeClr>
+              </a:solidFill>
+            </a:endParaRPr>
+          </a:p>
+          <a:p>
+            <a:r>
+              <a:rPr lang="en-US" altLang="ja-JP" dirty="0">
+                <a:solidFill>
+                  <a:schemeClr val="bg2">
+                    <a:lumMod val="90000"/>
+                  </a:schemeClr>
+                </a:solidFill>
+              </a:rPr>
+              <a:t>Python</a:t>
+            </a:r>
+            <a:r>
+              <a:rPr lang="ja-JP" altLang="en-US" dirty="0">
+                <a:solidFill>
+                  <a:schemeClr val="bg2">
+                    <a:lumMod val="90000"/>
+                  </a:schemeClr>
+                </a:solidFill>
+              </a:rPr>
+              <a:t>と</a:t>
+            </a:r>
+            <a:r>
+              <a:rPr lang="en-US" altLang="ja-JP" dirty="0" err="1">
+                <a:solidFill>
+                  <a:schemeClr val="bg2">
+                    <a:lumMod val="90000"/>
+                  </a:schemeClr>
+                </a:solidFill>
+              </a:rPr>
+              <a:t>CoppeliaSim</a:t>
+            </a:r>
+            <a:r>
+              <a:rPr lang="ja-JP" altLang="en-US" dirty="0">
+                <a:solidFill>
+                  <a:schemeClr val="bg2">
+                    <a:lumMod val="90000"/>
+                  </a:schemeClr>
+                </a:solidFill>
+              </a:rPr>
+              <a:t>の連携</a:t>
+            </a:r>
+            <a:endParaRPr lang="en-US" altLang="ja-JP" dirty="0">
+              <a:solidFill>
+                <a:schemeClr val="bg2">
+                  <a:lumMod val="90000"/>
+                </a:schemeClr>
+              </a:solidFill>
+            </a:endParaRPr>
+          </a:p>
+          <a:p>
+            <a:r>
+              <a:rPr lang="ja-JP" altLang="en-US" dirty="0">
+                <a:solidFill>
+                  <a:schemeClr val="bg2">
+                    <a:lumMod val="90000"/>
+                  </a:schemeClr>
+                </a:solidFill>
+              </a:rPr>
+              <a:t>今後のアクション</a:t>
+            </a:r>
+            <a:endParaRPr lang="en-US" altLang="ja-JP" dirty="0">
+              <a:solidFill>
+                <a:schemeClr val="bg2">
+                  <a:lumMod val="90000"/>
+                </a:schemeClr>
+              </a:solidFill>
+            </a:endParaRPr>
+          </a:p>
+          <a:p>
+            <a:endParaRPr lang="en-US" altLang="ja-JP" dirty="0"/>
+          </a:p>
+          <a:p>
+            <a:endParaRPr kumimoji="1" lang="en-US" altLang="ja-JP" dirty="0"/>
+          </a:p>
+          <a:p>
+            <a:endParaRPr kumimoji="1" lang="ja-JP" altLang="en-US" dirty="0"/>
+          </a:p>
+        </p:txBody>
+      </p:sp>
+    </p:spTree>
+    <p:extLst>
+      <p:ext uri="{BB962C8B-B14F-4D97-AF65-F5344CB8AC3E}">
+        <p14:creationId xmlns:p14="http://schemas.microsoft.com/office/powerpoint/2010/main" val="2515169858"/>
+      </p:ext>
+    </p:extLst>
+  </p:cSld>
+  <p:clrMapOvr>
+    <a:masterClrMapping/>
+  </p:clrMapOvr>
+</p:sld>
+</file>
+
+<file path=ppt/slides/slide6.xml><?xml version="1.0" encoding="utf-8"?>
+<p:sld xmlns:a="http://schemas.openxmlformats.org/drawingml/2006/main" xmlns:r="http://schemas.openxmlformats.org/officeDocument/2006/relationships" xmlns:p="http://schemas.openxmlformats.org/presentationml/2006/main">
+  <p:cSld>
+    <p:spTree>
+      <p:nvGrpSpPr>
+        <p:cNvPr id="1" name=""/>
+        <p:cNvGrpSpPr/>
+        <p:nvPr/>
+      </p:nvGrpSpPr>
+      <p:grpSpPr>
+        <a:xfrm>
+          <a:off x="0" y="0"/>
+          <a:ext cx="0" cy="0"/>
+          <a:chOff x="0" y="0"/>
+          <a:chExt cx="0" cy="0"/>
+        </a:xfrm>
+      </p:grpSpPr>
+      <p:sp>
+        <p:nvSpPr>
           <p:cNvPr id="2" name="タイトル 1">
             <a:extLst>
               <a:ext uri="{FF2B5EF4-FFF2-40B4-BE49-F238E27FC236}">
@@ -4735,6 +8355,152 @@
             <p:ph type="title"/>
           </p:nvPr>
         </p:nvSpPr>
+        <p:spPr>
+          <a:xfrm>
+            <a:off x="304800" y="365126"/>
+            <a:ext cx="8473440" cy="1325563"/>
+          </a:xfrm>
+        </p:spPr>
+        <p:txBody>
+          <a:bodyPr>
+            <a:normAutofit/>
+          </a:bodyPr>
+          <a:lstStyle/>
+          <a:p>
+            <a:r>
+              <a:rPr kumimoji="1" lang="en-US" altLang="ja-JP" sz="3600" dirty="0"/>
+              <a:t>LOS</a:t>
+            </a:r>
+            <a:r>
+              <a:rPr kumimoji="1" lang="ja-JP" altLang="en-US" sz="3600" dirty="0"/>
+              <a:t>誘導によるリーダーフォロワー制御</a:t>
+            </a:r>
+          </a:p>
+        </p:txBody>
+      </p:sp>
+      <p:sp>
+        <p:nvSpPr>
+          <p:cNvPr id="3" name="コンテンツ プレースホルダー 2">
+            <a:extLst>
+              <a:ext uri="{FF2B5EF4-FFF2-40B4-BE49-F238E27FC236}">
+                <a16:creationId xmlns:a16="http://schemas.microsoft.com/office/drawing/2014/main" id="{D1E82227-0F0A-84B6-1B52-BBECB47410D8}"/>
+              </a:ext>
+            </a:extLst>
+          </p:cNvPr>
+          <p:cNvSpPr>
+            <a:spLocks noGrp="1"/>
+          </p:cNvSpPr>
+          <p:nvPr>
+            <p:ph idx="1"/>
+          </p:nvPr>
+        </p:nvSpPr>
+        <p:spPr>
+          <a:xfrm>
+            <a:off x="628650" y="2128344"/>
+            <a:ext cx="7886700" cy="4298581"/>
+          </a:xfrm>
+        </p:spPr>
+        <p:txBody>
+          <a:bodyPr>
+            <a:normAutofit/>
+          </a:bodyPr>
+          <a:lstStyle/>
+          <a:p>
+            <a:r>
+              <a:rPr kumimoji="1" lang="ja-JP" altLang="en-US" dirty="0"/>
+              <a:t>複数のクワッドロータを管制塔で一括制御するのではなく、局所的な情報のみを利用して群れとして動作することを目指す</a:t>
+            </a:r>
+            <a:endParaRPr kumimoji="1" lang="en-US" altLang="ja-JP" dirty="0"/>
+          </a:p>
+          <a:p>
+            <a:endParaRPr lang="en-US" altLang="ja-JP" dirty="0"/>
+          </a:p>
+          <a:p>
+            <a:r>
+              <a:rPr kumimoji="1" lang="ja-JP" altLang="en-US" dirty="0"/>
+              <a:t>フォーメーション制御に</a:t>
+            </a:r>
+            <a:r>
+              <a:rPr kumimoji="1" lang="en-US" altLang="ja-JP" dirty="0"/>
+              <a:t>LOS</a:t>
+            </a:r>
+            <a:r>
+              <a:rPr kumimoji="1" lang="ja-JP" altLang="en-US" dirty="0"/>
+              <a:t>誘導に基づく</a:t>
+            </a:r>
+            <a:br>
+              <a:rPr kumimoji="1" lang="en-US" altLang="ja-JP" dirty="0"/>
+            </a:br>
+            <a:r>
+              <a:rPr kumimoji="1" lang="ja-JP" altLang="en-US" dirty="0"/>
+              <a:t>リーダーフォロワー制御を採用</a:t>
+            </a:r>
+            <a:endParaRPr kumimoji="1" lang="en-US" altLang="ja-JP" dirty="0"/>
+          </a:p>
+          <a:p>
+            <a:endParaRPr lang="en-US" altLang="ja-JP" dirty="0"/>
+          </a:p>
+          <a:p>
+            <a:r>
+              <a:rPr kumimoji="1" lang="ja-JP" altLang="en-US" dirty="0"/>
+              <a:t>フォロワの制御器を設計、リーダーの動きに</a:t>
+            </a:r>
+            <a:br>
+              <a:rPr kumimoji="1" lang="en-US" altLang="ja-JP" dirty="0"/>
+            </a:br>
+            <a:r>
+              <a:rPr kumimoji="1" lang="ja-JP" altLang="en-US" dirty="0"/>
+              <a:t>併せてフォーメーションを組む</a:t>
+            </a:r>
+          </a:p>
+        </p:txBody>
+      </p:sp>
+    </p:spTree>
+    <p:extLst>
+      <p:ext uri="{BB962C8B-B14F-4D97-AF65-F5344CB8AC3E}">
+        <p14:creationId xmlns:p14="http://schemas.microsoft.com/office/powerpoint/2010/main" val="3359065375"/>
+      </p:ext>
+    </p:extLst>
+  </p:cSld>
+  <p:clrMapOvr>
+    <a:masterClrMapping/>
+  </p:clrMapOvr>
+</p:sld>
+</file>
+
+<file path=ppt/slides/slide7.xml><?xml version="1.0" encoding="utf-8"?>
+<p:sld xmlns:a="http://schemas.openxmlformats.org/drawingml/2006/main" xmlns:r="http://schemas.openxmlformats.org/officeDocument/2006/relationships" xmlns:p="http://schemas.openxmlformats.org/presentationml/2006/main">
+  <p:cSld>
+    <p:spTree>
+      <p:nvGrpSpPr>
+        <p:cNvPr id="1" name=""/>
+        <p:cNvGrpSpPr/>
+        <p:nvPr/>
+      </p:nvGrpSpPr>
+      <p:grpSpPr>
+        <a:xfrm>
+          <a:off x="0" y="0"/>
+          <a:ext cx="0" cy="0"/>
+          <a:chOff x="0" y="0"/>
+          <a:chExt cx="0" cy="0"/>
+        </a:xfrm>
+      </p:grpSpPr>
+      <p:sp>
+        <p:nvSpPr>
+          <p:cNvPr id="2" name="タイトル 1">
+            <a:extLst>
+              <a:ext uri="{FF2B5EF4-FFF2-40B4-BE49-F238E27FC236}">
+                <a16:creationId xmlns:a16="http://schemas.microsoft.com/office/drawing/2014/main" id="{8546EC9C-6F23-D218-F15E-F9E718957547}"/>
+              </a:ext>
+            </a:extLst>
+          </p:cNvPr>
+          <p:cNvSpPr>
+            <a:spLocks noGrp="1"/>
+          </p:cNvSpPr>
+          <p:nvPr>
+            <p:ph type="title"/>
+          </p:nvPr>
+        </p:nvSpPr>
         <p:spPr/>
         <p:txBody>
           <a:bodyPr/>
@@ -4751,8 +8517,8 @@
           </a:p>
         </p:txBody>
       </p:sp>
-      <mc:AlternateContent xmlns:mc="http://schemas.openxmlformats.org/markup-compatibility/2006">
-        <mc:Choice xmlns:a14="http://schemas.microsoft.com/office/drawing/2010/main" Requires="a14">
+      <mc:AlternateContent xmlns:mc="http://schemas.openxmlformats.org/markup-compatibility/2006" xmlns:a14="http://schemas.microsoft.com/office/drawing/2010/main">
+        <mc:Choice Requires="a14">
           <p:sp>
             <p:nvSpPr>
               <p:cNvPr id="3" name="コンテンツ プレースホルダー 2">
@@ -5157,7 +8923,7 @@
             </p:txBody>
           </p:sp>
         </mc:Choice>
-        <mc:Fallback>
+        <mc:Fallback xmlns="">
           <p:sp>
             <p:nvSpPr>
               <p:cNvPr id="3" name="コンテンツ プレースホルダー 2">
@@ -5210,7 +8976,7 @@
 </p:sld>
 </file>
 
-<file path=ppt/slides/slide6.xml><?xml version="1.0" encoding="utf-8"?>
+<file path=ppt/slides/slide8.xml><?xml version="1.0" encoding="utf-8"?>
 <p:sld xmlns:a="http://schemas.openxmlformats.org/drawingml/2006/main" xmlns:r="http://schemas.openxmlformats.org/officeDocument/2006/relationships" xmlns:p="http://schemas.openxmlformats.org/presentationml/2006/main">
   <p:cSld>
     <p:spTree>
@@ -5259,8 +9025,8 @@
           </a:p>
         </p:txBody>
       </p:sp>
-      <mc:AlternateContent xmlns:mc="http://schemas.openxmlformats.org/markup-compatibility/2006">
-        <mc:Choice xmlns:a14="http://schemas.microsoft.com/office/drawing/2010/main" Requires="a14">
+      <mc:AlternateContent xmlns:mc="http://schemas.openxmlformats.org/markup-compatibility/2006" xmlns:a14="http://schemas.microsoft.com/office/drawing/2010/main">
+        <mc:Choice Requires="a14">
           <p:sp>
             <p:nvSpPr>
               <p:cNvPr id="3" name="コンテンツ プレースホルダー 2">
@@ -5835,7 +9601,7 @@
             </p:txBody>
           </p:sp>
         </mc:Choice>
-        <mc:Fallback>
+        <mc:Fallback xmlns="">
           <p:sp>
             <p:nvSpPr>
               <p:cNvPr id="3" name="コンテンツ プレースホルダー 2">
@@ -6024,7 +9790,7 @@
 </p:sld>
 </file>
 
-<file path=ppt/slides/slide7.xml><?xml version="1.0" encoding="utf-8"?>
+<file path=ppt/slides/slide9.xml><?xml version="1.0" encoding="utf-8"?>
 <p:sld xmlns:a="http://schemas.openxmlformats.org/drawingml/2006/main" xmlns:r="http://schemas.openxmlformats.org/officeDocument/2006/relationships" xmlns:p="http://schemas.openxmlformats.org/presentationml/2006/main">
   <p:cSld>
     <p:spTree>
@@ -7078,8 +10844,8 @@
             </a:p>
           </p:txBody>
         </p:sp>
-        <mc:AlternateContent xmlns:mc="http://schemas.openxmlformats.org/markup-compatibility/2006">
-          <mc:Choice xmlns:a14="http://schemas.microsoft.com/office/drawing/2010/main" Requires="a14">
+        <mc:AlternateContent xmlns:mc="http://schemas.openxmlformats.org/markup-compatibility/2006" xmlns:a14="http://schemas.microsoft.com/office/drawing/2010/main">
+          <mc:Choice Requires="a14">
             <p:sp>
               <p:nvSpPr>
                 <p:cNvPr id="44" name="テキスト ボックス 43">
@@ -7147,7 +10913,7 @@
               </p:txBody>
             </p:sp>
           </mc:Choice>
-          <mc:Fallback>
+          <mc:Fallback xmlns="">
             <p:sp>
               <p:nvSpPr>
                 <p:cNvPr id="44" name="テキスト ボックス 43">
@@ -7192,8 +10958,8 @@
             </p:sp>
           </mc:Fallback>
         </mc:AlternateContent>
-        <mc:AlternateContent xmlns:mc="http://schemas.openxmlformats.org/markup-compatibility/2006">
-          <mc:Choice xmlns:a14="http://schemas.microsoft.com/office/drawing/2010/main" Requires="a14">
+        <mc:AlternateContent xmlns:mc="http://schemas.openxmlformats.org/markup-compatibility/2006" xmlns:a14="http://schemas.microsoft.com/office/drawing/2010/main">
+          <mc:Choice Requires="a14">
             <p:sp>
               <p:nvSpPr>
                 <p:cNvPr id="45" name="テキスト ボックス 44">
@@ -7286,7 +11052,7 @@
               </p:txBody>
             </p:sp>
           </mc:Choice>
-          <mc:Fallback>
+          <mc:Fallback xmlns="">
             <p:sp>
               <p:nvSpPr>
                 <p:cNvPr id="45" name="テキスト ボックス 44">
@@ -7331,8 +11097,8 @@
             </p:sp>
           </mc:Fallback>
         </mc:AlternateContent>
-        <mc:AlternateContent xmlns:mc="http://schemas.openxmlformats.org/markup-compatibility/2006">
-          <mc:Choice xmlns:a14="http://schemas.microsoft.com/office/drawing/2010/main" Requires="a14">
+        <mc:AlternateContent xmlns:mc="http://schemas.openxmlformats.org/markup-compatibility/2006" xmlns:a14="http://schemas.microsoft.com/office/drawing/2010/main">
+          <mc:Choice Requires="a14">
             <p:sp>
               <p:nvSpPr>
                 <p:cNvPr id="46" name="テキスト ボックス 45">
@@ -7391,7 +11157,7 @@
               </p:txBody>
             </p:sp>
           </mc:Choice>
-          <mc:Fallback>
+          <mc:Fallback xmlns="">
             <p:sp>
               <p:nvSpPr>
                 <p:cNvPr id="46" name="テキスト ボックス 45">
@@ -7498,369 +11264,6 @@
     <p:extLst>
       <p:ext uri="{BB962C8B-B14F-4D97-AF65-F5344CB8AC3E}">
         <p14:creationId xmlns:p14="http://schemas.microsoft.com/office/powerpoint/2010/main" val="3787439866"/>
-      </p:ext>
-    </p:extLst>
-  </p:cSld>
-  <p:clrMapOvr>
-    <a:masterClrMapping/>
-  </p:clrMapOvr>
-</p:sld>
-</file>
-
-<file path=ppt/slides/slide8.xml><?xml version="1.0" encoding="utf-8"?>
-<p:sld xmlns:a="http://schemas.openxmlformats.org/drawingml/2006/main" xmlns:r="http://schemas.openxmlformats.org/officeDocument/2006/relationships" xmlns:p="http://schemas.openxmlformats.org/presentationml/2006/main">
-  <p:cSld>
-    <p:spTree>
-      <p:nvGrpSpPr>
-        <p:cNvPr id="1" name=""/>
-        <p:cNvGrpSpPr/>
-        <p:nvPr/>
-      </p:nvGrpSpPr>
-      <p:grpSpPr>
-        <a:xfrm>
-          <a:off x="0" y="0"/>
-          <a:ext cx="0" cy="0"/>
-          <a:chOff x="0" y="0"/>
-          <a:chExt cx="0" cy="0"/>
-        </a:xfrm>
-      </p:grpSpPr>
-      <p:sp>
-        <p:nvSpPr>
-          <p:cNvPr id="2" name="タイトル 1">
-            <a:extLst>
-              <a:ext uri="{FF2B5EF4-FFF2-40B4-BE49-F238E27FC236}">
-                <a16:creationId xmlns:a16="http://schemas.microsoft.com/office/drawing/2014/main" id="{8546EC9C-6F23-D218-F15E-F9E718957547}"/>
-              </a:ext>
-            </a:extLst>
-          </p:cNvPr>
-          <p:cNvSpPr>
-            <a:spLocks noGrp="1"/>
-          </p:cNvSpPr>
-          <p:nvPr>
-            <p:ph type="title"/>
-          </p:nvPr>
-        </p:nvSpPr>
-        <p:spPr/>
-        <p:txBody>
-          <a:bodyPr/>
-          <a:lstStyle/>
-          <a:p>
-            <a:r>
-              <a:rPr kumimoji="1" lang="ja-JP" altLang="en-US" dirty="0"/>
-              <a:t>フォロワの制御器</a:t>
-            </a:r>
-          </a:p>
-        </p:txBody>
-      </p:sp>
-      <p:pic>
-        <p:nvPicPr>
-          <p:cNvPr id="5" name="図 4">
-            <a:extLst>
-              <a:ext uri="{FF2B5EF4-FFF2-40B4-BE49-F238E27FC236}">
-                <a16:creationId xmlns:a16="http://schemas.microsoft.com/office/drawing/2014/main" id="{92165D75-B4A4-EB69-EF5C-5CF4486AA55B}"/>
-              </a:ext>
-            </a:extLst>
-          </p:cNvPr>
-          <p:cNvPicPr>
-            <a:picLocks noChangeAspect="1"/>
-          </p:cNvPicPr>
-          <p:nvPr/>
-        </p:nvPicPr>
-        <p:blipFill>
-          <a:blip r:embed="rId2"/>
-          <a:stretch>
-            <a:fillRect/>
-          </a:stretch>
-        </p:blipFill>
-        <p:spPr>
-          <a:xfrm>
-            <a:off x="5094515" y="2927122"/>
-            <a:ext cx="3629532" cy="2629267"/>
-          </a:xfrm>
-          <a:prstGeom prst="rect">
-            <a:avLst/>
-          </a:prstGeom>
-        </p:spPr>
-      </p:pic>
-      <p:pic>
-        <p:nvPicPr>
-          <p:cNvPr id="7" name="図 6">
-            <a:extLst>
-              <a:ext uri="{FF2B5EF4-FFF2-40B4-BE49-F238E27FC236}">
-                <a16:creationId xmlns:a16="http://schemas.microsoft.com/office/drawing/2014/main" id="{2C8EB54E-F812-2D8D-40F2-D57001380AAC}"/>
-              </a:ext>
-            </a:extLst>
-          </p:cNvPr>
-          <p:cNvPicPr>
-            <a:picLocks noChangeAspect="1"/>
-          </p:cNvPicPr>
-          <p:nvPr/>
-        </p:nvPicPr>
-        <p:blipFill>
-          <a:blip r:embed="rId3"/>
-          <a:stretch>
-            <a:fillRect/>
-          </a:stretch>
-        </p:blipFill>
-        <p:spPr>
-          <a:xfrm>
-            <a:off x="702191" y="2660718"/>
-            <a:ext cx="2652544" cy="717982"/>
-          </a:xfrm>
-          <a:prstGeom prst="rect">
-            <a:avLst/>
-          </a:prstGeom>
-        </p:spPr>
-      </p:pic>
-      <p:pic>
-        <p:nvPicPr>
-          <p:cNvPr id="9" name="図 8">
-            <a:extLst>
-              <a:ext uri="{FF2B5EF4-FFF2-40B4-BE49-F238E27FC236}">
-                <a16:creationId xmlns:a16="http://schemas.microsoft.com/office/drawing/2014/main" id="{0DAA069C-0B80-EF54-406D-724F7D691302}"/>
-              </a:ext>
-            </a:extLst>
-          </p:cNvPr>
-          <p:cNvPicPr>
-            <a:picLocks noChangeAspect="1"/>
-          </p:cNvPicPr>
-          <p:nvPr/>
-        </p:nvPicPr>
-        <p:blipFill>
-          <a:blip r:embed="rId4"/>
-          <a:stretch>
-            <a:fillRect/>
-          </a:stretch>
-        </p:blipFill>
-        <p:spPr>
-          <a:xfrm>
-            <a:off x="801189" y="3599760"/>
-            <a:ext cx="2159441" cy="641996"/>
-          </a:xfrm>
-          <a:prstGeom prst="rect">
-            <a:avLst/>
-          </a:prstGeom>
-        </p:spPr>
-      </p:pic>
-      <p:sp>
-        <p:nvSpPr>
-          <p:cNvPr id="10" name="テキスト ボックス 9">
-            <a:extLst>
-              <a:ext uri="{FF2B5EF4-FFF2-40B4-BE49-F238E27FC236}">
-                <a16:creationId xmlns:a16="http://schemas.microsoft.com/office/drawing/2014/main" id="{727410C0-36BA-324A-CB12-DC790721BC9F}"/>
-              </a:ext>
-            </a:extLst>
-          </p:cNvPr>
-          <p:cNvSpPr txBox="1"/>
-          <p:nvPr/>
-        </p:nvSpPr>
-        <p:spPr>
-          <a:xfrm>
-            <a:off x="801189" y="2238645"/>
-            <a:ext cx="2978331" cy="646331"/>
-          </a:xfrm>
-          <a:prstGeom prst="rect">
-            <a:avLst/>
-          </a:prstGeom>
-          <a:noFill/>
-        </p:spPr>
-        <p:txBody>
-          <a:bodyPr wrap="square" rtlCol="0">
-            <a:spAutoFit/>
-          </a:bodyPr>
-          <a:lstStyle/>
-          <a:p>
-            <a:r>
-              <a:rPr kumimoji="1" lang="ja-JP" altLang="en-US" dirty="0"/>
-              <a:t>フォロワーからリーダーの位置ベクトル</a:t>
-            </a:r>
-          </a:p>
-        </p:txBody>
-      </p:sp>
-      <p:sp>
-        <p:nvSpPr>
-          <p:cNvPr id="11" name="テキスト ボックス 10">
-            <a:extLst>
-              <a:ext uri="{FF2B5EF4-FFF2-40B4-BE49-F238E27FC236}">
-                <a16:creationId xmlns:a16="http://schemas.microsoft.com/office/drawing/2014/main" id="{A176F5D3-7D34-4347-40F2-9DC9EB1B0484}"/>
-              </a:ext>
-            </a:extLst>
-          </p:cNvPr>
-          <p:cNvSpPr txBox="1"/>
-          <p:nvPr/>
-        </p:nvSpPr>
-        <p:spPr>
-          <a:xfrm>
-            <a:off x="801189" y="3378700"/>
-            <a:ext cx="3248298" cy="369332"/>
-          </a:xfrm>
-          <a:prstGeom prst="rect">
-            <a:avLst/>
-          </a:prstGeom>
-          <a:noFill/>
-        </p:spPr>
-        <p:txBody>
-          <a:bodyPr wrap="square" rtlCol="0">
-            <a:spAutoFit/>
-          </a:bodyPr>
-          <a:lstStyle/>
-          <a:p>
-            <a:r>
-              <a:rPr kumimoji="1" lang="ja-JP" altLang="en-US" dirty="0"/>
-              <a:t>追従目標点への位置ベクトル</a:t>
-            </a:r>
-          </a:p>
-        </p:txBody>
-      </p:sp>
-      <p:pic>
-        <p:nvPicPr>
-          <p:cNvPr id="13" name="図 12">
-            <a:extLst>
-              <a:ext uri="{FF2B5EF4-FFF2-40B4-BE49-F238E27FC236}">
-                <a16:creationId xmlns:a16="http://schemas.microsoft.com/office/drawing/2014/main" id="{B1452F4C-D3CD-A41D-6F9C-55721DA5F9D7}"/>
-              </a:ext>
-            </a:extLst>
-          </p:cNvPr>
-          <p:cNvPicPr>
-            <a:picLocks noChangeAspect="1"/>
-          </p:cNvPicPr>
-          <p:nvPr/>
-        </p:nvPicPr>
-        <p:blipFill>
-          <a:blip r:embed="rId5"/>
-          <a:stretch>
-            <a:fillRect/>
-          </a:stretch>
-        </p:blipFill>
-        <p:spPr>
-          <a:xfrm>
-            <a:off x="946778" y="5273090"/>
-            <a:ext cx="2163370" cy="566597"/>
-          </a:xfrm>
-          <a:prstGeom prst="rect">
-            <a:avLst/>
-          </a:prstGeom>
-        </p:spPr>
-      </p:pic>
-      <p:sp>
-        <p:nvSpPr>
-          <p:cNvPr id="14" name="テキスト ボックス 13">
-            <a:extLst>
-              <a:ext uri="{FF2B5EF4-FFF2-40B4-BE49-F238E27FC236}">
-                <a16:creationId xmlns:a16="http://schemas.microsoft.com/office/drawing/2014/main" id="{140F8000-D53A-6B3A-E6EF-B5D429CE6D38}"/>
-              </a:ext>
-            </a:extLst>
-          </p:cNvPr>
-          <p:cNvSpPr txBox="1"/>
-          <p:nvPr/>
-        </p:nvSpPr>
-        <p:spPr>
-          <a:xfrm>
-            <a:off x="702191" y="4758656"/>
-            <a:ext cx="2745982" cy="461665"/>
-          </a:xfrm>
-          <a:prstGeom prst="rect">
-            <a:avLst/>
-          </a:prstGeom>
-          <a:noFill/>
-        </p:spPr>
-        <p:txBody>
-          <a:bodyPr wrap="square" rtlCol="0">
-            <a:spAutoFit/>
-          </a:bodyPr>
-          <a:lstStyle/>
-          <a:p>
-            <a:r>
-              <a:rPr kumimoji="1" lang="ja-JP" altLang="en-US" sz="2400" dirty="0"/>
-              <a:t>フォロワの制御器</a:t>
-            </a:r>
-          </a:p>
-        </p:txBody>
-      </p:sp>
-    </p:spTree>
-    <p:extLst>
-      <p:ext uri="{BB962C8B-B14F-4D97-AF65-F5344CB8AC3E}">
-        <p14:creationId xmlns:p14="http://schemas.microsoft.com/office/powerpoint/2010/main" val="1905849033"/>
-      </p:ext>
-    </p:extLst>
-  </p:cSld>
-  <p:clrMapOvr>
-    <a:masterClrMapping/>
-  </p:clrMapOvr>
-</p:sld>
-</file>
-
-<file path=ppt/slides/slide9.xml><?xml version="1.0" encoding="utf-8"?>
-<p:sld xmlns:a="http://schemas.openxmlformats.org/drawingml/2006/main" xmlns:r="http://schemas.openxmlformats.org/officeDocument/2006/relationships" xmlns:p="http://schemas.openxmlformats.org/presentationml/2006/main">
-  <p:cSld>
-    <p:spTree>
-      <p:nvGrpSpPr>
-        <p:cNvPr id="1" name=""/>
-        <p:cNvGrpSpPr/>
-        <p:nvPr/>
-      </p:nvGrpSpPr>
-      <p:grpSpPr>
-        <a:xfrm>
-          <a:off x="0" y="0"/>
-          <a:ext cx="0" cy="0"/>
-          <a:chOff x="0" y="0"/>
-          <a:chExt cx="0" cy="0"/>
-        </a:xfrm>
-      </p:grpSpPr>
-      <p:sp>
-        <p:nvSpPr>
-          <p:cNvPr id="2" name="タイトル 1">
-            <a:extLst>
-              <a:ext uri="{FF2B5EF4-FFF2-40B4-BE49-F238E27FC236}">
-                <a16:creationId xmlns:a16="http://schemas.microsoft.com/office/drawing/2014/main" id="{8546EC9C-6F23-D218-F15E-F9E718957547}"/>
-              </a:ext>
-            </a:extLst>
-          </p:cNvPr>
-          <p:cNvSpPr>
-            <a:spLocks noGrp="1"/>
-          </p:cNvSpPr>
-          <p:nvPr>
-            <p:ph type="title"/>
-          </p:nvPr>
-        </p:nvSpPr>
-        <p:spPr/>
-        <p:txBody>
-          <a:bodyPr/>
-          <a:lstStyle/>
-          <a:p>
-            <a:endParaRPr kumimoji="1" lang="ja-JP" altLang="en-US" dirty="0"/>
-          </a:p>
-        </p:txBody>
-      </p:sp>
-      <p:sp>
-        <p:nvSpPr>
-          <p:cNvPr id="3" name="コンテンツ プレースホルダー 2">
-            <a:extLst>
-              <a:ext uri="{FF2B5EF4-FFF2-40B4-BE49-F238E27FC236}">
-                <a16:creationId xmlns:a16="http://schemas.microsoft.com/office/drawing/2014/main" id="{D1E82227-0F0A-84B6-1B52-BBECB47410D8}"/>
-              </a:ext>
-            </a:extLst>
-          </p:cNvPr>
-          <p:cNvSpPr>
-            <a:spLocks noGrp="1"/>
-          </p:cNvSpPr>
-          <p:nvPr>
-            <p:ph idx="1"/>
-          </p:nvPr>
-        </p:nvSpPr>
-        <p:spPr/>
-        <p:txBody>
-          <a:bodyPr/>
-          <a:lstStyle/>
-          <a:p>
-            <a:endParaRPr kumimoji="1" lang="ja-JP" altLang="en-US"/>
-          </a:p>
-        </p:txBody>
-      </p:sp>
-    </p:spTree>
-    <p:extLst>
-      <p:ext uri="{BB962C8B-B14F-4D97-AF65-F5344CB8AC3E}">
-        <p14:creationId xmlns:p14="http://schemas.microsoft.com/office/powerpoint/2010/main" val="1000363657"/>
       </p:ext>
     </p:extLst>
   </p:cSld>

--- a/進捗共有_20250612.pptx
+++ b/進捗共有_20250612.pptx
@@ -5823,7 +5823,7 @@
           <a:bodyPr/>
           <a:lstStyle/>
           <a:p>
-            <a:endParaRPr kumimoji="1" lang="ja-JP" altLang="en-US"/>
+            <a:endParaRPr kumimoji="1" lang="ja-JP" altLang="en-US" dirty="0"/>
           </a:p>
         </p:txBody>
       </p:sp>
@@ -6726,6 +6726,10 @@
           <a:bodyPr/>
           <a:lstStyle/>
           <a:p>
+            <a:r>
+              <a:rPr kumimoji="1" lang="en-US" altLang="ja-JP" dirty="0"/>
+              <a:t>Zero MQ Remote API</a:t>
+            </a:r>
             <a:endParaRPr kumimoji="1" lang="ja-JP" altLang="en-US" dirty="0"/>
           </a:p>
         </p:txBody>
@@ -6746,12 +6750,127 @@
             <p:ph idx="1"/>
           </p:nvPr>
         </p:nvSpPr>
-        <p:spPr/>
-        <p:txBody>
-          <a:bodyPr/>
+        <p:spPr>
+          <a:xfrm>
+            <a:off x="628650" y="2128344"/>
+            <a:ext cx="7886700" cy="4364529"/>
+          </a:xfrm>
+        </p:spPr>
+        <p:txBody>
+          <a:bodyPr>
+            <a:normAutofit fontScale="92500"/>
+          </a:bodyPr>
           <a:lstStyle/>
           <a:p>
-            <a:endParaRPr kumimoji="1" lang="ja-JP" altLang="en-US"/>
+            <a:r>
+              <a:rPr lang="ja-JP" altLang="en-US" b="1" dirty="0"/>
+              <a:t>非同期通信</a:t>
+            </a:r>
+            <a:r>
+              <a:rPr lang="en-US" altLang="ja-JP" dirty="0"/>
+              <a:t>: </a:t>
+            </a:r>
+          </a:p>
+          <a:p>
+            <a:pPr lvl="1"/>
+            <a:r>
+              <a:rPr lang="ja-JP" altLang="en-US" dirty="0"/>
+              <a:t>クライアント（</a:t>
+            </a:r>
+            <a:r>
+              <a:rPr lang="en-US" altLang="ja-JP" dirty="0"/>
+              <a:t>Python</a:t>
+            </a:r>
+            <a:r>
+              <a:rPr lang="ja-JP" altLang="en-US" dirty="0"/>
+              <a:t>）とサーバー（</a:t>
+            </a:r>
+            <a:r>
+              <a:rPr lang="en-US" altLang="ja-JP" dirty="0" err="1"/>
+              <a:t>CoppeliaSim</a:t>
+            </a:r>
+            <a:r>
+              <a:rPr lang="ja-JP" altLang="en-US" dirty="0"/>
+              <a:t>）は必ずしも互いの処理を待つ必要なく通信可能</a:t>
+            </a:r>
+            <a:endParaRPr lang="en-US" altLang="ja-JP" dirty="0"/>
+          </a:p>
+          <a:p>
+            <a:r>
+              <a:rPr lang="ja-JP" altLang="en-US" b="1" dirty="0"/>
+              <a:t>ステップ実行モード（同期モード）</a:t>
+            </a:r>
+            <a:r>
+              <a:rPr lang="en-US" altLang="ja-JP" dirty="0"/>
+              <a:t>: </a:t>
+            </a:r>
+          </a:p>
+          <a:p>
+            <a:pPr lvl="1"/>
+            <a:r>
+              <a:rPr lang="en-US" altLang="ja-JP" dirty="0"/>
+              <a:t>Python</a:t>
+            </a:r>
+            <a:r>
+              <a:rPr lang="ja-JP" altLang="en-US" dirty="0"/>
+              <a:t>スクリプトと</a:t>
+            </a:r>
+            <a:r>
+              <a:rPr lang="en-US" altLang="ja-JP" dirty="0" err="1"/>
+              <a:t>CoppeliaSim</a:t>
+            </a:r>
+            <a:r>
+              <a:rPr lang="ja-JP" altLang="en-US" dirty="0"/>
+              <a:t>のシミュレーション</a:t>
+            </a:r>
+            <a:br>
+              <a:rPr lang="en-US" altLang="ja-JP" dirty="0"/>
+            </a:br>
+            <a:r>
+              <a:rPr lang="ja-JP" altLang="en-US" dirty="0"/>
+              <a:t>ステップを厳密に同期させ、制御ループの各段階で</a:t>
+            </a:r>
+            <a:br>
+              <a:rPr lang="en-US" altLang="ja-JP" dirty="0"/>
+            </a:br>
+            <a:r>
+              <a:rPr lang="ja-JP" altLang="en-US" dirty="0"/>
+              <a:t>シミュレーションの状態を正確に把握・操作可能</a:t>
+            </a:r>
+            <a:endParaRPr lang="en-US" altLang="ja-JP" dirty="0"/>
+          </a:p>
+          <a:p>
+            <a:r>
+              <a:rPr lang="ja-JP" altLang="en-US" b="1" dirty="0"/>
+              <a:t>シミュレータ自体のリモート制御</a:t>
+            </a:r>
+            <a:r>
+              <a:rPr lang="en-US" altLang="ja-JP" dirty="0"/>
+              <a:t>: </a:t>
+            </a:r>
+          </a:p>
+          <a:p>
+            <a:pPr lvl="1"/>
+            <a:r>
+              <a:rPr lang="ja-JP" altLang="en-US" dirty="0"/>
+              <a:t>シーンファイルのロード、シミュレーションの開始・</a:t>
+            </a:r>
+            <a:br>
+              <a:rPr lang="en-US" altLang="ja-JP" dirty="0"/>
+            </a:br>
+            <a:r>
+              <a:rPr lang="ja-JP" altLang="en-US" dirty="0"/>
+              <a:t>一時停止・停止といった、シミュレータ全体の操作も</a:t>
+            </a:r>
+            <a:r>
+              <a:rPr lang="en-US" altLang="ja-JP" dirty="0"/>
+              <a:t>Python</a:t>
+            </a:r>
+            <a:r>
+              <a:rPr lang="ja-JP" altLang="en-US" dirty="0"/>
+              <a:t>から行える</a:t>
+            </a:r>
+            <a:endParaRPr kumimoji="1" lang="ja-JP" altLang="en-US" dirty="0"/>
           </a:p>
         </p:txBody>
       </p:sp>
@@ -6926,35 +7045,50 @@
           <a:bodyPr/>
           <a:lstStyle/>
           <a:p>
-            <a:endParaRPr kumimoji="1" lang="ja-JP" altLang="en-US" dirty="0"/>
-          </a:p>
-        </p:txBody>
-      </p:sp>
-      <p:sp>
-        <p:nvSpPr>
-          <p:cNvPr id="3" name="コンテンツ プレースホルダー 2">
+            <a:r>
+              <a:rPr kumimoji="1" lang="ja-JP" altLang="en-US" dirty="0"/>
+              <a:t>２つの</a:t>
+            </a:r>
+            <a:r>
+              <a:rPr kumimoji="1" lang="en-US" altLang="ja-JP" dirty="0"/>
+              <a:t>API</a:t>
+            </a:r>
+            <a:r>
+              <a:rPr kumimoji="1" lang="ja-JP" altLang="en-US" dirty="0"/>
+              <a:t>の比較</a:t>
+            </a:r>
+          </a:p>
+        </p:txBody>
+      </p:sp>
+      <p:pic>
+        <p:nvPicPr>
+          <p:cNvPr id="9" name="コンテンツ プレースホルダー 8">
             <a:extLst>
               <a:ext uri="{FF2B5EF4-FFF2-40B4-BE49-F238E27FC236}">
-                <a16:creationId xmlns:a16="http://schemas.microsoft.com/office/drawing/2014/main" id="{D1E82227-0F0A-84B6-1B52-BBECB47410D8}"/>
+                <a16:creationId xmlns:a16="http://schemas.microsoft.com/office/drawing/2014/main" id="{F2DE4514-2F2F-48AE-12C8-5B9BC53204BD}"/>
               </a:ext>
             </a:extLst>
           </p:cNvPr>
-          <p:cNvSpPr>
-            <a:spLocks noGrp="1"/>
-          </p:cNvSpPr>
+          <p:cNvPicPr>
+            <a:picLocks noGrp="1" noChangeAspect="1"/>
+          </p:cNvPicPr>
           <p:nvPr>
             <p:ph idx="1"/>
           </p:nvPr>
-        </p:nvSpPr>
-        <p:spPr/>
-        <p:txBody>
-          <a:bodyPr/>
-          <a:lstStyle/>
-          <a:p>
-            <a:endParaRPr kumimoji="1" lang="ja-JP" altLang="en-US"/>
-          </a:p>
-        </p:txBody>
-      </p:sp>
+        </p:nvPicPr>
+        <p:blipFill>
+          <a:blip r:embed="rId2"/>
+          <a:stretch>
+            <a:fillRect/>
+          </a:stretch>
+        </p:blipFill>
+        <p:spPr>
+          <a:xfrm>
+            <a:off x="982410" y="1944280"/>
+            <a:ext cx="7305337" cy="4364036"/>
+          </a:xfrm>
+        </p:spPr>
+      </p:pic>
     </p:spTree>
     <p:extLst>
       <p:ext uri="{BB962C8B-B14F-4D97-AF65-F5344CB8AC3E}">
